--- a/線上教學平台20190222.pptx
+++ b/線上教學平台20190222.pptx
@@ -1636,17 +1636,7 @@
               <a:latin typeface="微軟正黑體" panose="020B0604030504040204" pitchFamily="34" charset="-120"/>
               <a:ea typeface="微軟正黑體" panose="020B0604030504040204" pitchFamily="34" charset="-120"/>
             </a:rPr>
-            <a:t>編輯個人</a:t>
-          </a:r>
-          <a:r>
-            <a:rPr lang="zh-TW" altLang="en-US" sz="1200" dirty="0" smtClean="0">
-              <a:solidFill>
-                <a:schemeClr val="tx1"/>
-              </a:solidFill>
-              <a:latin typeface="微軟正黑體" panose="020B0604030504040204" pitchFamily="34" charset="-120"/>
-              <a:ea typeface="微軟正黑體" panose="020B0604030504040204" pitchFamily="34" charset="-120"/>
-            </a:rPr>
-            <a:t>資料</a:t>
+            <a:t>編輯個人資料</a:t>
           </a:r>
           <a:endParaRPr lang="zh-TW" altLang="en-US" sz="1200" dirty="0">
             <a:solidFill>
@@ -7394,6 +7384,13 @@
     <dgm:pt modelId="{D93C5889-A770-4FBC-9EBE-E51AB7C2FDF6}" type="pres">
       <dgm:prSet presAssocID="{E65248C0-2B5B-42DE-B964-05B0EDA7CDC5}" presName="Name37" presStyleLbl="parChTrans1D3" presStyleIdx="32" presStyleCnt="55"/>
       <dgm:spPr/>
+      <dgm:t>
+        <a:bodyPr/>
+        <a:lstStyle/>
+        <a:p>
+          <a:endParaRPr lang="zh-TW" altLang="en-US"/>
+        </a:p>
+      </dgm:t>
     </dgm:pt>
     <dgm:pt modelId="{93C76B29-0FCD-4F28-B8E3-874510B7E13A}" type="pres">
       <dgm:prSet presAssocID="{E0905AAB-3A95-4785-A758-3BB76C0495E9}" presName="hierRoot2" presStyleCnt="0">
@@ -7936,6 +7933,13 @@
     <dgm:pt modelId="{12B276A5-96F3-431C-B61B-630875C09293}" type="pres">
       <dgm:prSet presAssocID="{D2E320A0-BFD2-4113-AAB1-6C21B23D54CA}" presName="Name37" presStyleLbl="parChTrans1D2" presStyleIdx="9" presStyleCnt="13"/>
       <dgm:spPr/>
+      <dgm:t>
+        <a:bodyPr/>
+        <a:lstStyle/>
+        <a:p>
+          <a:endParaRPr lang="zh-TW" altLang="en-US"/>
+        </a:p>
+      </dgm:t>
     </dgm:pt>
     <dgm:pt modelId="{BDA845AA-2A62-4EF1-9D06-3A1D30FFC69B}" type="pres">
       <dgm:prSet presAssocID="{06534DF6-5680-4FD6-8C06-EFD2ADB28888}" presName="hierRoot2" presStyleCnt="0">
@@ -7986,6 +7990,13 @@
     <dgm:pt modelId="{BC774559-F446-492E-8685-CF1F5D6F719E}" type="pres">
       <dgm:prSet presAssocID="{D6661420-D8AB-4C12-A689-2ED3210EDE4E}" presName="Name37" presStyleLbl="parChTrans1D3" presStyleIdx="40" presStyleCnt="55"/>
       <dgm:spPr/>
+      <dgm:t>
+        <a:bodyPr/>
+        <a:lstStyle/>
+        <a:p>
+          <a:endParaRPr lang="zh-TW" altLang="en-US"/>
+        </a:p>
+      </dgm:t>
     </dgm:pt>
     <dgm:pt modelId="{34FA6154-4636-42DF-9AF7-9DF0CAEC8C53}" type="pres">
       <dgm:prSet presAssocID="{54EBD050-57A1-4841-8039-6E3BC3B87551}" presName="hierRoot2" presStyleCnt="0">
@@ -8040,6 +8051,13 @@
     <dgm:pt modelId="{BBA998FB-2BC8-4ED4-8DDB-9E6D951E1686}" type="pres">
       <dgm:prSet presAssocID="{502FF505-CD6A-490C-91EF-FCDB60B83475}" presName="Name37" presStyleLbl="parChTrans1D3" presStyleIdx="41" presStyleCnt="55"/>
       <dgm:spPr/>
+      <dgm:t>
+        <a:bodyPr/>
+        <a:lstStyle/>
+        <a:p>
+          <a:endParaRPr lang="zh-TW" altLang="en-US"/>
+        </a:p>
+      </dgm:t>
     </dgm:pt>
     <dgm:pt modelId="{00067FF6-8038-4DD3-A287-485CEE49FA1B}" type="pres">
       <dgm:prSet presAssocID="{E4507D21-8B18-426B-90B3-C73CD3A0FEAE}" presName="hierRoot2" presStyleCnt="0">
@@ -8094,6 +8112,13 @@
     <dgm:pt modelId="{68CDE359-982B-4DC3-9633-3FCCCA6CEC93}" type="pres">
       <dgm:prSet presAssocID="{F9185973-E91D-4F9F-888E-30E52494D236}" presName="Name37" presStyleLbl="parChTrans1D3" presStyleIdx="42" presStyleCnt="55"/>
       <dgm:spPr/>
+      <dgm:t>
+        <a:bodyPr/>
+        <a:lstStyle/>
+        <a:p>
+          <a:endParaRPr lang="zh-TW" altLang="en-US"/>
+        </a:p>
+      </dgm:t>
     </dgm:pt>
     <dgm:pt modelId="{1F6EE190-155A-4888-ADFB-290315587C85}" type="pres">
       <dgm:prSet presAssocID="{967B49BC-36ED-41FA-8808-452DBCBF7D4D}" presName="hierRoot2" presStyleCnt="0">
@@ -8152,6 +8177,13 @@
     <dgm:pt modelId="{4BC60D2D-F261-4494-A8F9-FEF34AB0B17B}" type="pres">
       <dgm:prSet presAssocID="{9E81CAB6-3590-4004-9481-AADB45E2027A}" presName="Name37" presStyleLbl="parChTrans1D2" presStyleIdx="10" presStyleCnt="13"/>
       <dgm:spPr/>
+      <dgm:t>
+        <a:bodyPr/>
+        <a:lstStyle/>
+        <a:p>
+          <a:endParaRPr lang="zh-TW" altLang="en-US"/>
+        </a:p>
+      </dgm:t>
     </dgm:pt>
     <dgm:pt modelId="{2F273627-CC06-416C-AD98-8EE925C3C4CB}" type="pres">
       <dgm:prSet presAssocID="{07FDC29B-622D-4E67-AB48-A9AA1F589B65}" presName="hierRoot2" presStyleCnt="0">
@@ -8202,6 +8234,13 @@
     <dgm:pt modelId="{675D167B-AC86-4F5C-B32F-0EF3E9B8DBB1}" type="pres">
       <dgm:prSet presAssocID="{91391709-5792-48B5-90D2-BE8612049A03}" presName="Name37" presStyleLbl="parChTrans1D3" presStyleIdx="43" presStyleCnt="55"/>
       <dgm:spPr/>
+      <dgm:t>
+        <a:bodyPr/>
+        <a:lstStyle/>
+        <a:p>
+          <a:endParaRPr lang="zh-TW" altLang="en-US"/>
+        </a:p>
+      </dgm:t>
     </dgm:pt>
     <dgm:pt modelId="{F720FE41-15A3-4A9D-B1F7-9F56E85501D0}" type="pres">
       <dgm:prSet presAssocID="{DDB223F8-FA19-43B8-B9E5-6F472A80FF11}" presName="hierRoot2" presStyleCnt="0">
@@ -8256,6 +8295,13 @@
     <dgm:pt modelId="{45334881-CA76-45F5-8209-34EF25E428E0}" type="pres">
       <dgm:prSet presAssocID="{AC094981-4EEF-4913-B14A-A14BA91FCC03}" presName="Name37" presStyleLbl="parChTrans1D3" presStyleIdx="44" presStyleCnt="55"/>
       <dgm:spPr/>
+      <dgm:t>
+        <a:bodyPr/>
+        <a:lstStyle/>
+        <a:p>
+          <a:endParaRPr lang="zh-TW" altLang="en-US"/>
+        </a:p>
+      </dgm:t>
     </dgm:pt>
     <dgm:pt modelId="{D462E4DB-66DE-46FE-8786-AE3C705BE905}" type="pres">
       <dgm:prSet presAssocID="{336C458F-2DE5-4480-B681-D74B4593D0FD}" presName="hierRoot2" presStyleCnt="0">
@@ -8314,6 +8360,13 @@
     <dgm:pt modelId="{212469AF-89FC-4A0A-9485-CFDF012F6D76}" type="pres">
       <dgm:prSet presAssocID="{DDCE66B6-A59D-4D6F-8F91-9E8F2CAF7968}" presName="Name37" presStyleLbl="parChTrans1D2" presStyleIdx="11" presStyleCnt="13"/>
       <dgm:spPr/>
+      <dgm:t>
+        <a:bodyPr/>
+        <a:lstStyle/>
+        <a:p>
+          <a:endParaRPr lang="zh-TW" altLang="en-US"/>
+        </a:p>
+      </dgm:t>
     </dgm:pt>
     <dgm:pt modelId="{75A19574-E21A-44B4-9FEC-DF8AA28F110A}" type="pres">
       <dgm:prSet presAssocID="{B9DF79D7-DAB1-419A-93BC-5224E7292C01}" presName="hierRoot2" presStyleCnt="0">
@@ -8364,6 +8417,13 @@
     <dgm:pt modelId="{07836A9C-4A31-4FD9-B62B-D82EF32A7E9E}" type="pres">
       <dgm:prSet presAssocID="{C9D0EF75-7BC2-4481-9207-C868658479B1}" presName="Name37" presStyleLbl="parChTrans1D3" presStyleIdx="45" presStyleCnt="55"/>
       <dgm:spPr/>
+      <dgm:t>
+        <a:bodyPr/>
+        <a:lstStyle/>
+        <a:p>
+          <a:endParaRPr lang="zh-TW" altLang="en-US"/>
+        </a:p>
+      </dgm:t>
     </dgm:pt>
     <dgm:pt modelId="{E0406752-9597-4C1B-80FF-F63CEE8BDC23}" type="pres">
       <dgm:prSet presAssocID="{EA170130-05EB-49C1-AEDF-BED750E0EA72}" presName="hierRoot2" presStyleCnt="0">
@@ -8418,6 +8478,13 @@
     <dgm:pt modelId="{92AB8742-4DE6-45F0-B02D-3D0A37EF5324}" type="pres">
       <dgm:prSet presAssocID="{E62A6C13-7490-4EBE-BA1D-108A8285450E}" presName="Name37" presStyleLbl="parChTrans1D3" presStyleIdx="46" presStyleCnt="55"/>
       <dgm:spPr/>
+      <dgm:t>
+        <a:bodyPr/>
+        <a:lstStyle/>
+        <a:p>
+          <a:endParaRPr lang="zh-TW" altLang="en-US"/>
+        </a:p>
+      </dgm:t>
     </dgm:pt>
     <dgm:pt modelId="{9A102684-2CDB-4B1B-9D5D-A104135D25B2}" type="pres">
       <dgm:prSet presAssocID="{B1FAE752-2A95-4101-A426-836514BA9A2E}" presName="hierRoot2" presStyleCnt="0">
@@ -8472,6 +8539,13 @@
     <dgm:pt modelId="{97B36F45-464F-4B05-85DB-1AFB63ADF764}" type="pres">
       <dgm:prSet presAssocID="{F0825D92-93FD-4D05-BC35-4A845EC2ED1B}" presName="Name37" presStyleLbl="parChTrans1D3" presStyleIdx="47" presStyleCnt="55"/>
       <dgm:spPr/>
+      <dgm:t>
+        <a:bodyPr/>
+        <a:lstStyle/>
+        <a:p>
+          <a:endParaRPr lang="zh-TW" altLang="en-US"/>
+        </a:p>
+      </dgm:t>
     </dgm:pt>
     <dgm:pt modelId="{D5EC80B8-77EB-4235-B749-C30775F863ED}" type="pres">
       <dgm:prSet presAssocID="{E5F83174-20E0-4019-AF5A-2A9B80B3D86B}" presName="hierRoot2" presStyleCnt="0">
@@ -8526,6 +8600,13 @@
     <dgm:pt modelId="{8110E6C7-B987-4164-A9C5-8BE7356A576F}" type="pres">
       <dgm:prSet presAssocID="{55A95216-44D0-465E-BB0F-1C6FB47743EE}" presName="Name37" presStyleLbl="parChTrans1D3" presStyleIdx="48" presStyleCnt="55"/>
       <dgm:spPr/>
+      <dgm:t>
+        <a:bodyPr/>
+        <a:lstStyle/>
+        <a:p>
+          <a:endParaRPr lang="zh-TW" altLang="en-US"/>
+        </a:p>
+      </dgm:t>
     </dgm:pt>
     <dgm:pt modelId="{1A23475F-8024-4489-B97F-842F2450F657}" type="pres">
       <dgm:prSet presAssocID="{785076A0-61E1-45AE-9124-93C3B42D37AF}" presName="hierRoot2" presStyleCnt="0">
@@ -8580,6 +8661,13 @@
     <dgm:pt modelId="{39916E1D-5D31-4481-9E8A-96A114D135F9}" type="pres">
       <dgm:prSet presAssocID="{461BF01B-4C90-4BBC-9475-E99858736F81}" presName="Name37" presStyleLbl="parChTrans1D3" presStyleIdx="49" presStyleCnt="55"/>
       <dgm:spPr/>
+      <dgm:t>
+        <a:bodyPr/>
+        <a:lstStyle/>
+        <a:p>
+          <a:endParaRPr lang="zh-TW" altLang="en-US"/>
+        </a:p>
+      </dgm:t>
     </dgm:pt>
     <dgm:pt modelId="{E98F7DFC-05E1-46D0-98DA-71FE294E659A}" type="pres">
       <dgm:prSet presAssocID="{A42FFD6D-CFEA-4825-840F-D456580596CE}" presName="hierRoot2" presStyleCnt="0">
@@ -8634,6 +8722,13 @@
     <dgm:pt modelId="{B8E100E7-9CA6-4F0E-A84A-409D3C8E53BE}" type="pres">
       <dgm:prSet presAssocID="{3555F3F7-E7B2-4CD1-8EC1-BED7124A357E}" presName="Name37" presStyleLbl="parChTrans1D3" presStyleIdx="50" presStyleCnt="55"/>
       <dgm:spPr/>
+      <dgm:t>
+        <a:bodyPr/>
+        <a:lstStyle/>
+        <a:p>
+          <a:endParaRPr lang="zh-TW" altLang="en-US"/>
+        </a:p>
+      </dgm:t>
     </dgm:pt>
     <dgm:pt modelId="{3B16F862-DAEA-4531-8D1F-6886FFB5F03B}" type="pres">
       <dgm:prSet presAssocID="{DB48C575-5006-440B-8A4B-39C6DC78A19E}" presName="hierRoot2" presStyleCnt="0">
@@ -8688,6 +8783,13 @@
     <dgm:pt modelId="{2AFA91C7-C22F-4837-BA11-ACEFFEB4915F}" type="pres">
       <dgm:prSet presAssocID="{0E10C905-03B0-4968-A51B-CC222A62B71D}" presName="Name37" presStyleLbl="parChTrans1D3" presStyleIdx="51" presStyleCnt="55"/>
       <dgm:spPr/>
+      <dgm:t>
+        <a:bodyPr/>
+        <a:lstStyle/>
+        <a:p>
+          <a:endParaRPr lang="zh-TW" altLang="en-US"/>
+        </a:p>
+      </dgm:t>
     </dgm:pt>
     <dgm:pt modelId="{2315E7E6-9A79-444A-9F21-46C89DACD118}" type="pres">
       <dgm:prSet presAssocID="{2222A0CC-63CE-4BBF-8DFC-308BB4C60AD2}" presName="hierRoot2" presStyleCnt="0">
@@ -8742,6 +8844,13 @@
     <dgm:pt modelId="{52F4768A-CA4F-4D50-BC6F-453ABD0496E6}" type="pres">
       <dgm:prSet presAssocID="{34A9FE22-1E61-421F-BBA2-C86C78DB84BA}" presName="Name37" presStyleLbl="parChTrans1D3" presStyleIdx="52" presStyleCnt="55"/>
       <dgm:spPr/>
+      <dgm:t>
+        <a:bodyPr/>
+        <a:lstStyle/>
+        <a:p>
+          <a:endParaRPr lang="zh-TW" altLang="en-US"/>
+        </a:p>
+      </dgm:t>
     </dgm:pt>
     <dgm:pt modelId="{07114095-B7E0-462B-9CD1-8C15045A75A3}" type="pres">
       <dgm:prSet presAssocID="{A6261FBC-2BD6-4E7A-BEDA-AF1A9733A29C}" presName="hierRoot2" presStyleCnt="0">
@@ -8800,6 +8909,13 @@
     <dgm:pt modelId="{0C0E0275-E419-46DE-B163-B6BB4C36CB2C}" type="pres">
       <dgm:prSet presAssocID="{AEAF7E84-B526-4625-AE11-B6DD18C39057}" presName="Name37" presStyleLbl="parChTrans1D2" presStyleIdx="12" presStyleCnt="13"/>
       <dgm:spPr/>
+      <dgm:t>
+        <a:bodyPr/>
+        <a:lstStyle/>
+        <a:p>
+          <a:endParaRPr lang="zh-TW" altLang="en-US"/>
+        </a:p>
+      </dgm:t>
     </dgm:pt>
     <dgm:pt modelId="{3F098473-2366-4055-8C93-5AA9EF88F4C5}" type="pres">
       <dgm:prSet presAssocID="{3D0E5FCC-C6E6-4415-A923-3B56776F1283}" presName="hierRoot2" presStyleCnt="0">
@@ -8850,6 +8966,13 @@
     <dgm:pt modelId="{36D62B55-4C48-41B4-84E3-8E4C44E5B485}" type="pres">
       <dgm:prSet presAssocID="{7C5A7727-446E-41A4-A9A7-14302C1448AD}" presName="Name37" presStyleLbl="parChTrans1D3" presStyleIdx="53" presStyleCnt="55"/>
       <dgm:spPr/>
+      <dgm:t>
+        <a:bodyPr/>
+        <a:lstStyle/>
+        <a:p>
+          <a:endParaRPr lang="zh-TW" altLang="en-US"/>
+        </a:p>
+      </dgm:t>
     </dgm:pt>
     <dgm:pt modelId="{8EBC7173-2DAD-449C-ACA9-74F4B5C8DEF1}" type="pres">
       <dgm:prSet presAssocID="{87E1A1E6-A868-4E5B-99F4-735B260B8F8C}" presName="hierRoot2" presStyleCnt="0">
@@ -8904,6 +9027,13 @@
     <dgm:pt modelId="{2633350B-FFE7-4BDF-B944-8EFB76127B4F}" type="pres">
       <dgm:prSet presAssocID="{40E11140-0AB7-4EED-9A39-C6E68338B75E}" presName="Name37" presStyleLbl="parChTrans1D3" presStyleIdx="54" presStyleCnt="55"/>
       <dgm:spPr/>
+      <dgm:t>
+        <a:bodyPr/>
+        <a:lstStyle/>
+        <a:p>
+          <a:endParaRPr lang="zh-TW" altLang="en-US"/>
+        </a:p>
+      </dgm:t>
     </dgm:pt>
     <dgm:pt modelId="{73DA98FD-E09A-44D4-91AA-E3554F945FC6}" type="pres">
       <dgm:prSet presAssocID="{A8F96669-1065-491B-A577-177A8E0C5EE2}" presName="hierRoot2" presStyleCnt="0">
@@ -8965,282 +9095,282 @@
     </dgm:pt>
   </dgm:ptLst>
   <dgm:cxnLst>
+    <dgm:cxn modelId="{AF56D605-13C6-4C07-8159-303CC3592AFB}" type="presOf" srcId="{5CAB81B7-532F-4ECC-94EC-F1101D5CB844}" destId="{4304C558-0CF2-4B44-BD05-538AFE382B61}" srcOrd="1" destOrd="0" presId="urn:microsoft.com/office/officeart/2005/8/layout/orgChart1"/>
+    <dgm:cxn modelId="{8287DFF7-F51F-4CE9-A7D7-DD544B345C67}" type="presOf" srcId="{F0825D92-93FD-4D05-BC35-4A845EC2ED1B}" destId="{97B36F45-464F-4B05-85DB-1AFB63ADF764}" srcOrd="0" destOrd="0" presId="urn:microsoft.com/office/officeart/2005/8/layout/orgChart1"/>
+    <dgm:cxn modelId="{AA5252E4-9FF6-4DBB-9CB8-0D21DFAE3867}" srcId="{742F5CEC-3FB0-4F91-9A16-3B64073D4E68}" destId="{7732B63C-0BE8-4B38-B9E6-DACC80647B34}" srcOrd="1" destOrd="0" parTransId="{A99296EA-C43D-4932-91C9-F5CDAF3D91A6}" sibTransId="{E15C1A73-3BE0-46A0-AEE7-ACDD6AD7C1EC}"/>
+    <dgm:cxn modelId="{6624AAC5-F1AC-464B-8C89-0B70E7553789}" type="presOf" srcId="{D89E97BD-DBB4-463B-9AAE-BFC9743D8045}" destId="{F052F7C6-F725-478B-9C7C-950992F038A8}" srcOrd="0" destOrd="0" presId="urn:microsoft.com/office/officeart/2005/8/layout/orgChart1"/>
+    <dgm:cxn modelId="{FA8A3D4B-0668-419C-A5CE-F8482F8D1DD2}" type="presOf" srcId="{2F45D982-B00B-45E2-9603-28F12E3BC206}" destId="{D5AA9A02-64B0-442B-84FC-1FFFC47C00B2}" srcOrd="1" destOrd="0" presId="urn:microsoft.com/office/officeart/2005/8/layout/orgChart1"/>
+    <dgm:cxn modelId="{6725A394-43DB-4CB3-BE5D-6013863B263A}" type="presOf" srcId="{FB5710C3-AFB6-40FF-A158-92EF30DF88AE}" destId="{DF9C6B03-268D-471A-8425-3ACC3E267CA6}" srcOrd="0" destOrd="0" presId="urn:microsoft.com/office/officeart/2005/8/layout/orgChart1"/>
+    <dgm:cxn modelId="{6D945393-4E92-4EA6-A0AD-CF6D9AB97464}" type="presOf" srcId="{6E4044AE-79D6-492D-9F3C-3C6B1A7C5B12}" destId="{D4EB22E2-83B4-4D4B-B9B6-0128F3D67A80}" srcOrd="0" destOrd="0" presId="urn:microsoft.com/office/officeart/2005/8/layout/orgChart1"/>
+    <dgm:cxn modelId="{D35AA4B4-AD41-4E5A-80C9-AB07ADCD71D4}" type="presOf" srcId="{7732B63C-0BE8-4B38-B9E6-DACC80647B34}" destId="{5786A3D1-B3CC-4247-8934-E29A868315E2}" srcOrd="1" destOrd="0" presId="urn:microsoft.com/office/officeart/2005/8/layout/orgChart1"/>
+    <dgm:cxn modelId="{612827AE-7AB6-4776-A920-BF130E9EC2DC}" type="presOf" srcId="{7A6E2B28-A652-4A03-B536-52CB6C2AFA96}" destId="{33D78744-9213-44F4-BEEE-4B1EE8722C3B}" srcOrd="1" destOrd="0" presId="urn:microsoft.com/office/officeart/2005/8/layout/orgChart1"/>
+    <dgm:cxn modelId="{D9DF0581-31B0-4E64-9571-11518F155F63}" type="presOf" srcId="{7FEE4C57-9EE4-469C-882E-CA18CFF1F0C8}" destId="{BE9087D4-5F24-46E2-ADC9-556FC8F3A577}" srcOrd="0" destOrd="0" presId="urn:microsoft.com/office/officeart/2005/8/layout/orgChart1"/>
+    <dgm:cxn modelId="{7D644102-6A58-44A9-974B-886F2CE773BD}" type="presOf" srcId="{1F42FDDE-F64D-4FB5-B7A9-C7B3972650C5}" destId="{CF81B533-57B6-4C2C-A70E-6C91B403AC31}" srcOrd="0" destOrd="0" presId="urn:microsoft.com/office/officeart/2005/8/layout/orgChart1"/>
+    <dgm:cxn modelId="{F92003D4-3275-4333-AE8D-414B3890E24C}" type="presOf" srcId="{B1FAE752-2A95-4101-A426-836514BA9A2E}" destId="{18685DD9-E57B-4A91-85A0-69F19A627B6F}" srcOrd="0" destOrd="0" presId="urn:microsoft.com/office/officeart/2005/8/layout/orgChart1"/>
+    <dgm:cxn modelId="{264595FB-F7D5-42B3-B5FE-F5A881C35F98}" type="presOf" srcId="{3D0E5FCC-C6E6-4415-A923-3B56776F1283}" destId="{9E003D81-4B77-4746-884A-9857136F6917}" srcOrd="1" destOrd="0" presId="urn:microsoft.com/office/officeart/2005/8/layout/orgChart1"/>
+    <dgm:cxn modelId="{9BAB2774-05BB-43C8-8535-BF8EA565E302}" type="presOf" srcId="{A8F96669-1065-491B-A577-177A8E0C5EE2}" destId="{C471C242-02F9-42E0-A596-8DDB0A56969F}" srcOrd="1" destOrd="0" presId="urn:microsoft.com/office/officeart/2005/8/layout/orgChart1"/>
+    <dgm:cxn modelId="{3D4FDC86-44F6-40B3-B56F-9B5A675C2C7D}" srcId="{B9DF79D7-DAB1-419A-93BC-5224E7292C01}" destId="{785076A0-61E1-45AE-9124-93C3B42D37AF}" srcOrd="3" destOrd="0" parTransId="{55A95216-44D0-465E-BB0F-1C6FB47743EE}" sibTransId="{7292B400-021A-4761-8C78-97B2C821CE84}"/>
+    <dgm:cxn modelId="{2798E208-72FB-4CA9-9876-41B796A230CC}" type="presOf" srcId="{967B49BC-36ED-41FA-8808-452DBCBF7D4D}" destId="{4C128F8F-9062-4128-A64F-A63C0D0D76C6}" srcOrd="1" destOrd="0" presId="urn:microsoft.com/office/officeart/2005/8/layout/orgChart1"/>
+    <dgm:cxn modelId="{26312A58-A4B9-47FC-AF8B-74297050AE40}" srcId="{20E412C7-A88A-4486-8381-D8DEEF44DB1A}" destId="{8E707B23-D4AF-4389-8948-93DAB5FE3162}" srcOrd="2" destOrd="0" parTransId="{977DBED4-83EF-4513-A96F-416F2EC5B5F3}" sibTransId="{A684D586-45CE-4A35-87BE-552730BE061F}"/>
+    <dgm:cxn modelId="{459D8608-58E5-4612-A94D-0CA0CBF604A8}" type="presOf" srcId="{785076A0-61E1-45AE-9124-93C3B42D37AF}" destId="{5E3608A1-F430-4DAF-9890-7C4C9DABE81C}" srcOrd="1" destOrd="0" presId="urn:microsoft.com/office/officeart/2005/8/layout/orgChart1"/>
+    <dgm:cxn modelId="{2083AE5A-E497-476C-8433-D08320E948D5}" type="presOf" srcId="{DAF6568E-59AF-4294-8156-2D11935E3EE6}" destId="{D2B9B335-E5FD-4F7A-95CB-79654971B6AC}" srcOrd="1" destOrd="0" presId="urn:microsoft.com/office/officeart/2005/8/layout/orgChart1"/>
+    <dgm:cxn modelId="{249716ED-6D40-44FB-9E64-4111D70212D3}" type="presOf" srcId="{B9DF79D7-DAB1-419A-93BC-5224E7292C01}" destId="{67D81D6D-22D7-4A60-ACD8-517052A25597}" srcOrd="1" destOrd="0" presId="urn:microsoft.com/office/officeart/2005/8/layout/orgChart1"/>
+    <dgm:cxn modelId="{4433C6FF-3731-4D51-86BD-D5AC13C3F125}" type="presOf" srcId="{D2FDB38B-CD9F-43A7-96BD-9FEF7E277B8B}" destId="{800FFEEF-CB1F-49B5-999F-0CBAB6EE0E30}" srcOrd="0" destOrd="0" presId="urn:microsoft.com/office/officeart/2005/8/layout/orgChart1"/>
+    <dgm:cxn modelId="{077FB5A7-40F1-42F2-B78E-1D352E0A792F}" type="presOf" srcId="{9400BA02-25B5-4E3D-91D0-BB055A9C2665}" destId="{92AEE5BD-A378-4EE0-A470-C39E025518E6}" srcOrd="1" destOrd="0" presId="urn:microsoft.com/office/officeart/2005/8/layout/orgChart1"/>
+    <dgm:cxn modelId="{474B932F-6899-4097-AD9F-2934F3DCB111}" srcId="{7D55D7AC-A6AE-413C-B556-84977487D288}" destId="{19D815F1-4245-4E3D-A759-D4F8A60EABBA}" srcOrd="5" destOrd="0" parTransId="{34EF91BF-8C1A-4B62-AAE1-86D9617A503C}" sibTransId="{5434AFF9-9C37-4159-9068-B57926C95AB3}"/>
+    <dgm:cxn modelId="{2486C28C-7056-4E91-9FA7-37AB510A656C}" srcId="{742F5CEC-3FB0-4F91-9A16-3B64073D4E68}" destId="{3A345787-CCB7-4981-8AFD-DC6D6D02996D}" srcOrd="3" destOrd="0" parTransId="{630739F9-3353-4A8A-85E6-586235D93B00}" sibTransId="{92799D77-777E-4C7D-ABA5-2DB03F42976E}"/>
+    <dgm:cxn modelId="{BF1B0D9B-C469-43AC-89E3-F4E6B7A69C9F}" type="presOf" srcId="{E4507D21-8B18-426B-90B3-C73CD3A0FEAE}" destId="{F1C5F9D1-BD69-44D6-BE31-4A0D8A09FE90}" srcOrd="1" destOrd="0" presId="urn:microsoft.com/office/officeart/2005/8/layout/orgChart1"/>
+    <dgm:cxn modelId="{FCCB9B2A-3DE4-4E0C-AFB5-52E5F028FBF4}" srcId="{6EB344EB-2654-408C-91DA-877780EFA62F}" destId="{9DB95590-8D2B-4D6D-B003-9A494108E126}" srcOrd="3" destOrd="0" parTransId="{0F67BEC9-3472-4783-9EBB-C9EC2923B8E7}" sibTransId="{D8CB4100-CB45-4D62-B76F-BE96DF717FA8}"/>
+    <dgm:cxn modelId="{2CAA1048-2E3E-48F6-8553-0A6A8B1393D7}" type="presOf" srcId="{7D55D7AC-A6AE-413C-B556-84977487D288}" destId="{D90603C5-A154-4D56-BFA4-F8CE735875CA}" srcOrd="0" destOrd="0" presId="urn:microsoft.com/office/officeart/2005/8/layout/orgChart1"/>
+    <dgm:cxn modelId="{FBF1A506-7057-4D84-8CE7-8816EDD8279C}" type="presOf" srcId="{81C6F986-7CE0-4123-A166-FB031439C0FC}" destId="{AE2AD2F8-A54D-446E-B15A-C9AF86BD8E10}" srcOrd="0" destOrd="0" presId="urn:microsoft.com/office/officeart/2005/8/layout/orgChart1"/>
+    <dgm:cxn modelId="{F128D5F3-EF4E-4AEA-9690-1B8FB94FB412}" type="presOf" srcId="{0FD75748-BFAF-4DF2-B6A4-6B45718284B4}" destId="{89DA8FFD-890A-46AE-BCDD-01C72F68DBBB}" srcOrd="0" destOrd="0" presId="urn:microsoft.com/office/officeart/2005/8/layout/orgChart1"/>
+    <dgm:cxn modelId="{0DB84FAB-E9DE-461A-BB40-CFFE11C8EFA1}" type="presOf" srcId="{07FDC29B-622D-4E67-AB48-A9AA1F589B65}" destId="{871EE0C6-6AC7-4C6A-9929-48A2811EB2BB}" srcOrd="1" destOrd="0" presId="urn:microsoft.com/office/officeart/2005/8/layout/orgChart1"/>
+    <dgm:cxn modelId="{3F0AFE67-0562-44F7-A56B-2AF939C81D66}" type="presOf" srcId="{7EDF19BD-DA68-4694-9E7D-B7A25A3D115D}" destId="{41FAA1FB-202E-4E73-83B7-C7BF508DA170}" srcOrd="1" destOrd="0" presId="urn:microsoft.com/office/officeart/2005/8/layout/orgChart1"/>
+    <dgm:cxn modelId="{297877FD-D72C-414D-9925-6F97895CE2CC}" type="presOf" srcId="{785076A0-61E1-45AE-9124-93C3B42D37AF}" destId="{E2D2DA7F-4D8D-4747-A0F8-7931502AE790}" srcOrd="0" destOrd="0" presId="urn:microsoft.com/office/officeart/2005/8/layout/orgChart1"/>
+    <dgm:cxn modelId="{D8CDDEA0-39D6-49DD-9BAA-1AED4C2DD600}" type="presOf" srcId="{8AEA7DDD-7E07-4CC3-BBC7-31E2285CC32E}" destId="{74C3AD87-D11E-4E84-9535-BBAB1C2C2B27}" srcOrd="0" destOrd="0" presId="urn:microsoft.com/office/officeart/2005/8/layout/orgChart1"/>
+    <dgm:cxn modelId="{159D58EE-FFDD-4509-A3CC-4F5203B741FF}" type="presOf" srcId="{7C5A7727-446E-41A4-A9A7-14302C1448AD}" destId="{36D62B55-4C48-41B4-84E3-8E4C44E5B485}" srcOrd="0" destOrd="0" presId="urn:microsoft.com/office/officeart/2005/8/layout/orgChart1"/>
+    <dgm:cxn modelId="{7A58053C-B64B-4F29-A3AE-A67A51142CB2}" srcId="{26A7734B-98C9-41FE-A30F-3EA43FDFD174}" destId="{9D463E36-FB04-4CB0-8969-CB178D4760D1}" srcOrd="4" destOrd="0" parTransId="{5FB46280-1681-4F31-A536-1B040BD712F4}" sibTransId="{8FA4E1B1-5415-43FE-863D-2C566E4E3693}"/>
+    <dgm:cxn modelId="{58D8095C-6D97-48F5-A00F-F78436BB1500}" type="presOf" srcId="{15BFC984-FD9C-4EC1-910F-E0B7728DF1CA}" destId="{B2CE6902-BB33-43C7-81F6-5BBDD21ABEC0}" srcOrd="1" destOrd="0" presId="urn:microsoft.com/office/officeart/2005/8/layout/orgChart1"/>
+    <dgm:cxn modelId="{895BB9F9-950B-4A3B-AF95-01C909869E02}" type="presOf" srcId="{32A6B69A-F825-4916-AF26-4E2EBE930ACE}" destId="{FB8F12D4-87AE-4CB3-8285-72A539DE802A}" srcOrd="1" destOrd="0" presId="urn:microsoft.com/office/officeart/2005/8/layout/orgChart1"/>
+    <dgm:cxn modelId="{DB51EC88-8B3F-493D-9BFB-AD7BBD89AC31}" type="presOf" srcId="{C68324FA-8AA2-419C-A7AA-6BF10CF13F4E}" destId="{89B48612-264D-4D6D-AFC3-52A06E7AC340}" srcOrd="1" destOrd="0" presId="urn:microsoft.com/office/officeart/2005/8/layout/orgChart1"/>
+    <dgm:cxn modelId="{61754D77-AB01-4A08-9EFA-9305A01BACE4}" type="presOf" srcId="{5D30A53E-BB33-4527-ACDE-835C169F4E13}" destId="{3A39358A-9B25-42A9-9015-5F218C8651DB}" srcOrd="0" destOrd="0" presId="urn:microsoft.com/office/officeart/2005/8/layout/orgChart1"/>
+    <dgm:cxn modelId="{48F8312C-94A9-48EB-A356-90F0524F779F}" type="presOf" srcId="{491C3C17-F8BE-4FAB-A37C-7BBAAEFF7122}" destId="{5E637CCF-4C66-4E16-88D2-4CE893CA35D9}" srcOrd="0" destOrd="0" presId="urn:microsoft.com/office/officeart/2005/8/layout/orgChart1"/>
+    <dgm:cxn modelId="{4F68E45B-A803-4654-8C82-8CF564058BCD}" type="presOf" srcId="{AC094981-4EEF-4913-B14A-A14BA91FCC03}" destId="{45334881-CA76-45F5-8209-34EF25E428E0}" srcOrd="0" destOrd="0" presId="urn:microsoft.com/office/officeart/2005/8/layout/orgChart1"/>
+    <dgm:cxn modelId="{691C09B6-F79E-4EAB-914A-3F916566280B}" type="presOf" srcId="{397E2425-6401-4793-8313-EDDBC568CFF5}" destId="{659E3726-4796-422E-9CBB-9062D9B03200}" srcOrd="0" destOrd="0" presId="urn:microsoft.com/office/officeart/2005/8/layout/orgChart1"/>
+    <dgm:cxn modelId="{CC907A56-D241-4F8D-9036-FFF2F23912A5}" type="presOf" srcId="{A42FFD6D-CFEA-4825-840F-D456580596CE}" destId="{20C24106-9B6E-47A8-B69C-2DAFA8F7AAAA}" srcOrd="1" destOrd="0" presId="urn:microsoft.com/office/officeart/2005/8/layout/orgChart1"/>
+    <dgm:cxn modelId="{FFE99B5D-23D5-49E5-854C-05B072B1D60B}" type="presOf" srcId="{91391709-5792-48B5-90D2-BE8612049A03}" destId="{675D167B-AC86-4F5C-B32F-0EF3E9B8DBB1}" srcOrd="0" destOrd="0" presId="urn:microsoft.com/office/officeart/2005/8/layout/orgChart1"/>
+    <dgm:cxn modelId="{4FC1D0C2-C53E-4E44-9686-792B7081782B}" type="presOf" srcId="{9E81CAB6-3590-4004-9481-AADB45E2027A}" destId="{4BC60D2D-F261-4494-A8F9-FEF34AB0B17B}" srcOrd="0" destOrd="0" presId="urn:microsoft.com/office/officeart/2005/8/layout/orgChart1"/>
+    <dgm:cxn modelId="{57514297-ADE5-4CAC-B2E7-24502D5B45C0}" type="presOf" srcId="{2AE5FCFC-D452-4566-9D0C-0B17302C952C}" destId="{FA340959-4018-4E23-9138-DEDCE77E4216}" srcOrd="0" destOrd="0" presId="urn:microsoft.com/office/officeart/2005/8/layout/orgChart1"/>
+    <dgm:cxn modelId="{D5D37775-A5B8-403F-A83B-D23A7ADEEAB0}" type="presOf" srcId="{3D0E5FCC-C6E6-4415-A923-3B56776F1283}" destId="{68B54AAC-8381-4107-8D82-9B66C576EBD4}" srcOrd="0" destOrd="0" presId="urn:microsoft.com/office/officeart/2005/8/layout/orgChart1"/>
+    <dgm:cxn modelId="{85658C1F-837A-4993-A6E9-23C77FD1C30E}" type="presOf" srcId="{967B49BC-36ED-41FA-8808-452DBCBF7D4D}" destId="{13218B29-BBBB-4B99-9857-B59206F7AD2B}" srcOrd="0" destOrd="0" presId="urn:microsoft.com/office/officeart/2005/8/layout/orgChart1"/>
+    <dgm:cxn modelId="{1AA115D0-850E-485C-AED4-9F15B88D6B4A}" type="presOf" srcId="{3A345787-CCB7-4981-8AFD-DC6D6D02996D}" destId="{4901515A-EFF6-4023-BEAE-4C4F000A7E5E}" srcOrd="1" destOrd="0" presId="urn:microsoft.com/office/officeart/2005/8/layout/orgChart1"/>
+    <dgm:cxn modelId="{364453C6-A2F5-428E-B40B-65F46E0B8C76}" type="presOf" srcId="{9C1BDF93-B2F3-451E-B95E-D773DF6A62B8}" destId="{8FCA9DBA-65B2-48BF-B9FD-59E11E72046A}" srcOrd="0" destOrd="0" presId="urn:microsoft.com/office/officeart/2005/8/layout/orgChart1"/>
+    <dgm:cxn modelId="{7B119664-92E4-4D94-A37B-3B9B968E5C26}" srcId="{B9DF79D7-DAB1-419A-93BC-5224E7292C01}" destId="{E5F83174-20E0-4019-AF5A-2A9B80B3D86B}" srcOrd="2" destOrd="0" parTransId="{F0825D92-93FD-4D05-BC35-4A845EC2ED1B}" sibTransId="{018E38E8-06C6-4E0C-8897-105423154113}"/>
+    <dgm:cxn modelId="{FC0799D2-A741-4208-918A-CA006A34ABF0}" type="presOf" srcId="{DDB223F8-FA19-43B8-B9E5-6F472A80FF11}" destId="{C9A96E31-2FAE-483D-BB6E-6C7A66C756BC}" srcOrd="1" destOrd="0" presId="urn:microsoft.com/office/officeart/2005/8/layout/orgChart1"/>
+    <dgm:cxn modelId="{A13B47BF-3E73-4919-8816-732097FB3E13}" type="presOf" srcId="{C7F57EAC-A364-4D11-921C-237EA2B81788}" destId="{0CF2D55B-1392-4042-913D-BFAB5F385C40}" srcOrd="0" destOrd="0" presId="urn:microsoft.com/office/officeart/2005/8/layout/orgChart1"/>
+    <dgm:cxn modelId="{0A82CAB3-23C7-4459-84AF-B7C3901A3E24}" type="presOf" srcId="{26A7734B-98C9-41FE-A30F-3EA43FDFD174}" destId="{75645F96-9709-4137-8624-2356B2869061}" srcOrd="0" destOrd="0" presId="urn:microsoft.com/office/officeart/2005/8/layout/orgChart1"/>
+    <dgm:cxn modelId="{A5F226DA-9972-4A67-89DD-C95C699CF27E}" srcId="{742F5CEC-3FB0-4F91-9A16-3B64073D4E68}" destId="{E0905AAB-3A95-4785-A758-3BB76C0495E9}" srcOrd="2" destOrd="0" parTransId="{E65248C0-2B5B-42DE-B964-05B0EDA7CDC5}" sibTransId="{FD93F34B-B6DC-4D08-90C5-871DA5C2FA6A}"/>
+    <dgm:cxn modelId="{CC759BD9-733C-465A-88D9-734F52F7A18B}" type="presOf" srcId="{3555F3F7-E7B2-4CD1-8EC1-BED7124A357E}" destId="{B8E100E7-9CA6-4F0E-A84A-409D3C8E53BE}" srcOrd="0" destOrd="0" presId="urn:microsoft.com/office/officeart/2005/8/layout/orgChart1"/>
+    <dgm:cxn modelId="{0D6AE735-C074-4372-ADEA-CF0E0DA1F682}" type="presOf" srcId="{3A165F34-A414-4325-BE0A-F1D0890421B3}" destId="{F7E70DF4-C6A9-46D7-B4C2-998FDE93FDAC}" srcOrd="0" destOrd="0" presId="urn:microsoft.com/office/officeart/2005/8/layout/orgChart1"/>
+    <dgm:cxn modelId="{D36D59EB-8A4A-4389-AE26-D5FCA233D6E6}" type="presOf" srcId="{237EDA52-1468-4866-BD09-3D0627A97534}" destId="{A8308C7A-E881-4F92-96AC-F8AE827BAF6A}" srcOrd="0" destOrd="0" presId="urn:microsoft.com/office/officeart/2005/8/layout/orgChart1"/>
+    <dgm:cxn modelId="{F8F4C4B9-4756-43B9-9B75-ED591EF03984}" srcId="{3D0E5FCC-C6E6-4415-A923-3B56776F1283}" destId="{87E1A1E6-A868-4E5B-99F4-735B260B8F8C}" srcOrd="0" destOrd="0" parTransId="{7C5A7727-446E-41A4-A9A7-14302C1448AD}" sibTransId="{6EDBFC1C-ECD3-43AC-B41E-ED5307C640EC}"/>
+    <dgm:cxn modelId="{CEEAC086-5933-4548-8064-951BCA7CB015}" type="presOf" srcId="{CA3D817B-A009-4330-9DBC-0887F37ECC7C}" destId="{6C984D03-9418-4CF8-9249-6D25DF6A7CDF}" srcOrd="0" destOrd="0" presId="urn:microsoft.com/office/officeart/2005/8/layout/orgChart1"/>
+    <dgm:cxn modelId="{7DEAFC7A-7D50-4AA9-974F-1B238B4DB7E1}" type="presOf" srcId="{E3B1EBA4-1F83-4120-A1B0-C1F9858EBC12}" destId="{36020655-55CE-46B7-85A6-CFA1A488EDB0}" srcOrd="0" destOrd="0" presId="urn:microsoft.com/office/officeart/2005/8/layout/orgChart1"/>
+    <dgm:cxn modelId="{1651EF16-7739-4223-ABAF-AD3FDA56C962}" type="presOf" srcId="{5FB46280-1681-4F31-A536-1B040BD712F4}" destId="{4736B655-DDA8-4A48-B43C-2DD88D7D8531}" srcOrd="0" destOrd="0" presId="urn:microsoft.com/office/officeart/2005/8/layout/orgChart1"/>
+    <dgm:cxn modelId="{B7C7D99E-3476-4B29-B175-A31F866CF157}" type="presOf" srcId="{218443C8-AB06-4CE0-9CD8-1B7B09F808ED}" destId="{503F9CA6-5656-4A97-8BC1-6F2189E37EF2}" srcOrd="0" destOrd="0" presId="urn:microsoft.com/office/officeart/2005/8/layout/orgChart1"/>
+    <dgm:cxn modelId="{34F52BEF-D9FF-4989-BD4D-A07892720A8A}" type="presOf" srcId="{7732B63C-0BE8-4B38-B9E6-DACC80647B34}" destId="{398BB816-7E93-45D6-B471-43191622207E}" srcOrd="0" destOrd="0" presId="urn:microsoft.com/office/officeart/2005/8/layout/orgChart1"/>
+    <dgm:cxn modelId="{4603E8D7-F994-4C51-842D-D1A197F8DA42}" type="presOf" srcId="{40E11140-0AB7-4EED-9A39-C6E68338B75E}" destId="{2633350B-FFE7-4BDF-B944-8EFB76127B4F}" srcOrd="0" destOrd="0" presId="urn:microsoft.com/office/officeart/2005/8/layout/orgChart1"/>
+    <dgm:cxn modelId="{BF19AB9B-3B26-40B7-8CF7-8BEAC5AABC0E}" type="presOf" srcId="{DB48C575-5006-440B-8A4B-39C6DC78A19E}" destId="{2EB1643C-5014-4083-B852-478412DE33C7}" srcOrd="1" destOrd="0" presId="urn:microsoft.com/office/officeart/2005/8/layout/orgChart1"/>
+    <dgm:cxn modelId="{BC9D998A-C01E-4601-AD03-F6E37AF8ECF7}" type="presOf" srcId="{FA990C8C-CCB3-45CF-B502-DBA62674AEE3}" destId="{F5CD160B-36BB-47A1-95D8-66F806DE2FDC}" srcOrd="1" destOrd="0" presId="urn:microsoft.com/office/officeart/2005/8/layout/orgChart1"/>
+    <dgm:cxn modelId="{7C332768-B4BD-445D-9F3F-2D60E6F88C0F}" type="presOf" srcId="{6EB344EB-2654-408C-91DA-877780EFA62F}" destId="{CFEE7B57-184D-46CD-BEDD-48AEC64D81B5}" srcOrd="0" destOrd="0" presId="urn:microsoft.com/office/officeart/2005/8/layout/orgChart1"/>
+    <dgm:cxn modelId="{3B52C114-BFE0-4B71-8180-2D42EB8B636A}" srcId="{218443C8-AB06-4CE0-9CD8-1B7B09F808ED}" destId="{A0F1657B-3B1B-40C8-AB72-F95CC1588565}" srcOrd="3" destOrd="0" parTransId="{C8293AB6-1181-4C8A-B8F5-FEA589DAFBB7}" sibTransId="{B4444112-32E0-426D-8A51-29B920C2762D}"/>
+    <dgm:cxn modelId="{43F2F8F8-35D3-4038-8400-6A11A2846F50}" type="presOf" srcId="{E0905AAB-3A95-4785-A758-3BB76C0495E9}" destId="{6CD5EFA5-3661-4F30-80B0-BB93BB9A176F}" srcOrd="1" destOrd="0" presId="urn:microsoft.com/office/officeart/2005/8/layout/orgChart1"/>
+    <dgm:cxn modelId="{C604DC4D-9C4F-4952-9ABB-9B405D9B5D28}" type="presOf" srcId="{5D30A53E-BB33-4527-ACDE-835C169F4E13}" destId="{7F966516-A63E-4F0F-B171-56E2E4071B96}" srcOrd="1" destOrd="0" presId="urn:microsoft.com/office/officeart/2005/8/layout/orgChart1"/>
+    <dgm:cxn modelId="{0D8E2310-4303-4E8B-BD44-56A2FB089258}" type="presOf" srcId="{A6261FBC-2BD6-4E7A-BEDA-AF1A9733A29C}" destId="{3E20447A-3718-4BB5-96F9-9A08DD3BF580}" srcOrd="0" destOrd="0" presId="urn:microsoft.com/office/officeart/2005/8/layout/orgChart1"/>
+    <dgm:cxn modelId="{2299CD13-EA9E-4D03-B148-88130D0E21C3}" srcId="{7D55D7AC-A6AE-413C-B556-84977487D288}" destId="{AE4FAC43-9FAC-4163-A49C-21230576BA25}" srcOrd="6" destOrd="0" parTransId="{28E9A072-3C3A-4840-BDCF-DBB1DA10CF6E}" sibTransId="{49CE7E9B-0101-4029-ADAE-C66C23E026E5}"/>
+    <dgm:cxn modelId="{E6263B70-FBF2-4A82-B5B4-3629EAEEF651}" type="presOf" srcId="{DDCE66B6-A59D-4D6F-8F91-9E8F2CAF7968}" destId="{212469AF-89FC-4A0A-9485-CFDF012F6D76}" srcOrd="0" destOrd="0" presId="urn:microsoft.com/office/officeart/2005/8/layout/orgChart1"/>
+    <dgm:cxn modelId="{67D8A0A7-B110-4507-8A44-97ACA9079D58}" type="presOf" srcId="{AC68780C-09A5-4900-B66C-9050718E9B19}" destId="{CE33BD6A-BDBE-4563-A459-D5E12FB1A752}" srcOrd="0" destOrd="0" presId="urn:microsoft.com/office/officeart/2005/8/layout/orgChart1"/>
+    <dgm:cxn modelId="{58A02BEA-9BDF-4C04-99B0-D18258D3811F}" type="presOf" srcId="{2222A0CC-63CE-4BBF-8DFC-308BB4C60AD2}" destId="{19CA889B-6F76-4226-854F-C90A70847B55}" srcOrd="1" destOrd="0" presId="urn:microsoft.com/office/officeart/2005/8/layout/orgChart1"/>
+    <dgm:cxn modelId="{067B42CE-1AC0-4EB7-8A21-CA0E526EFAA1}" type="presOf" srcId="{7A6E2B28-A652-4A03-B536-52CB6C2AFA96}" destId="{5230B2DF-0267-4BC5-9111-A69D6B02493B}" srcOrd="0" destOrd="0" presId="urn:microsoft.com/office/officeart/2005/8/layout/orgChart1"/>
+    <dgm:cxn modelId="{594A2A9D-2866-4B3F-81A4-FF396F9F6D87}" type="presOf" srcId="{43DF2651-C5D9-490F-96A0-D5E1968556E6}" destId="{F53CA343-D82E-4CE0-8F91-9FD5CAF7BF82}" srcOrd="0" destOrd="0" presId="urn:microsoft.com/office/officeart/2005/8/layout/orgChart1"/>
+    <dgm:cxn modelId="{C7A6DEEC-FB06-44FA-90A7-8B012DFC8E51}" srcId="{20E412C7-A88A-4486-8381-D8DEEF44DB1A}" destId="{9400BA02-25B5-4E3D-91D0-BB055A9C2665}" srcOrd="0" destOrd="0" parTransId="{DB1F7060-4C55-4010-9628-47EE721E2033}" sibTransId="{790CCF57-AC1F-48A3-898F-B3950BFDDC79}"/>
+    <dgm:cxn modelId="{A09F52F0-5095-4A1E-B480-4DC6947AC58E}" type="presOf" srcId="{990CAE16-2C24-429D-ACEC-29A2E4F5F439}" destId="{A593696D-87BF-43C3-982A-93707AF3DB26}" srcOrd="0" destOrd="0" presId="urn:microsoft.com/office/officeart/2005/8/layout/orgChart1"/>
+    <dgm:cxn modelId="{38BA5035-4321-4B2D-B0FC-5461D308FFB0}" type="presOf" srcId="{7594A0E6-7511-44AD-A00B-8B8AC0877F08}" destId="{7AA9DDF5-E81F-4D9F-97D7-40361CFD09C3}" srcOrd="0" destOrd="0" presId="urn:microsoft.com/office/officeart/2005/8/layout/orgChart1"/>
+    <dgm:cxn modelId="{3FAB2D6A-90EF-43AB-B3E2-B58E3E3DC582}" type="presOf" srcId="{AC82A878-4286-43DA-8544-EE2936732D4C}" destId="{2E18527F-3183-4AC0-A4CD-C0B1BCE1CC03}" srcOrd="1" destOrd="0" presId="urn:microsoft.com/office/officeart/2005/8/layout/orgChart1"/>
+    <dgm:cxn modelId="{972A4E9F-A02E-4735-886B-89807ECB2FDD}" type="presOf" srcId="{402843E0-06F1-4C8A-A194-C5F3CA845709}" destId="{FDC9E6B7-443A-42BE-98A7-1FE4D5B2B02E}" srcOrd="1" destOrd="0" presId="urn:microsoft.com/office/officeart/2005/8/layout/orgChart1"/>
+    <dgm:cxn modelId="{351FFE36-E868-4760-A4C3-009E01BA0B4B}" type="presOf" srcId="{F181F9D8-A852-4615-AFC2-81A72AE0F460}" destId="{84AC1101-C0AA-486A-A056-96C3D5FF4D9D}" srcOrd="1" destOrd="0" presId="urn:microsoft.com/office/officeart/2005/8/layout/orgChart1"/>
+    <dgm:cxn modelId="{4F3AB9D6-7BDD-4A0E-BA28-632F7238B50E}" type="presOf" srcId="{DB1F7060-4C55-4010-9628-47EE721E2033}" destId="{9BF09FA4-0982-454A-940F-497437A8CB35}" srcOrd="0" destOrd="0" presId="urn:microsoft.com/office/officeart/2005/8/layout/orgChart1"/>
+    <dgm:cxn modelId="{08E9F467-D0FA-4C12-9BAF-EBBC2B93DBC5}" type="presOf" srcId="{38EFBACC-2BD6-43FC-88D8-14236B955917}" destId="{3ECD8BFA-8A64-4AF1-ADA5-E1F9B54579F5}" srcOrd="0" destOrd="0" presId="urn:microsoft.com/office/officeart/2005/8/layout/orgChart1"/>
+    <dgm:cxn modelId="{1F19476B-E535-41EA-90A5-45B66ECF92CC}" srcId="{26A7734B-98C9-41FE-A30F-3EA43FDFD174}" destId="{742F5CEC-3FB0-4F91-9A16-3B64073D4E68}" srcOrd="7" destOrd="0" parTransId="{D67F8A0D-D22F-4973-82D0-F7260C0E87C5}" sibTransId="{5BFAECD0-E362-4A67-9BFB-8CC869204C0E}"/>
+    <dgm:cxn modelId="{47BC8D2D-4CF7-4F6B-87EF-3C14787831BC}" type="presOf" srcId="{A7EF873E-6525-47F5-AC4D-75388AA7BE5C}" destId="{D18C006D-0FC4-4CBD-BB87-DABEC8DB5622}" srcOrd="0" destOrd="0" presId="urn:microsoft.com/office/officeart/2005/8/layout/orgChart1"/>
+    <dgm:cxn modelId="{6D6DF6DE-3B38-40FC-9745-9038196DEC8E}" srcId="{6EB344EB-2654-408C-91DA-877780EFA62F}" destId="{990CAE16-2C24-429D-ACEC-29A2E4F5F439}" srcOrd="1" destOrd="0" parTransId="{D183A3AB-75F4-4F81-ADC5-15A1B7E8FF9D}" sibTransId="{A265A2D9-4752-4462-B3A9-CF121C20CEC6}"/>
+    <dgm:cxn modelId="{CC8C8E0E-6510-4A01-B105-7C82138E4D49}" srcId="{06534DF6-5680-4FD6-8C06-EFD2ADB28888}" destId="{54EBD050-57A1-4841-8039-6E3BC3B87551}" srcOrd="0" destOrd="0" parTransId="{D6661420-D8AB-4C12-A689-2ED3210EDE4E}" sibTransId="{3B6DD1E8-A1C8-4E65-B777-4786CDE9B9C8}"/>
+    <dgm:cxn modelId="{1AD06D7D-A9C0-4890-9574-C0701E9168F8}" srcId="{402843E0-06F1-4C8A-A194-C5F3CA845709}" destId="{7FEE4C57-9EE4-469C-882E-CA18CFF1F0C8}" srcOrd="2" destOrd="0" parTransId="{FB5710C3-AFB6-40FF-A158-92EF30DF88AE}" sibTransId="{11DB6677-D2F5-4AF0-8C86-E76793D468C7}"/>
+    <dgm:cxn modelId="{97903644-098D-4A50-9AB1-812A545AA8C8}" type="presOf" srcId="{C7F57EAC-A364-4D11-921C-237EA2B81788}" destId="{A4CACBFC-2769-46C3-9889-7D91A51FA072}" srcOrd="1" destOrd="0" presId="urn:microsoft.com/office/officeart/2005/8/layout/orgChart1"/>
+    <dgm:cxn modelId="{57C4FD76-AB52-4BE3-817D-CEF4AD5F2879}" type="presOf" srcId="{469FCB90-92DD-4DE7-8308-EB4FF6BFBF4D}" destId="{6C38C655-71DA-4B1C-9308-35DE8856C2AA}" srcOrd="1" destOrd="0" presId="urn:microsoft.com/office/officeart/2005/8/layout/orgChart1"/>
+    <dgm:cxn modelId="{8E7AB31E-38C2-464A-A2B3-F7752D45F23B}" type="presOf" srcId="{6BF2A2E7-7D1A-4E60-A9C5-B938EEFA06F3}" destId="{71B400C4-FC40-4EEC-A790-7974D211AD33}" srcOrd="1" destOrd="0" presId="urn:microsoft.com/office/officeart/2005/8/layout/orgChart1"/>
+    <dgm:cxn modelId="{2A52843D-0BCB-4A25-9631-D1935F984E7E}" type="presOf" srcId="{02B91645-1FD9-467A-848D-355E01CDC5D0}" destId="{C5A017DA-40D1-4944-ACAB-5AEB085A6442}" srcOrd="0" destOrd="0" presId="urn:microsoft.com/office/officeart/2005/8/layout/orgChart1"/>
+    <dgm:cxn modelId="{585B5F75-026E-4749-9DC8-F6CCFB372468}" type="presOf" srcId="{94B823A7-80F8-434D-84D1-9D1B7CE83254}" destId="{B5DEEFF9-96A7-4A08-9497-279466809AA5}" srcOrd="0" destOrd="0" presId="urn:microsoft.com/office/officeart/2005/8/layout/orgChart1"/>
+    <dgm:cxn modelId="{84BEDEEE-FA6F-4F00-A5B9-57155D3323ED}" type="presOf" srcId="{4E835A11-116E-49D7-A825-04AAAE1B5B83}" destId="{9A93D258-1AF9-4B6B-ACBB-E3681D93C13F}" srcOrd="1" destOrd="0" presId="urn:microsoft.com/office/officeart/2005/8/layout/orgChart1"/>
+    <dgm:cxn modelId="{7D9E4DD1-0CBC-4B9D-A5A4-90F96370F38E}" type="presOf" srcId="{32A6B69A-F825-4916-AF26-4E2EBE930ACE}" destId="{DA5D6DFC-5D45-42F4-982D-E9024D4D867D}" srcOrd="0" destOrd="0" presId="urn:microsoft.com/office/officeart/2005/8/layout/orgChart1"/>
+    <dgm:cxn modelId="{320661BB-CF07-4BE9-9BB5-396F477EE2DE}" srcId="{32A6B69A-F825-4916-AF26-4E2EBE930ACE}" destId="{EB1A120C-C49A-4A04-A007-A828FA1D052B}" srcOrd="2" destOrd="0" parTransId="{B45EDE43-7559-4CF4-B2CF-74BEC7ADB4DA}" sibTransId="{7D7CC556-968A-4215-95A7-FA24150F9E7A}"/>
+    <dgm:cxn modelId="{74196F7D-A2A0-4979-A946-C31C6F75C24B}" type="presOf" srcId="{2222A0CC-63CE-4BBF-8DFC-308BB4C60AD2}" destId="{8F661A46-F0F6-4798-9FEC-B60952FB1D17}" srcOrd="0" destOrd="0" presId="urn:microsoft.com/office/officeart/2005/8/layout/orgChart1"/>
+    <dgm:cxn modelId="{FBD39CA9-D435-4A6B-BCE6-3B317117341D}" srcId="{26A7734B-98C9-41FE-A30F-3EA43FDFD174}" destId="{3D0E5FCC-C6E6-4415-A923-3B56776F1283}" srcOrd="12" destOrd="0" parTransId="{AEAF7E84-B526-4625-AE11-B6DD18C39057}" sibTransId="{5572009B-90BC-4333-90C1-3D72D78A1076}"/>
+    <dgm:cxn modelId="{0BAA3F92-8A45-4C72-9D89-769CCE2B48A6}" srcId="{26A7734B-98C9-41FE-A30F-3EA43FDFD174}" destId="{6EB344EB-2654-408C-91DA-877780EFA62F}" srcOrd="5" destOrd="0" parTransId="{D89E97BD-DBB4-463B-9AAE-BFC9743D8045}" sibTransId="{A0B891AC-19DE-4536-A6B4-935A54AF7D9F}"/>
+    <dgm:cxn modelId="{539C7C38-15E4-4698-A167-A3B1F409039E}" type="presOf" srcId="{C68324FA-8AA2-419C-A7AA-6BF10CF13F4E}" destId="{CF015141-FA85-409A-BFB1-5999F927298C}" srcOrd="0" destOrd="0" presId="urn:microsoft.com/office/officeart/2005/8/layout/orgChart1"/>
+    <dgm:cxn modelId="{BD838E11-3B2A-41A2-905E-D7F43163F954}" srcId="{B9DF79D7-DAB1-419A-93BC-5224E7292C01}" destId="{B1FAE752-2A95-4101-A426-836514BA9A2E}" srcOrd="1" destOrd="0" parTransId="{E62A6C13-7490-4EBE-BA1D-108A8285450E}" sibTransId="{28CB85FD-5B26-4C78-8090-01E667278F22}"/>
+    <dgm:cxn modelId="{1FA87012-FA33-4346-9496-C377BBD6D9DC}" type="presOf" srcId="{2EF5EF84-7640-43DD-8476-2E8EFB4D6A0F}" destId="{EF636624-51C5-4B2B-8AFC-D1E8390DD0F7}" srcOrd="1" destOrd="0" presId="urn:microsoft.com/office/officeart/2005/8/layout/orgChart1"/>
+    <dgm:cxn modelId="{408618CB-0F8F-442E-A7FF-8D621557263F}" type="presOf" srcId="{1F090F2E-E7CD-4733-87B0-685E2115FC3B}" destId="{446CD447-DD30-4F8B-96F0-0EEBFE25A5A8}" srcOrd="0" destOrd="0" presId="urn:microsoft.com/office/officeart/2005/8/layout/orgChart1"/>
+    <dgm:cxn modelId="{81EFB339-F3D4-4F04-9565-CA93E31B1293}" srcId="{6EB344EB-2654-408C-91DA-877780EFA62F}" destId="{C7F57EAC-A364-4D11-921C-237EA2B81788}" srcOrd="0" destOrd="0" parTransId="{9C1BDF93-B2F3-451E-B95E-D773DF6A62B8}" sibTransId="{88AB8A50-CD77-481F-B365-8B82B63646A4}"/>
+    <dgm:cxn modelId="{53A3CF27-1C86-4073-8B21-0C3DC2659821}" type="presOf" srcId="{6BF2A2E7-7D1A-4E60-A9C5-B938EEFA06F3}" destId="{1884663A-128C-4C71-9C6C-9D87ADF437FA}" srcOrd="0" destOrd="0" presId="urn:microsoft.com/office/officeart/2005/8/layout/orgChart1"/>
+    <dgm:cxn modelId="{C2F35538-891B-47E5-B767-46173B49AF45}" type="presOf" srcId="{5CAB81B7-532F-4ECC-94EC-F1101D5CB844}" destId="{AE3F5C3E-FDB8-4E63-8470-4856FA863262}" srcOrd="0" destOrd="0" presId="urn:microsoft.com/office/officeart/2005/8/layout/orgChart1"/>
+    <dgm:cxn modelId="{B1277FCB-DC6C-42AF-8B8B-73FB248E63B2}" srcId="{32A6B69A-F825-4916-AF26-4E2EBE930ACE}" destId="{38EFBACC-2BD6-43FC-88D8-14236B955917}" srcOrd="3" destOrd="0" parTransId="{11CA7F85-1355-427E-9AE8-9CB3B35402E9}" sibTransId="{E5784BE5-76C6-46CC-B0E9-5FEDA4FC0FA8}"/>
+    <dgm:cxn modelId="{3BE173D7-6B6A-4198-A544-CA5B2584CBB6}" srcId="{43DF2651-C5D9-490F-96A0-D5E1968556E6}" destId="{26A7734B-98C9-41FE-A30F-3EA43FDFD174}" srcOrd="0" destOrd="0" parTransId="{B3E0C292-E7B6-4FB3-A4AD-1F8C3D98EB66}" sibTransId="{3C66D31B-1C65-4843-995B-2E8D15C9FA03}"/>
+    <dgm:cxn modelId="{70D0B2DE-A6E4-4EE5-9B7A-8806CA91931E}" srcId="{7D55D7AC-A6AE-413C-B556-84977487D288}" destId="{C68324FA-8AA2-419C-A7AA-6BF10CF13F4E}" srcOrd="3" destOrd="0" parTransId="{02B91645-1FD9-467A-848D-355E01CDC5D0}" sibTransId="{AC087477-4E61-44C2-936A-7F4C3C7B699B}"/>
+    <dgm:cxn modelId="{BA5A1BC9-9E8F-41FD-8642-9A1D8E99C590}" type="presOf" srcId="{8AEA7DDD-7E07-4CC3-BBC7-31E2285CC32E}" destId="{EC8822D3-376B-4990-B7C8-F1D8C9FE3DFF}" srcOrd="1" destOrd="0" presId="urn:microsoft.com/office/officeart/2005/8/layout/orgChart1"/>
+    <dgm:cxn modelId="{2DB5A14C-D38C-407A-8DB3-AB2B76853DF7}" type="presOf" srcId="{AEAF7E84-B526-4625-AE11-B6DD18C39057}" destId="{0C0E0275-E419-46DE-B163-B6BB4C36CB2C}" srcOrd="0" destOrd="0" presId="urn:microsoft.com/office/officeart/2005/8/layout/orgChart1"/>
+    <dgm:cxn modelId="{CD34E6D0-CFA9-4B7A-9358-19681A94099D}" srcId="{B9DF79D7-DAB1-419A-93BC-5224E7292C01}" destId="{DB48C575-5006-440B-8A4B-39C6DC78A19E}" srcOrd="5" destOrd="0" parTransId="{3555F3F7-E7B2-4CD1-8EC1-BED7124A357E}" sibTransId="{0914D5C8-029F-49A1-AD1A-C116E7C4AAB2}"/>
+    <dgm:cxn modelId="{5C5A75F5-FDEC-4FDF-8D9D-6BCBEEC830E0}" type="presOf" srcId="{468DBADB-1A2D-4B35-A066-F85CD8B71CF5}" destId="{B5D47606-276C-49F0-851F-85D7A3DE057E}" srcOrd="1" destOrd="0" presId="urn:microsoft.com/office/officeart/2005/8/layout/orgChart1"/>
+    <dgm:cxn modelId="{82AB25A9-8DD3-48EF-976F-41F8DAEF4ED9}" srcId="{26A7734B-98C9-41FE-A30F-3EA43FDFD174}" destId="{32A6B69A-F825-4916-AF26-4E2EBE930ACE}" srcOrd="8" destOrd="0" parTransId="{81C6F986-7CE0-4123-A166-FB031439C0FC}" sibTransId="{B37813F6-B79D-4CBE-994B-FBCAC9C5CD24}"/>
+    <dgm:cxn modelId="{73647909-51EC-4C48-AFDB-C0EC12BEAA0A}" type="presOf" srcId="{B9DF79D7-DAB1-419A-93BC-5224E7292C01}" destId="{2E87F38D-DB70-443E-8251-2F636CFF8EA5}" srcOrd="0" destOrd="0" presId="urn:microsoft.com/office/officeart/2005/8/layout/orgChart1"/>
+    <dgm:cxn modelId="{D0D9A9EB-A589-4C7B-89E5-07B472FE5848}" type="presOf" srcId="{E65248C0-2B5B-42DE-B964-05B0EDA7CDC5}" destId="{D93C5889-A770-4FBC-9EBE-E51AB7C2FDF6}" srcOrd="0" destOrd="0" presId="urn:microsoft.com/office/officeart/2005/8/layout/orgChart1"/>
+    <dgm:cxn modelId="{9E171D8F-2B74-40F6-B94E-0795A9FA1A55}" srcId="{B9DF79D7-DAB1-419A-93BC-5224E7292C01}" destId="{EA170130-05EB-49C1-AEDF-BED750E0EA72}" srcOrd="0" destOrd="0" parTransId="{C9D0EF75-7BC2-4481-9207-C868658479B1}" sibTransId="{13B71CDB-831E-4864-96A3-0C48DD0C50E8}"/>
+    <dgm:cxn modelId="{6757D28E-1BEA-4D08-B444-009CF7D8A7CD}" srcId="{32A6B69A-F825-4916-AF26-4E2EBE930ACE}" destId="{85A256C2-DFF7-438B-8384-6D94AD2785CC}" srcOrd="1" destOrd="0" parTransId="{1F090F2E-E7CD-4733-87B0-685E2115FC3B}" sibTransId="{2D90927B-C973-4EA4-AE78-9147012D65AC}"/>
+    <dgm:cxn modelId="{4A0B71E0-3065-4434-A65C-EBBE0AACB370}" type="presOf" srcId="{20E412C7-A88A-4486-8381-D8DEEF44DB1A}" destId="{A6A7851C-98BA-41E6-A1C6-E575CB97AF66}" srcOrd="1" destOrd="0" presId="urn:microsoft.com/office/officeart/2005/8/layout/orgChart1"/>
+    <dgm:cxn modelId="{9082D056-DC43-4BB5-AFCF-0F0597922D4A}" type="presOf" srcId="{EB1A120C-C49A-4A04-A007-A828FA1D052B}" destId="{CA6269D3-3C13-48C6-98A8-B4F7CB44E998}" srcOrd="1" destOrd="0" presId="urn:microsoft.com/office/officeart/2005/8/layout/orgChart1"/>
+    <dgm:cxn modelId="{F4F759EA-73ED-4A2A-AF16-B489F87FD145}" type="presOf" srcId="{990CAE16-2C24-429D-ACEC-29A2E4F5F439}" destId="{0F300595-C998-4C98-998D-52D2EE83F77F}" srcOrd="1" destOrd="0" presId="urn:microsoft.com/office/officeart/2005/8/layout/orgChart1"/>
+    <dgm:cxn modelId="{C2E24B71-4B45-4402-BCD2-FFEBDFF66E26}" srcId="{9D463E36-FB04-4CB0-8969-CB178D4760D1}" destId="{7A6E2B28-A652-4A03-B536-52CB6C2AFA96}" srcOrd="1" destOrd="0" parTransId="{9A25BBAD-BCBE-4067-8A61-7D9F1B6B7C76}" sibTransId="{7A034532-21F3-452A-B95E-B100FD55E5C5}"/>
+    <dgm:cxn modelId="{EB091097-6B76-436E-A918-3841897D8EEA}" srcId="{9D463E36-FB04-4CB0-8969-CB178D4760D1}" destId="{5D30A53E-BB33-4527-ACDE-835C169F4E13}" srcOrd="0" destOrd="0" parTransId="{2AE5FCFC-D452-4566-9D0C-0B17302C952C}" sibTransId="{3B9DE714-6AA7-479B-988E-EE76A4924B70}"/>
+    <dgm:cxn modelId="{8C10DFCD-284D-4ACE-8BB6-0CB7288C8664}" srcId="{26A7734B-98C9-41FE-A30F-3EA43FDFD174}" destId="{7D55D7AC-A6AE-413C-B556-84977487D288}" srcOrd="1" destOrd="0" parTransId="{50DC4892-3195-45DE-B31B-A6E5CB8AAC3F}" sibTransId="{BCB775DE-038F-4B75-9774-D3297B9AF14A}"/>
+    <dgm:cxn modelId="{85F841AA-209B-4C12-AA4A-6A54E124893E}" type="presOf" srcId="{EA170130-05EB-49C1-AEDF-BED750E0EA72}" destId="{E95ED765-D6B8-4C24-ACC2-667FCB3F95BA}" srcOrd="0" destOrd="0" presId="urn:microsoft.com/office/officeart/2005/8/layout/orgChart1"/>
+    <dgm:cxn modelId="{5249C470-11D1-4A4D-B114-3428D980C01A}" type="presOf" srcId="{EB1A120C-C49A-4A04-A007-A828FA1D052B}" destId="{2699CB65-C0E0-48F4-9C17-C7FD1FDC64A3}" srcOrd="0" destOrd="0" presId="urn:microsoft.com/office/officeart/2005/8/layout/orgChart1"/>
+    <dgm:cxn modelId="{0C023340-9C5F-45C2-B16B-235B1BD5119D}" type="presOf" srcId="{7D55D7AC-A6AE-413C-B556-84977487D288}" destId="{D84AF65B-04EA-4831-B4F3-93D88092AD7F}" srcOrd="1" destOrd="0" presId="urn:microsoft.com/office/officeart/2005/8/layout/orgChart1"/>
+    <dgm:cxn modelId="{A059F766-AE8F-4282-A9DC-601E355D4B46}" type="presOf" srcId="{402843E0-06F1-4C8A-A194-C5F3CA845709}" destId="{7EBEF020-4792-475A-99B2-E70D4CCF1D53}" srcOrd="0" destOrd="0" presId="urn:microsoft.com/office/officeart/2005/8/layout/orgChart1"/>
+    <dgm:cxn modelId="{0C391C7B-E95E-4DC2-A858-A10B2BBF2CE9}" type="presOf" srcId="{468DBADB-1A2D-4B35-A066-F85CD8B71CF5}" destId="{DCBCA505-BDA5-4754-88FD-6C163247BF20}" srcOrd="0" destOrd="0" presId="urn:microsoft.com/office/officeart/2005/8/layout/orgChart1"/>
+    <dgm:cxn modelId="{FEE6DBDF-D4DD-41E1-8A8C-EF77BADFA470}" type="presOf" srcId="{7EDF19BD-DA68-4694-9E7D-B7A25A3D115D}" destId="{1DFBDF80-41D6-4F0F-ACCE-99984A9DCB16}" srcOrd="0" destOrd="0" presId="urn:microsoft.com/office/officeart/2005/8/layout/orgChart1"/>
+    <dgm:cxn modelId="{17D1F3B9-020F-4708-BA81-858DB16AB2E4}" type="presOf" srcId="{742F5CEC-3FB0-4F91-9A16-3B64073D4E68}" destId="{FEC60AB7-1CFA-43D7-BC5C-3A25F18E9422}" srcOrd="1" destOrd="0" presId="urn:microsoft.com/office/officeart/2005/8/layout/orgChart1"/>
+    <dgm:cxn modelId="{D786AF87-F654-4D7B-9E7C-B08C9F37DF95}" type="presOf" srcId="{630739F9-3353-4A8A-85E6-586235D93B00}" destId="{C46697C0-1E7D-4DC4-9EA2-283FD7382DCC}" srcOrd="0" destOrd="0" presId="urn:microsoft.com/office/officeart/2005/8/layout/orgChart1"/>
+    <dgm:cxn modelId="{2DAC107E-2C36-4ECD-B94A-5EFF27E012A6}" type="presOf" srcId="{54EBD050-57A1-4841-8039-6E3BC3B87551}" destId="{C936DF82-3EE7-40B7-BE23-50514484DB5C}" srcOrd="0" destOrd="0" presId="urn:microsoft.com/office/officeart/2005/8/layout/orgChart1"/>
+    <dgm:cxn modelId="{28CBE818-5041-46D5-8FB2-02AF1BE84C7E}" type="presOf" srcId="{E5F83174-20E0-4019-AF5A-2A9B80B3D86B}" destId="{E7801140-573D-46E9-A343-782AF1F295B0}" srcOrd="1" destOrd="0" presId="urn:microsoft.com/office/officeart/2005/8/layout/orgChart1"/>
+    <dgm:cxn modelId="{F20E37D3-5944-476B-BE66-34310397C6E3}" srcId="{20E412C7-A88A-4486-8381-D8DEEF44DB1A}" destId="{2F45D982-B00B-45E2-9603-28F12E3BC206}" srcOrd="1" destOrd="0" parTransId="{CA3D817B-A009-4330-9DBC-0887F37ECC7C}" sibTransId="{26553DB2-6079-4739-A858-DC32FCFD11C7}"/>
+    <dgm:cxn modelId="{21F6BCC2-9D21-49A2-880F-E892C648E724}" srcId="{6EB344EB-2654-408C-91DA-877780EFA62F}" destId="{2EF5EF84-7640-43DD-8476-2E8EFB4D6A0F}" srcOrd="2" destOrd="0" parTransId="{94B823A7-80F8-434D-84D1-9D1B7CE83254}" sibTransId="{D40A6151-E037-4002-BF07-00E05F5989FF}"/>
+    <dgm:cxn modelId="{7E409D54-1F19-4A0A-BF9D-CB30D7B36066}" type="presOf" srcId="{9A25BBAD-BCBE-4067-8A61-7D9F1B6B7C76}" destId="{1558BB0D-82B9-4394-962D-B957927CED19}" srcOrd="0" destOrd="0" presId="urn:microsoft.com/office/officeart/2005/8/layout/orgChart1"/>
+    <dgm:cxn modelId="{471D9C62-EC19-4C26-AC89-D4BE7965818F}" type="presOf" srcId="{336C458F-2DE5-4480-B681-D74B4593D0FD}" destId="{808C78C0-4913-4D3E-AC96-AA89C8475DF8}" srcOrd="1" destOrd="0" presId="urn:microsoft.com/office/officeart/2005/8/layout/orgChart1"/>
+    <dgm:cxn modelId="{5386A1C3-EDC3-431B-83D9-C36D4FB5E891}" type="presOf" srcId="{8F17F31F-A789-4B5A-BDDC-0C79852E47C1}" destId="{52C59815-F9AB-4E1B-B7AB-3E7B8C79F940}" srcOrd="0" destOrd="0" presId="urn:microsoft.com/office/officeart/2005/8/layout/orgChart1"/>
+    <dgm:cxn modelId="{52A61AFA-0A45-4B52-BDCC-2164141FD8CD}" type="presOf" srcId="{218443C8-AB06-4CE0-9CD8-1B7B09F808ED}" destId="{13AD299F-31B2-40F5-A443-F8DFA3FF387C}" srcOrd="1" destOrd="0" presId="urn:microsoft.com/office/officeart/2005/8/layout/orgChart1"/>
+    <dgm:cxn modelId="{F47422F4-8A7D-4366-895D-AD91A6694A7A}" type="presOf" srcId="{62715D2A-D5F5-4A23-9986-7D0EBB372899}" destId="{0935EACE-2A4A-4DA5-9605-BDEB3D65E8C1}" srcOrd="0" destOrd="0" presId="urn:microsoft.com/office/officeart/2005/8/layout/orgChart1"/>
+    <dgm:cxn modelId="{B66855AF-5788-4608-90A0-6821EBDC81BB}" srcId="{402843E0-06F1-4C8A-A194-C5F3CA845709}" destId="{E8342092-9DDB-4C58-AD2B-23812BEE64BD}" srcOrd="0" destOrd="0" parTransId="{48F9C7DD-CC38-4187-A315-29B0F36935EB}" sibTransId="{1A533C8C-0A33-4857-9218-026C1273ACDE}"/>
+    <dgm:cxn modelId="{9AD4D864-F401-4800-A00D-493EF67B7346}" type="presOf" srcId="{B136F1FA-7471-47F0-82BC-36265E4BDED2}" destId="{CBDB6AE6-3702-4DAC-9EB1-AE86CC513708}" srcOrd="0" destOrd="0" presId="urn:microsoft.com/office/officeart/2005/8/layout/orgChart1"/>
+    <dgm:cxn modelId="{662B8970-0B6F-44F1-9F5E-372748F31020}" type="presOf" srcId="{E5F83174-20E0-4019-AF5A-2A9B80B3D86B}" destId="{1869FCC6-401F-4A5A-9249-B881E88E5534}" srcOrd="0" destOrd="0" presId="urn:microsoft.com/office/officeart/2005/8/layout/orgChart1"/>
+    <dgm:cxn modelId="{28F7B79E-C2E6-4105-A0C0-D9F942F31587}" type="presOf" srcId="{87E1A1E6-A868-4E5B-99F4-735B260B8F8C}" destId="{0C897F2E-9C13-4CDE-8198-A8A39F23A856}" srcOrd="0" destOrd="0" presId="urn:microsoft.com/office/officeart/2005/8/layout/orgChart1"/>
+    <dgm:cxn modelId="{9130C905-231F-4112-8DD8-7E874B140FD4}" type="presOf" srcId="{DB167BC2-A6AB-41E3-85FF-9B09533238D2}" destId="{CB1D161E-A9A1-4AE8-BB64-38BE73FED8B6}" srcOrd="0" destOrd="0" presId="urn:microsoft.com/office/officeart/2005/8/layout/orgChart1"/>
+    <dgm:cxn modelId="{BED34AA6-19CC-4F89-B826-D30BCE04BE4D}" type="presOf" srcId="{E4507D21-8B18-426B-90B3-C73CD3A0FEAE}" destId="{926D4A23-FB3A-45D5-B48A-F1F00A34B9BB}" srcOrd="0" destOrd="0" presId="urn:microsoft.com/office/officeart/2005/8/layout/orgChart1"/>
+    <dgm:cxn modelId="{2BA415A7-371A-4B61-8A3F-5F18B5E695A7}" srcId="{218443C8-AB06-4CE0-9CD8-1B7B09F808ED}" destId="{15BFC984-FD9C-4EC1-910F-E0B7728DF1CA}" srcOrd="1" destOrd="0" parTransId="{FDDDC6F7-D72F-48A9-9675-D982EAEC3551}" sibTransId="{EFFB26FD-90E7-4237-9CBC-356767D2E152}"/>
+    <dgm:cxn modelId="{3E9B3B6D-0493-46B3-8657-CC5FF4A67631}" type="presOf" srcId="{AE4FAC43-9FAC-4163-A49C-21230576BA25}" destId="{68F1E6F3-FB5C-4C06-9CF4-79E96057A32C}" srcOrd="1" destOrd="0" presId="urn:microsoft.com/office/officeart/2005/8/layout/orgChart1"/>
+    <dgm:cxn modelId="{09E476CB-ECA5-4DA4-A418-54A39B7221DF}" type="presOf" srcId="{11CA7F85-1355-427E-9AE8-9CB3B35402E9}" destId="{75B4D77D-D6F1-4E29-88EC-1B2BA32DEBF4}" srcOrd="0" destOrd="0" presId="urn:microsoft.com/office/officeart/2005/8/layout/orgChart1"/>
+    <dgm:cxn modelId="{0B8CF4DA-103E-41E0-A5B2-0D922F0C4886}" type="presOf" srcId="{397E2425-6401-4793-8313-EDDBC568CFF5}" destId="{73060974-1BCC-4CFD-83F7-2AE3C1BED6FD}" srcOrd="1" destOrd="0" presId="urn:microsoft.com/office/officeart/2005/8/layout/orgChart1"/>
+    <dgm:cxn modelId="{8476F4E9-B44F-49C1-96D7-1B9ABCC0012E}" srcId="{06534DF6-5680-4FD6-8C06-EFD2ADB28888}" destId="{967B49BC-36ED-41FA-8808-452DBCBF7D4D}" srcOrd="2" destOrd="0" parTransId="{F9185973-E91D-4F9F-888E-30E52494D236}" sibTransId="{B478C370-D79E-4CF0-8050-A3515B3A16FE}"/>
+    <dgm:cxn modelId="{AE94C466-E018-467F-8ECE-5C80A867687C}" type="presOf" srcId="{D2FDB38B-CD9F-43A7-96BD-9FEF7E277B8B}" destId="{89C89104-832A-4937-9772-422988D1C642}" srcOrd="1" destOrd="0" presId="urn:microsoft.com/office/officeart/2005/8/layout/orgChart1"/>
+    <dgm:cxn modelId="{6BFA2D19-BB50-4889-AE01-3AEDE1C2D57C}" type="presOf" srcId="{0E99BB89-9CCB-4A68-A82A-9A5208A9DE85}" destId="{E5BDC8CD-2BC3-40F6-9322-C285D21386C4}" srcOrd="0" destOrd="0" presId="urn:microsoft.com/office/officeart/2005/8/layout/orgChart1"/>
+    <dgm:cxn modelId="{4F6AE0C1-D96D-4699-8220-CE1313ABD86A}" type="presOf" srcId="{34A9FE22-1E61-421F-BBA2-C86C78DB84BA}" destId="{52F4768A-CA4F-4D50-BC6F-453ABD0496E6}" srcOrd="0" destOrd="0" presId="urn:microsoft.com/office/officeart/2005/8/layout/orgChart1"/>
+    <dgm:cxn modelId="{2C7B0B6F-1768-4940-9C50-34BE79A23C4A}" srcId="{26A7734B-98C9-41FE-A30F-3EA43FDFD174}" destId="{218443C8-AB06-4CE0-9CD8-1B7B09F808ED}" srcOrd="2" destOrd="0" parTransId="{B136F1FA-7471-47F0-82BC-36265E4BDED2}" sibTransId="{A088B5C5-8EA5-4524-BDA2-AA49516CC78E}"/>
+    <dgm:cxn modelId="{FDD0086D-650B-43B7-8F61-56E4ECD90570}" type="presOf" srcId="{58996895-1193-47F3-8459-1C48E5E6A287}" destId="{1CFE7C49-6AAC-4ADF-9E01-6BF86A687564}" srcOrd="0" destOrd="0" presId="urn:microsoft.com/office/officeart/2005/8/layout/orgChart1"/>
+    <dgm:cxn modelId="{51FA8B62-E13D-4E67-9EC8-B664FEE55A28}" type="presOf" srcId="{742F5CEC-3FB0-4F91-9A16-3B64073D4E68}" destId="{154BFD2E-76A1-4287-AE2C-B7E874D8EF2A}" srcOrd="0" destOrd="0" presId="urn:microsoft.com/office/officeart/2005/8/layout/orgChart1"/>
+    <dgm:cxn modelId="{1CFF287D-1B67-48AC-B08E-5ED9B9059893}" type="presOf" srcId="{DB48C575-5006-440B-8A4B-39C6DC78A19E}" destId="{2A967EB9-DF12-47B7-8C39-842FD0E7AF75}" srcOrd="0" destOrd="0" presId="urn:microsoft.com/office/officeart/2005/8/layout/orgChart1"/>
+    <dgm:cxn modelId="{C6EF7C9A-83F9-4688-9A8E-0FA4E552DAC2}" type="presOf" srcId="{FA990C8C-CCB3-45CF-B502-DBA62674AEE3}" destId="{CC12E122-C9AA-46DB-9AC8-FE6F0595C595}" srcOrd="0" destOrd="0" presId="urn:microsoft.com/office/officeart/2005/8/layout/orgChart1"/>
+    <dgm:cxn modelId="{63CB68D2-30EB-48B3-890D-AA64A35E9E83}" type="presOf" srcId="{FDDDC6F7-D72F-48A9-9675-D982EAEC3551}" destId="{9A028D69-B33E-458C-AEA8-9E8DC66A7F1E}" srcOrd="0" destOrd="0" presId="urn:microsoft.com/office/officeart/2005/8/layout/orgChart1"/>
+    <dgm:cxn modelId="{486B6676-9FAD-4611-B931-B74E803F36D6}" type="presOf" srcId="{19D815F1-4245-4E3D-A759-D4F8A60EABBA}" destId="{AAF646DB-15AC-453D-8D55-1E80BAEE4091}" srcOrd="1" destOrd="0" presId="urn:microsoft.com/office/officeart/2005/8/layout/orgChart1"/>
+    <dgm:cxn modelId="{626FBBBB-6686-448E-B712-F5BCCFD7B16C}" type="presOf" srcId="{9D463E36-FB04-4CB0-8969-CB178D4760D1}" destId="{0131D8DE-73B4-4DFC-9B04-FF7C9E2C2862}" srcOrd="1" destOrd="0" presId="urn:microsoft.com/office/officeart/2005/8/layout/orgChart1"/>
+    <dgm:cxn modelId="{97F268DD-35DF-4CC7-96D2-4A50711B4F6A}" type="presOf" srcId="{E8342092-9DDB-4C58-AD2B-23812BEE64BD}" destId="{4D7429F5-29DE-46BE-B50B-633088F492F4}" srcOrd="1" destOrd="0" presId="urn:microsoft.com/office/officeart/2005/8/layout/orgChart1"/>
+    <dgm:cxn modelId="{110BF182-FC2D-4029-AF3E-D52F3317AE86}" type="presOf" srcId="{502FF505-CD6A-490C-91EF-FCDB60B83475}" destId="{BBA998FB-2BC8-4ED4-8DDB-9E6D951E1686}" srcOrd="0" destOrd="0" presId="urn:microsoft.com/office/officeart/2005/8/layout/orgChart1"/>
+    <dgm:cxn modelId="{9B0F3050-E8D1-4A8C-BCFB-C96E00CB5150}" type="presOf" srcId="{977DBED4-83EF-4513-A96F-416F2EC5B5F3}" destId="{E2BF8E9D-39D9-4440-87D6-F041B0172797}" srcOrd="0" destOrd="0" presId="urn:microsoft.com/office/officeart/2005/8/layout/orgChart1"/>
+    <dgm:cxn modelId="{C7F1771B-4D95-49A1-9AB2-4CF6C9D70A45}" type="presOf" srcId="{A4844A0F-599C-42C2-BEF5-31C7967332B7}" destId="{F0A9DB92-7AB7-4976-9244-297B5BCC5CCE}" srcOrd="0" destOrd="0" presId="urn:microsoft.com/office/officeart/2005/8/layout/orgChart1"/>
+    <dgm:cxn modelId="{E774B7D3-0AAD-4648-865E-8DF0B7478048}" type="presOf" srcId="{28E9A072-3C3A-4840-BDCF-DBB1DA10CF6E}" destId="{45F7D7E3-AAF5-48D9-BB2C-31E4BABC9760}" srcOrd="0" destOrd="0" presId="urn:microsoft.com/office/officeart/2005/8/layout/orgChart1"/>
+    <dgm:cxn modelId="{24864616-72EE-4E64-A457-935E05EC9E9D}" type="presOf" srcId="{07FDC29B-622D-4E67-AB48-A9AA1F589B65}" destId="{092F8D06-ED29-41EF-98F8-AC33AEB9D4F5}" srcOrd="0" destOrd="0" presId="urn:microsoft.com/office/officeart/2005/8/layout/orgChart1"/>
+    <dgm:cxn modelId="{A73FBF95-D24F-46C8-BB5D-48F142FE408F}" srcId="{32A6B69A-F825-4916-AF26-4E2EBE930ACE}" destId="{500F4641-BDE3-4598-ACA3-3ACD7B759F63}" srcOrd="4" destOrd="0" parTransId="{18898107-DDF5-4498-938A-DE993FA6B0DB}" sibTransId="{3364A058-A8C5-4EAA-BE79-C732F32E2D0B}"/>
+    <dgm:cxn modelId="{0FE2CA70-A288-40DF-B077-CCDE99620DAE}" type="presOf" srcId="{1F42FDDE-F64D-4FB5-B7A9-C7B3972650C5}" destId="{D6D1DFCF-5F7F-48A9-9DBC-4E98C92BACE9}" srcOrd="1" destOrd="0" presId="urn:microsoft.com/office/officeart/2005/8/layout/orgChart1"/>
+    <dgm:cxn modelId="{2D18E690-88C5-4C09-9ADA-93BF03FDDD19}" srcId="{1F42FDDE-F64D-4FB5-B7A9-C7B3972650C5}" destId="{DAF6568E-59AF-4294-8156-2D11935E3EE6}" srcOrd="0" destOrd="0" parTransId="{8F17F31F-A789-4B5A-BDDC-0C79852E47C1}" sibTransId="{09372781-81ED-428F-AF8B-D4B354422468}"/>
+    <dgm:cxn modelId="{0FF0CFC4-23F1-487B-8339-FD66C1C430BC}" srcId="{32A6B69A-F825-4916-AF26-4E2EBE930ACE}" destId="{2BD05C23-613B-47AE-8CEB-0596B09C2300}" srcOrd="0" destOrd="0" parTransId="{39F3DE9C-622B-4A9A-A591-7F66DF3BC05A}" sibTransId="{9FA9C379-5F73-49F2-B18E-F5C0046C0D91}"/>
+    <dgm:cxn modelId="{25B9816A-0B8D-4B9C-9062-FCDA2AAFD664}" type="presOf" srcId="{F181F9D8-A852-4615-AFC2-81A72AE0F460}" destId="{065F1A28-9697-48A0-A237-52A4BFDA25E9}" srcOrd="0" destOrd="0" presId="urn:microsoft.com/office/officeart/2005/8/layout/orgChart1"/>
+    <dgm:cxn modelId="{1CEDCA66-4112-4454-88BA-3BDE84A41D46}" type="presOf" srcId="{EA170130-05EB-49C1-AEDF-BED750E0EA72}" destId="{D588A760-5006-4A8D-92E1-3FC140BC238A}" srcOrd="1" destOrd="0" presId="urn:microsoft.com/office/officeart/2005/8/layout/orgChart1"/>
+    <dgm:cxn modelId="{DCFE2F83-91BC-41C2-B1DF-CC2389CE2256}" type="presOf" srcId="{15BFC984-FD9C-4EC1-910F-E0B7728DF1CA}" destId="{FA29C742-9D13-4EC3-9311-A0E2B9886BDB}" srcOrd="0" destOrd="0" presId="urn:microsoft.com/office/officeart/2005/8/layout/orgChart1"/>
+    <dgm:cxn modelId="{F4E86910-AB5A-4F44-897F-3E5AB5FD5AA6}" type="presOf" srcId="{54EBD050-57A1-4841-8039-6E3BC3B87551}" destId="{A6A756E9-4A64-4ABB-B236-8A1312D8C1DD}" srcOrd="1" destOrd="0" presId="urn:microsoft.com/office/officeart/2005/8/layout/orgChart1"/>
+    <dgm:cxn modelId="{7926C2C4-3842-44A4-A76A-9445E07B7523}" type="presOf" srcId="{E0905AAB-3A95-4785-A758-3BB76C0495E9}" destId="{92DA6A20-9D4E-48EE-BD6D-3981942BBF8E}" srcOrd="0" destOrd="0" presId="urn:microsoft.com/office/officeart/2005/8/layout/orgChart1"/>
+    <dgm:cxn modelId="{5227CA89-CF61-4824-ACC6-A4875B3D272E}" type="presOf" srcId="{336C458F-2DE5-4480-B681-D74B4593D0FD}" destId="{2159F12C-A255-4B6E-BBA3-0A9B35A90312}" srcOrd="0" destOrd="0" presId="urn:microsoft.com/office/officeart/2005/8/layout/orgChart1"/>
+    <dgm:cxn modelId="{1B452A9B-529C-410A-A380-46F84826B10B}" type="presOf" srcId="{87E1A1E6-A868-4E5B-99F4-735B260B8F8C}" destId="{976BBC1F-70FF-4169-AE7D-2B37E400BCAF}" srcOrd="1" destOrd="0" presId="urn:microsoft.com/office/officeart/2005/8/layout/orgChart1"/>
+    <dgm:cxn modelId="{D16B26B9-4DEF-4833-8C67-289AACBAD878}" type="presOf" srcId="{39F3DE9C-622B-4A9A-A591-7F66DF3BC05A}" destId="{3993B249-4592-4266-ABDF-81F87884CDB2}" srcOrd="0" destOrd="0" presId="urn:microsoft.com/office/officeart/2005/8/layout/orgChart1"/>
+    <dgm:cxn modelId="{D3314078-942B-4BA5-BCB8-1E45AE4BD8F7}" srcId="{1F42FDDE-F64D-4FB5-B7A9-C7B3972650C5}" destId="{6BF2A2E7-7D1A-4E60-A9C5-B938EEFA06F3}" srcOrd="3" destOrd="0" parTransId="{7594A0E6-7511-44AD-A00B-8B8AC0877F08}" sibTransId="{B13B883B-FC3C-41AC-8222-61CE073A2386}"/>
+    <dgm:cxn modelId="{6B3D763F-4B3A-4F77-A3B6-BA840956D230}" srcId="{218443C8-AB06-4CE0-9CD8-1B7B09F808ED}" destId="{AC82A878-4286-43DA-8544-EE2936732D4C}" srcOrd="0" destOrd="0" parTransId="{6E4044AE-79D6-492D-9F3C-3C6B1A7C5B12}" sibTransId="{CCA098C7-0B6B-4593-9185-E8CEC0ED57AD}"/>
+    <dgm:cxn modelId="{55934CC3-5E51-482F-BC33-5D20A66C2CF4}" type="presOf" srcId="{0E10C905-03B0-4968-A51B-CC222A62B71D}" destId="{2AFA91C7-C22F-4837-BA11-ACEFFEB4915F}" srcOrd="0" destOrd="0" presId="urn:microsoft.com/office/officeart/2005/8/layout/orgChart1"/>
+    <dgm:cxn modelId="{CF0F86A9-6288-4E66-A661-9F0405EB69BE}" type="presOf" srcId="{3A345787-CCB7-4981-8AFD-DC6D6D02996D}" destId="{44E20255-6CC0-4715-81C3-CAB65680E806}" srcOrd="0" destOrd="0" presId="urn:microsoft.com/office/officeart/2005/8/layout/orgChart1"/>
+    <dgm:cxn modelId="{25242DE9-F50B-4EC7-9CF1-2533C580483F}" srcId="{3D0E5FCC-C6E6-4415-A923-3B56776F1283}" destId="{A8F96669-1065-491B-A577-177A8E0C5EE2}" srcOrd="1" destOrd="0" parTransId="{40E11140-0AB7-4EED-9A39-C6E68338B75E}" sibTransId="{8FA807D9-834B-43EA-A945-A97ADB0A14B2}"/>
+    <dgm:cxn modelId="{2EC787BB-F55A-4396-8C6A-F5AB33E5C1BF}" srcId="{B9DF79D7-DAB1-419A-93BC-5224E7292C01}" destId="{A42FFD6D-CFEA-4825-840F-D456580596CE}" srcOrd="4" destOrd="0" parTransId="{461BF01B-4C90-4BBC-9475-E99858736F81}" sibTransId="{FF7F50C9-5B86-4FC8-B4B5-FA6D1A1F5903}"/>
+    <dgm:cxn modelId="{0E9B8941-D254-4F5A-9343-4747B8F438B1}" type="presOf" srcId="{E62A6C13-7490-4EBE-BA1D-108A8285450E}" destId="{92AB8742-4DE6-45F0-B02D-3D0A37EF5324}" srcOrd="0" destOrd="0" presId="urn:microsoft.com/office/officeart/2005/8/layout/orgChart1"/>
+    <dgm:cxn modelId="{38E68260-4555-480E-9E95-947117E05354}" type="presOf" srcId="{8E707B23-D4AF-4389-8948-93DAB5FE3162}" destId="{166A7946-C3FB-4966-BE82-D95B3ECEFABB}" srcOrd="0" destOrd="0" presId="urn:microsoft.com/office/officeart/2005/8/layout/orgChart1"/>
+    <dgm:cxn modelId="{85EF1F4C-E5C0-48DA-BB86-05E863E5E58B}" type="presOf" srcId="{D67F8A0D-D22F-4973-82D0-F7260C0E87C5}" destId="{0525949A-56A3-41FD-B6D5-F690223B2261}" srcOrd="0" destOrd="0" presId="urn:microsoft.com/office/officeart/2005/8/layout/orgChart1"/>
+    <dgm:cxn modelId="{C4426128-EF13-4A38-8312-032B271E389E}" type="presOf" srcId="{50DC4892-3195-45DE-B31B-A6E5CB8AAC3F}" destId="{C9E30748-848E-4116-8BA7-B3CF3B5E3B82}" srcOrd="0" destOrd="0" presId="urn:microsoft.com/office/officeart/2005/8/layout/orgChart1"/>
+    <dgm:cxn modelId="{C8E1339E-A72D-4E82-8135-D968AB9FD34C}" srcId="{1F42FDDE-F64D-4FB5-B7A9-C7B3972650C5}" destId="{8AEA7DDD-7E07-4CC3-BBC7-31E2285CC32E}" srcOrd="1" destOrd="0" parTransId="{4C06212B-ED82-4829-B634-553B4F3E2A8F}" sibTransId="{F266E774-0D35-4972-835A-85D46E277E31}"/>
+    <dgm:cxn modelId="{3BAA1180-4FD4-4B60-A30C-2C5FE913814C}" type="presOf" srcId="{55A95216-44D0-465E-BB0F-1C6FB47743EE}" destId="{8110E6C7-B987-4164-A9C5-8BE7356A576F}" srcOrd="0" destOrd="0" presId="urn:microsoft.com/office/officeart/2005/8/layout/orgChart1"/>
+    <dgm:cxn modelId="{BB29D50B-D9A4-4BCD-BA8D-CBAE30C63F9D}" type="presOf" srcId="{AE4FAC43-9FAC-4163-A49C-21230576BA25}" destId="{A94116FE-DB21-4C24-93E0-AE510CC38A72}" srcOrd="0" destOrd="0" presId="urn:microsoft.com/office/officeart/2005/8/layout/orgChart1"/>
+    <dgm:cxn modelId="{CBE947A9-9CBC-4AFC-855A-61836B7EA2B0}" type="presOf" srcId="{85A256C2-DFF7-438B-8384-6D94AD2785CC}" destId="{9211E6B2-FA18-4489-A425-03842A05A6AB}" srcOrd="1" destOrd="0" presId="urn:microsoft.com/office/officeart/2005/8/layout/orgChart1"/>
+    <dgm:cxn modelId="{C5738426-DD9C-453A-BA98-E8B4D7657752}" srcId="{26A7734B-98C9-41FE-A30F-3EA43FDFD174}" destId="{20E412C7-A88A-4486-8381-D8DEEF44DB1A}" srcOrd="0" destOrd="0" parTransId="{62715D2A-D5F5-4A23-9986-7D0EBB372899}" sibTransId="{A20DF056-3C62-4353-820A-CF56D563949E}"/>
+    <dgm:cxn modelId="{CE7C213B-A695-47FE-850A-AF4F669856FC}" type="presOf" srcId="{2BD05C23-613B-47AE-8CEB-0596B09C2300}" destId="{F80C518A-AFD3-482A-92A8-11891631297F}" srcOrd="0" destOrd="0" presId="urn:microsoft.com/office/officeart/2005/8/layout/orgChart1"/>
+    <dgm:cxn modelId="{9A3940FB-1449-4281-AB32-75DEAC6D8DA3}" type="presOf" srcId="{DB167BC2-A6AB-41E3-85FF-9B09533238D2}" destId="{B5C473BD-3DF1-4DA0-AF24-9C7AAB35D860}" srcOrd="1" destOrd="0" presId="urn:microsoft.com/office/officeart/2005/8/layout/orgChart1"/>
+    <dgm:cxn modelId="{C792A7D1-FC2D-4F6E-BF58-EA748F2360E4}" type="presOf" srcId="{9400BA02-25B5-4E3D-91D0-BB055A9C2665}" destId="{FC63A081-5C87-446F-B39F-79496D030EF0}" srcOrd="0" destOrd="0" presId="urn:microsoft.com/office/officeart/2005/8/layout/orgChart1"/>
+    <dgm:cxn modelId="{40BFF76B-D3AD-4CCF-A04D-954F0FF70EF6}" type="presOf" srcId="{9DB95590-8D2B-4D6D-B003-9A494108E126}" destId="{EECFDE60-2814-46F7-AB03-06BD3165DFA8}" srcOrd="1" destOrd="0" presId="urn:microsoft.com/office/officeart/2005/8/layout/orgChart1"/>
+    <dgm:cxn modelId="{2EE4BE40-AE61-4B73-AD23-51EFCF12565A}" srcId="{26A7734B-98C9-41FE-A30F-3EA43FDFD174}" destId="{B9DF79D7-DAB1-419A-93BC-5224E7292C01}" srcOrd="11" destOrd="0" parTransId="{DDCE66B6-A59D-4D6F-8F91-9E8F2CAF7968}" sibTransId="{CF6A534D-FF90-4049-95DD-CB3D03217EF1}"/>
+    <dgm:cxn modelId="{638EE057-C82E-44C8-B90B-E81AC06A7F24}" srcId="{218443C8-AB06-4CE0-9CD8-1B7B09F808ED}" destId="{3A165F34-A414-4325-BE0A-F1D0890421B3}" srcOrd="2" destOrd="0" parTransId="{AC68780C-09A5-4900-B66C-9050718E9B19}" sibTransId="{A909963E-65A6-466D-84F0-3423194127DE}"/>
+    <dgm:cxn modelId="{F59D2952-4A9B-4DFB-BA3B-A00EE8EBDC12}" type="presOf" srcId="{AC82A878-4286-43DA-8544-EE2936732D4C}" destId="{3906F3BC-FCDB-4569-988B-300E506E251C}" srcOrd="0" destOrd="0" presId="urn:microsoft.com/office/officeart/2005/8/layout/orgChart1"/>
+    <dgm:cxn modelId="{0E05E14A-7990-4A87-A26B-8F11B96A0BD4}" srcId="{07FDC29B-622D-4E67-AB48-A9AA1F589B65}" destId="{336C458F-2DE5-4480-B681-D74B4593D0FD}" srcOrd="1" destOrd="0" parTransId="{AC094981-4EEF-4913-B14A-A14BA91FCC03}" sibTransId="{8EC64EF2-D043-4026-9F0B-2CB9F908F904}"/>
+    <dgm:cxn modelId="{CEE90FBA-E0DA-4075-894A-B5BE1AA376E0}" type="presOf" srcId="{F9185973-E91D-4F9F-888E-30E52494D236}" destId="{68CDE359-982B-4DC3-9633-3FCCCA6CEC93}" srcOrd="0" destOrd="0" presId="urn:microsoft.com/office/officeart/2005/8/layout/orgChart1"/>
+    <dgm:cxn modelId="{A5D2B486-7973-406F-BAE6-1D04A0F1DF28}" type="presOf" srcId="{A0F1657B-3B1B-40C8-AB72-F95CC1588565}" destId="{1A5A58EF-BBCE-4070-9C39-630D6C8B4F1A}" srcOrd="1" destOrd="0" presId="urn:microsoft.com/office/officeart/2005/8/layout/orgChart1"/>
+    <dgm:cxn modelId="{8A56A365-1C24-4F00-A6EB-3AD897CEC23A}" type="presOf" srcId="{0F67BEC9-3472-4783-9EBB-C9EC2923B8E7}" destId="{A1E0202A-C1B2-4DB1-A2D6-5C72C8F5CF74}" srcOrd="0" destOrd="0" presId="urn:microsoft.com/office/officeart/2005/8/layout/orgChart1"/>
+    <dgm:cxn modelId="{9E4D56D4-C05D-401C-BDBE-6B5E81CF4F7C}" type="presOf" srcId="{D2E320A0-BFD2-4113-AAB1-6C21B23D54CA}" destId="{12B276A5-96F3-431C-B61B-630875C09293}" srcOrd="0" destOrd="0" presId="urn:microsoft.com/office/officeart/2005/8/layout/orgChart1"/>
+    <dgm:cxn modelId="{A7D1AE0E-6500-45BA-A224-0400058910FA}" srcId="{402843E0-06F1-4C8A-A194-C5F3CA845709}" destId="{0E99BB89-9CCB-4A68-A82A-9A5208A9DE85}" srcOrd="3" destOrd="0" parTransId="{EB3E4C30-C311-42BE-B076-0A2A8357D0E5}" sibTransId="{858E668D-B354-41A9-BEC8-52CA35421A4F}"/>
+    <dgm:cxn modelId="{B5987076-C75C-45F5-A58C-4076837EA35B}" srcId="{B9DF79D7-DAB1-419A-93BC-5224E7292C01}" destId="{2222A0CC-63CE-4BBF-8DFC-308BB4C60AD2}" srcOrd="6" destOrd="0" parTransId="{0E10C905-03B0-4968-A51B-CC222A62B71D}" sibTransId="{D975E294-1E4D-4BDA-A2A5-0EC8FCB21891}"/>
+    <dgm:cxn modelId="{07CFC0F1-2FCA-446F-B2BD-BDEC6821820B}" srcId="{9D463E36-FB04-4CB0-8969-CB178D4760D1}" destId="{F181F9D8-A852-4615-AFC2-81A72AE0F460}" srcOrd="3" destOrd="0" parTransId="{0FD75748-BFAF-4DF2-B6A4-6B45718284B4}" sibTransId="{946EBCC2-FDDF-4D03-9FFB-100B0CB82E3D}"/>
+    <dgm:cxn modelId="{F2352252-B233-4CBB-A5C7-BD78E02B0AF7}" type="presOf" srcId="{E8342092-9DDB-4C58-AD2B-23812BEE64BD}" destId="{5CA21DB2-889F-4858-9C72-EAF15593C655}" srcOrd="0" destOrd="0" presId="urn:microsoft.com/office/officeart/2005/8/layout/orgChart1"/>
+    <dgm:cxn modelId="{CB97E552-636C-442C-95E7-0A5B3D19059C}" srcId="{7D55D7AC-A6AE-413C-B556-84977487D288}" destId="{469FCB90-92DD-4DE7-8308-EB4FF6BFBF4D}" srcOrd="4" destOrd="0" parTransId="{491C3C17-F8BE-4FAB-A37C-7BBAAEFF7122}" sibTransId="{AD16890F-04E6-43B0-8CCC-AE2F8A2D1CAE}"/>
+    <dgm:cxn modelId="{4E67412E-B51A-40A3-B699-1FDD2AD6A2DC}" type="presOf" srcId="{06534DF6-5680-4FD6-8C06-EFD2ADB28888}" destId="{B1E995E2-5C9C-4248-9332-DB368BE8584C}" srcOrd="0" destOrd="0" presId="urn:microsoft.com/office/officeart/2005/8/layout/orgChart1"/>
+    <dgm:cxn modelId="{33F57229-F90C-4772-A088-6AED7ED4EC7A}" srcId="{1F42FDDE-F64D-4FB5-B7A9-C7B3972650C5}" destId="{5CAB81B7-532F-4ECC-94EC-F1101D5CB844}" srcOrd="2" destOrd="0" parTransId="{58996895-1193-47F3-8459-1C48E5E6A287}" sibTransId="{62D79BE7-8A83-4CEC-B70C-4F8C448FD4F9}"/>
+    <dgm:cxn modelId="{C571462B-6699-4623-8436-5A102A8067C9}" type="presOf" srcId="{DDB223F8-FA19-43B8-B9E5-6F472A80FF11}" destId="{3454FA27-9764-4BCE-A870-8D030F7ED86F}" srcOrd="0" destOrd="0" presId="urn:microsoft.com/office/officeart/2005/8/layout/orgChart1"/>
+    <dgm:cxn modelId="{966088EF-A6F3-47A2-ACB0-C1ECF58BD43A}" type="presOf" srcId="{D183A3AB-75F4-4F81-ADC5-15A1B7E8FF9D}" destId="{2CFA545E-C950-48BD-9A93-BF0E3AF3205F}" srcOrd="0" destOrd="0" presId="urn:microsoft.com/office/officeart/2005/8/layout/orgChart1"/>
+    <dgm:cxn modelId="{CECD5E23-9085-4280-8137-7B5E64FF3577}" type="presOf" srcId="{26A7734B-98C9-41FE-A30F-3EA43FDFD174}" destId="{7844C942-8FC7-4DC2-8BAA-F2FA889C0C32}" srcOrd="1" destOrd="0" presId="urn:microsoft.com/office/officeart/2005/8/layout/orgChart1"/>
+    <dgm:cxn modelId="{4583CDD2-0D30-4A20-A982-741B626F2047}" type="presOf" srcId="{D6661420-D8AB-4C12-A689-2ED3210EDE4E}" destId="{BC774559-F446-492E-8685-CF1F5D6F719E}" srcOrd="0" destOrd="0" presId="urn:microsoft.com/office/officeart/2005/8/layout/orgChart1"/>
+    <dgm:cxn modelId="{04236BF0-AD71-4C06-9331-1B6798945FA5}" type="presOf" srcId="{A6261FBC-2BD6-4E7A-BEDA-AF1A9733A29C}" destId="{4018A5FC-73BC-4E5E-9E49-45E715A77439}" srcOrd="1" destOrd="0" presId="urn:microsoft.com/office/officeart/2005/8/layout/orgChart1"/>
+    <dgm:cxn modelId="{6D46737F-C0B2-44F3-9AE4-35DAFE5C465B}" type="presOf" srcId="{06534DF6-5680-4FD6-8C06-EFD2ADB28888}" destId="{D3995460-8471-4272-9D77-09F38C821651}" srcOrd="1" destOrd="0" presId="urn:microsoft.com/office/officeart/2005/8/layout/orgChart1"/>
+    <dgm:cxn modelId="{2DB35823-B0D0-4AEF-A4CF-1B475F5EB3EC}" srcId="{26A7734B-98C9-41FE-A30F-3EA43FDFD174}" destId="{06534DF6-5680-4FD6-8C06-EFD2ADB28888}" srcOrd="9" destOrd="0" parTransId="{D2E320A0-BFD2-4113-AAB1-6C21B23D54CA}" sibTransId="{BD137E64-E5C7-4314-8A13-F3A915F9E201}"/>
+    <dgm:cxn modelId="{B6DD916F-B7CA-42F2-90E3-E6D089A7F959}" type="presOf" srcId="{38EFBACC-2BD6-43FC-88D8-14236B955917}" destId="{C39BB2A9-22E4-4417-B56D-7A4B391521A9}" srcOrd="1" destOrd="0" presId="urn:microsoft.com/office/officeart/2005/8/layout/orgChart1"/>
+    <dgm:cxn modelId="{C9E61E1B-B5EB-4974-9101-A6B088C51006}" type="presOf" srcId="{72C7DB3D-C2EB-4F70-8ECC-4B7354A1B27D}" destId="{ED68BC16-70E4-43D6-AC37-553F1B9A7DDC}" srcOrd="0" destOrd="0" presId="urn:microsoft.com/office/officeart/2005/8/layout/orgChart1"/>
+    <dgm:cxn modelId="{C67FF41C-4D15-4CAD-9EAD-4753C2FFC781}" type="presOf" srcId="{34EF91BF-8C1A-4B62-AAE1-86D9617A503C}" destId="{D60C2317-9163-4563-8781-8850DA154E18}" srcOrd="0" destOrd="0" presId="urn:microsoft.com/office/officeart/2005/8/layout/orgChart1"/>
+    <dgm:cxn modelId="{184A1B0C-62C3-414E-B8A3-D68FA88D411E}" srcId="{402843E0-06F1-4C8A-A194-C5F3CA845709}" destId="{7EDF19BD-DA68-4694-9E7D-B7A25A3D115D}" srcOrd="1" destOrd="0" parTransId="{E3B1EBA4-1F83-4120-A1B0-C1F9858EBC12}" sibTransId="{0B76EF9D-E0B9-43A0-BCC2-465133B1CB0D}"/>
+    <dgm:cxn modelId="{79013051-E35D-4A0E-BC16-35D2CE90D3F6}" type="presOf" srcId="{6EB344EB-2654-408C-91DA-877780EFA62F}" destId="{63555BE0-A60E-4E19-A04A-AC95F61827D0}" srcOrd="1" destOrd="0" presId="urn:microsoft.com/office/officeart/2005/8/layout/orgChart1"/>
+    <dgm:cxn modelId="{26E04D8C-5ECD-423A-A103-FA41F96F3701}" type="presOf" srcId="{3A165F34-A414-4325-BE0A-F1D0890421B3}" destId="{6D58D67D-39ED-4E52-B8D0-0889FAD40F27}" srcOrd="1" destOrd="0" presId="urn:microsoft.com/office/officeart/2005/8/layout/orgChart1"/>
+    <dgm:cxn modelId="{425F9A56-9362-42FC-9CA2-2A073955DFFD}" type="presOf" srcId="{8E707B23-D4AF-4389-8948-93DAB5FE3162}" destId="{B42D18B6-1E16-4ECE-988B-1969CD2C9EE9}" srcOrd="1" destOrd="0" presId="urn:microsoft.com/office/officeart/2005/8/layout/orgChart1"/>
+    <dgm:cxn modelId="{4931EF6A-3E8C-466A-B79D-04EFCE8A737F}" srcId="{26A7734B-98C9-41FE-A30F-3EA43FDFD174}" destId="{07FDC29B-622D-4E67-AB48-A9AA1F589B65}" srcOrd="10" destOrd="0" parTransId="{9E81CAB6-3590-4004-9481-AADB45E2027A}" sibTransId="{C53ECC46-7146-45A6-A54D-59D48FBE07C9}"/>
+    <dgm:cxn modelId="{865D9F7C-A3BB-40DF-9D17-8A058BC2AFB0}" type="presOf" srcId="{A42FFD6D-CFEA-4825-840F-D456580596CE}" destId="{B4D0DD80-0A7E-4E6C-8236-6A65363A5DC7}" srcOrd="0" destOrd="0" presId="urn:microsoft.com/office/officeart/2005/8/layout/orgChart1"/>
+    <dgm:cxn modelId="{97E76DA4-521A-4658-8B48-FBCEEC4C778C}" type="presOf" srcId="{A99296EA-C43D-4932-91C9-F5CDAF3D91A6}" destId="{7793ACD8-272C-4D99-B21A-5677733FE0DF}" srcOrd="0" destOrd="0" presId="urn:microsoft.com/office/officeart/2005/8/layout/orgChart1"/>
+    <dgm:cxn modelId="{CAA11A3C-E1BA-4BCE-BE4E-F7308BB10E85}" type="presOf" srcId="{4E835A11-116E-49D7-A825-04AAAE1B5B83}" destId="{D20F180C-FD20-4643-8FCA-76C21E273341}" srcOrd="0" destOrd="0" presId="urn:microsoft.com/office/officeart/2005/8/layout/orgChart1"/>
+    <dgm:cxn modelId="{4D05213B-125E-4C29-9ABA-BDA44AB08851}" type="presOf" srcId="{18898107-DDF5-4498-938A-DE993FA6B0DB}" destId="{D86621F9-15BE-4AFF-BD1A-8FF826582A10}" srcOrd="0" destOrd="0" presId="urn:microsoft.com/office/officeart/2005/8/layout/orgChart1"/>
+    <dgm:cxn modelId="{F495F4DF-6E40-4366-8AF2-C1B6EB7D69CB}" type="presOf" srcId="{500F4641-BDE3-4598-ACA3-3ACD7B759F63}" destId="{D98BD108-56E6-4BC9-9851-5D93A2351CA4}" srcOrd="1" destOrd="0" presId="urn:microsoft.com/office/officeart/2005/8/layout/orgChart1"/>
+    <dgm:cxn modelId="{78163479-B390-4F6E-9A4B-95A84AA781C2}" srcId="{32A6B69A-F825-4916-AF26-4E2EBE930ACE}" destId="{FA990C8C-CCB3-45CF-B502-DBA62674AEE3}" srcOrd="5" destOrd="0" parTransId="{237EDA52-1468-4866-BD09-3D0627A97534}" sibTransId="{CB87B0AC-BC8B-4FD2-8CEA-ACA4F450E790}"/>
+    <dgm:cxn modelId="{03167DF3-6F80-4A42-9862-F8E3B27BCE28}" type="presOf" srcId="{B1FAE752-2A95-4101-A426-836514BA9A2E}" destId="{F1309AE7-CF76-4B6C-BEA7-4D5DAB7C7925}" srcOrd="1" destOrd="0" presId="urn:microsoft.com/office/officeart/2005/8/layout/orgChart1"/>
+    <dgm:cxn modelId="{0255526D-F75E-4C66-BEF0-4A1716C49C8A}" type="presOf" srcId="{57F43BBE-ECF0-468D-A135-63ECE88EC544}" destId="{0482C169-DE8D-4AA2-BF15-31115EA6C46F}" srcOrd="0" destOrd="0" presId="urn:microsoft.com/office/officeart/2005/8/layout/orgChart1"/>
+    <dgm:cxn modelId="{76955983-7E44-4332-95DD-9382E2615DCA}" type="presOf" srcId="{7FEE4C57-9EE4-469C-882E-CA18CFF1F0C8}" destId="{FE4B9678-2A97-42DE-A026-35061D5EAD1F}" srcOrd="1" destOrd="0" presId="urn:microsoft.com/office/officeart/2005/8/layout/orgChart1"/>
+    <dgm:cxn modelId="{B5780B98-6DA8-44AB-8253-A499B33DE085}" type="presOf" srcId="{C9D0EF75-7BC2-4481-9207-C868658479B1}" destId="{07836A9C-4A31-4FD9-B62B-D82EF32A7E9E}" srcOrd="0" destOrd="0" presId="urn:microsoft.com/office/officeart/2005/8/layout/orgChart1"/>
+    <dgm:cxn modelId="{C471603F-3B94-42BE-ABA5-4CD35155DB43}" type="presOf" srcId="{A8F96669-1065-491B-A577-177A8E0C5EE2}" destId="{69C0204F-B4DF-4C4D-8370-7C43A88A1134}" srcOrd="0" destOrd="0" presId="urn:microsoft.com/office/officeart/2005/8/layout/orgChart1"/>
+    <dgm:cxn modelId="{1CB1CD9C-5EF2-4528-B066-9CE653948D4E}" srcId="{7D55D7AC-A6AE-413C-B556-84977487D288}" destId="{DB167BC2-A6AB-41E3-85FF-9B09533238D2}" srcOrd="1" destOrd="0" parTransId="{5981C11D-AC5D-4A3A-83D0-42BD8C781924}" sibTransId="{4140D5E2-7390-496A-958D-2920441002F7}"/>
+    <dgm:cxn modelId="{E8F14A22-D5D8-48C3-80A1-762AC6A4A934}" type="presOf" srcId="{20E412C7-A88A-4486-8381-D8DEEF44DB1A}" destId="{9F52B83B-E017-42AE-9F51-9398CB593099}" srcOrd="0" destOrd="0" presId="urn:microsoft.com/office/officeart/2005/8/layout/orgChart1"/>
+    <dgm:cxn modelId="{9D28F05F-9EBB-4D04-84AE-1EFEE8FCBC82}" type="presOf" srcId="{2BD05C23-613B-47AE-8CEB-0596B09C2300}" destId="{47C5AF04-395A-4857-9F4B-1E30D88CF516}" srcOrd="1" destOrd="0" presId="urn:microsoft.com/office/officeart/2005/8/layout/orgChart1"/>
+    <dgm:cxn modelId="{E2655735-A9C1-46FD-91AB-60A7AE161683}" type="presOf" srcId="{5981C11D-AC5D-4A3A-83D0-42BD8C781924}" destId="{57606486-F414-4E9F-8416-6BD2C9A93B07}" srcOrd="0" destOrd="0" presId="urn:microsoft.com/office/officeart/2005/8/layout/orgChart1"/>
+    <dgm:cxn modelId="{7D676B22-9B4A-4014-ACEF-071DBD444E12}" type="presOf" srcId="{85A256C2-DFF7-438B-8384-6D94AD2785CC}" destId="{0126AF3E-B96E-47F4-917B-585A6B6A0C5E}" srcOrd="0" destOrd="0" presId="urn:microsoft.com/office/officeart/2005/8/layout/orgChart1"/>
+    <dgm:cxn modelId="{AD3F8BE1-D9D5-4305-A96F-645BF18CCABA}" srcId="{7D55D7AC-A6AE-413C-B556-84977487D288}" destId="{468DBADB-1A2D-4B35-A066-F85CD8B71CF5}" srcOrd="2" destOrd="0" parTransId="{A4844A0F-599C-42C2-BEF5-31C7967332B7}" sibTransId="{2C8D7AF7-26FB-4262-9AEA-59F6F8802313}"/>
+    <dgm:cxn modelId="{F7CD6CC2-8FFD-46A9-BF14-AD6E3743581E}" type="presOf" srcId="{19D815F1-4245-4E3D-A759-D4F8A60EABBA}" destId="{105AFA67-CAA8-4557-A7BC-927202C60D4E}" srcOrd="0" destOrd="0" presId="urn:microsoft.com/office/officeart/2005/8/layout/orgChart1"/>
+    <dgm:cxn modelId="{AD92ED72-22E0-4E07-AC39-2F3AE5B96FEA}" srcId="{742F5CEC-3FB0-4F91-9A16-3B64073D4E68}" destId="{D2FDB38B-CD9F-43A7-96BD-9FEF7E277B8B}" srcOrd="0" destOrd="0" parTransId="{F61CE615-4F83-42E2-88BE-1FD00804ACCA}" sibTransId="{87F14632-1218-47BD-B614-FB78084982D4}"/>
+    <dgm:cxn modelId="{3F3FC611-5366-4803-9EBB-8014121DBCB6}" type="presOf" srcId="{F61CE615-4F83-42E2-88BE-1FD00804ACCA}" destId="{76CC93CC-496A-4EA0-8EDB-702F403F3EB5}" srcOrd="0" destOrd="0" presId="urn:microsoft.com/office/officeart/2005/8/layout/orgChart1"/>
+    <dgm:cxn modelId="{B1DE2FF3-1F88-49F1-8736-92218BB340EC}" type="presOf" srcId="{48F9C7DD-CC38-4187-A315-29B0F36935EB}" destId="{97D50233-11FA-4380-97D2-13334266D21B}" srcOrd="0" destOrd="0" presId="urn:microsoft.com/office/officeart/2005/8/layout/orgChart1"/>
+    <dgm:cxn modelId="{79569565-B816-4E66-87C3-5035E1019946}" type="presOf" srcId="{2EF5EF84-7640-43DD-8476-2E8EFB4D6A0F}" destId="{1ACF877A-FD49-4636-AFA9-F839E47CC3C5}" srcOrd="0" destOrd="0" presId="urn:microsoft.com/office/officeart/2005/8/layout/orgChart1"/>
+    <dgm:cxn modelId="{FAEF5584-C438-48F7-840F-2FDC740CCBB9}" srcId="{7D55D7AC-A6AE-413C-B556-84977487D288}" destId="{397E2425-6401-4793-8313-EDDBC568CFF5}" srcOrd="0" destOrd="0" parTransId="{72C7DB3D-C2EB-4F70-8ECC-4B7354A1B27D}" sibTransId="{3A91AA53-3E8D-4A20-9B3E-DC9FC5E5765B}"/>
+    <dgm:cxn modelId="{AE2C3AE1-EC7F-4ED5-A07C-061B9C7C6F64}" type="presOf" srcId="{461BF01B-4C90-4BBC-9475-E99858736F81}" destId="{39916E1D-5D31-4481-9E8A-96A114D135F9}" srcOrd="0" destOrd="0" presId="urn:microsoft.com/office/officeart/2005/8/layout/orgChart1"/>
+    <dgm:cxn modelId="{EE8108E8-2D55-438B-8A2B-44B0D016145C}" type="presOf" srcId="{9D463E36-FB04-4CB0-8969-CB178D4760D1}" destId="{8CC98F1D-AD5B-4B4D-9345-CDDF2BB104C8}" srcOrd="0" destOrd="0" presId="urn:microsoft.com/office/officeart/2005/8/layout/orgChart1"/>
+    <dgm:cxn modelId="{13C2EC17-3B4C-4861-940C-0EFFA436D5D3}" srcId="{26A7734B-98C9-41FE-A30F-3EA43FDFD174}" destId="{1F42FDDE-F64D-4FB5-B7A9-C7B3972650C5}" srcOrd="6" destOrd="0" parTransId="{A7EF873E-6525-47F5-AC4D-75388AA7BE5C}" sibTransId="{B20A9C91-EB36-4C3E-970B-153014A68C9B}"/>
+    <dgm:cxn modelId="{09662FDA-3300-4A8A-83B7-9B2CFFBF57F6}" type="presOf" srcId="{2F45D982-B00B-45E2-9603-28F12E3BC206}" destId="{BAA93707-E04C-4561-AB71-B942DE535BA2}" srcOrd="0" destOrd="0" presId="urn:microsoft.com/office/officeart/2005/8/layout/orgChart1"/>
+    <dgm:cxn modelId="{4F5AD9FB-9F2F-4CD5-9573-91AEA4D288CC}" srcId="{B9DF79D7-DAB1-419A-93BC-5224E7292C01}" destId="{A6261FBC-2BD6-4E7A-BEDA-AF1A9733A29C}" srcOrd="7" destOrd="0" parTransId="{34A9FE22-1E61-421F-BBA2-C86C78DB84BA}" sibTransId="{12B3940E-A28C-409F-94D6-198912DA08D2}"/>
+    <dgm:cxn modelId="{0F1A5A1C-F547-49A3-B266-6C698B9B9865}" type="presOf" srcId="{EB3E4C30-C311-42BE-B076-0A2A8357D0E5}" destId="{E6899FD7-1719-4F3C-A2E3-C8325D512D58}" srcOrd="0" destOrd="0" presId="urn:microsoft.com/office/officeart/2005/8/layout/orgChart1"/>
+    <dgm:cxn modelId="{C7908C3F-AE30-47B5-9752-94DA2C5ABB1C}" srcId="{9D463E36-FB04-4CB0-8969-CB178D4760D1}" destId="{4E835A11-116E-49D7-A825-04AAAE1B5B83}" srcOrd="2" destOrd="0" parTransId="{57F43BBE-ECF0-468D-A135-63ECE88EC544}" sibTransId="{26415C1D-6F22-4879-971D-36F0B9CF73E4}"/>
+    <dgm:cxn modelId="{B7C997F8-0EA0-4558-ABAF-315FE0EF3D9F}" type="presOf" srcId="{A0F1657B-3B1B-40C8-AB72-F95CC1588565}" destId="{79DC65AC-AAEE-4F66-BA3E-1FAFA20B2003}" srcOrd="0" destOrd="0" presId="urn:microsoft.com/office/officeart/2005/8/layout/orgChart1"/>
+    <dgm:cxn modelId="{F629917A-D5F3-4A4D-83F9-4C17C71FF637}" type="presOf" srcId="{500F4641-BDE3-4598-ACA3-3ACD7B759F63}" destId="{192549E3-71F6-406D-ADFE-7284B435F50C}" srcOrd="0" destOrd="0" presId="urn:microsoft.com/office/officeart/2005/8/layout/orgChart1"/>
+    <dgm:cxn modelId="{20C2798A-19BB-4A75-8545-50B9801F55BB}" type="presOf" srcId="{0E99BB89-9CCB-4A68-A82A-9A5208A9DE85}" destId="{D83B6EA6-1A91-4C3E-8D2B-DC5DAC453D34}" srcOrd="1" destOrd="0" presId="urn:microsoft.com/office/officeart/2005/8/layout/orgChart1"/>
+    <dgm:cxn modelId="{1D1BA280-F04E-40C0-AE33-0BF250B9B32B}" type="presOf" srcId="{DAF6568E-59AF-4294-8156-2D11935E3EE6}" destId="{240AD5CA-AE14-49F6-B1E5-3EB8F2928561}" srcOrd="0" destOrd="0" presId="urn:microsoft.com/office/officeart/2005/8/layout/orgChart1"/>
+    <dgm:cxn modelId="{F536AAB3-18D8-4879-927A-CF6E35C0863D}" srcId="{06534DF6-5680-4FD6-8C06-EFD2ADB28888}" destId="{E4507D21-8B18-426B-90B3-C73CD3A0FEAE}" srcOrd="1" destOrd="0" parTransId="{502FF505-CD6A-490C-91EF-FCDB60B83475}" sibTransId="{82B1EE0A-5D79-41B5-8CC2-396E03429161}"/>
+    <dgm:cxn modelId="{629F6D12-DD49-4021-BA73-A254EBE90F33}" srcId="{07FDC29B-622D-4E67-AB48-A9AA1F589B65}" destId="{DDB223F8-FA19-43B8-B9E5-6F472A80FF11}" srcOrd="0" destOrd="0" parTransId="{91391709-5792-48B5-90D2-BE8612049A03}" sibTransId="{64135039-B7AF-4F51-A611-6C5CE420A163}"/>
+    <dgm:cxn modelId="{573B8022-3C98-4CA5-B07B-E80CBA57499D}" type="presOf" srcId="{9DB95590-8D2B-4D6D-B003-9A494108E126}" destId="{F03233B6-2492-4788-8D74-99E1D79D07D7}" srcOrd="0" destOrd="0" presId="urn:microsoft.com/office/officeart/2005/8/layout/orgChart1"/>
+    <dgm:cxn modelId="{C0C95562-330C-46D7-9FB9-C8B10627E2F6}" type="presOf" srcId="{B45EDE43-7559-4CF4-B2CF-74BEC7ADB4DA}" destId="{6D5C116B-2587-4418-836B-4D21EECA628C}" srcOrd="0" destOrd="0" presId="urn:microsoft.com/office/officeart/2005/8/layout/orgChart1"/>
+    <dgm:cxn modelId="{2031AF2F-81B3-46F2-A11D-FD9D39A7CDEA}" srcId="{26A7734B-98C9-41FE-A30F-3EA43FDFD174}" destId="{402843E0-06F1-4C8A-A194-C5F3CA845709}" srcOrd="3" destOrd="0" parTransId="{648878DE-500B-42CD-995E-8B3335B002D4}" sibTransId="{C2687847-2E6C-4441-881C-A36A42E0F377}"/>
+    <dgm:cxn modelId="{E93BE176-8890-4D04-8624-0556248ED3A5}" type="presOf" srcId="{4C06212B-ED82-4829-B634-553B4F3E2A8F}" destId="{35B9E0AA-5247-4677-85F3-7281551FE034}" srcOrd="0" destOrd="0" presId="urn:microsoft.com/office/officeart/2005/8/layout/orgChart1"/>
     <dgm:cxn modelId="{F72FFBE9-8C10-4DDE-BB37-E64F3DBB4166}" type="presOf" srcId="{469FCB90-92DD-4DE7-8308-EB4FF6BFBF4D}" destId="{DA172951-206D-4934-BD10-5A3BF09629ED}" srcOrd="0" destOrd="0" presId="urn:microsoft.com/office/officeart/2005/8/layout/orgChart1"/>
-    <dgm:cxn modelId="{5C5A75F5-FDEC-4FDF-8D9D-6BCBEEC830E0}" type="presOf" srcId="{468DBADB-1A2D-4B35-A066-F85CD8B71CF5}" destId="{B5D47606-276C-49F0-851F-85D7A3DE057E}" srcOrd="1" destOrd="0" presId="urn:microsoft.com/office/officeart/2005/8/layout/orgChart1"/>
-    <dgm:cxn modelId="{F536AAB3-18D8-4879-927A-CF6E35C0863D}" srcId="{06534DF6-5680-4FD6-8C06-EFD2ADB28888}" destId="{E4507D21-8B18-426B-90B3-C73CD3A0FEAE}" srcOrd="1" destOrd="0" parTransId="{502FF505-CD6A-490C-91EF-FCDB60B83475}" sibTransId="{82B1EE0A-5D79-41B5-8CC2-396E03429161}"/>
-    <dgm:cxn modelId="{9E4D56D4-C05D-401C-BDBE-6B5E81CF4F7C}" type="presOf" srcId="{D2E320A0-BFD2-4113-AAB1-6C21B23D54CA}" destId="{12B276A5-96F3-431C-B61B-630875C09293}" srcOrd="0" destOrd="0" presId="urn:microsoft.com/office/officeart/2005/8/layout/orgChart1"/>
-    <dgm:cxn modelId="{20C2798A-19BB-4A75-8545-50B9801F55BB}" type="presOf" srcId="{0E99BB89-9CCB-4A68-A82A-9A5208A9DE85}" destId="{D83B6EA6-1A91-4C3E-8D2B-DC5DAC453D34}" srcOrd="1" destOrd="0" presId="urn:microsoft.com/office/officeart/2005/8/layout/orgChart1"/>
-    <dgm:cxn modelId="{2DB35823-B0D0-4AEF-A4CF-1B475F5EB3EC}" srcId="{26A7734B-98C9-41FE-A30F-3EA43FDFD174}" destId="{06534DF6-5680-4FD6-8C06-EFD2ADB28888}" srcOrd="9" destOrd="0" parTransId="{D2E320A0-BFD2-4113-AAB1-6C21B23D54CA}" sibTransId="{BD137E64-E5C7-4314-8A13-F3A915F9E201}"/>
-    <dgm:cxn modelId="{BD838E11-3B2A-41A2-905E-D7F43163F954}" srcId="{B9DF79D7-DAB1-419A-93BC-5224E7292C01}" destId="{B1FAE752-2A95-4101-A426-836514BA9A2E}" srcOrd="1" destOrd="0" parTransId="{E62A6C13-7490-4EBE-BA1D-108A8285450E}" sibTransId="{28CB85FD-5B26-4C78-8090-01E667278F22}"/>
-    <dgm:cxn modelId="{2DB5A14C-D38C-407A-8DB3-AB2B76853DF7}" type="presOf" srcId="{AEAF7E84-B526-4625-AE11-B6DD18C39057}" destId="{0C0E0275-E419-46DE-B163-B6BB4C36CB2C}" srcOrd="0" destOrd="0" presId="urn:microsoft.com/office/officeart/2005/8/layout/orgChart1"/>
-    <dgm:cxn modelId="{F4E86910-AB5A-4F44-897F-3E5AB5FD5AA6}" type="presOf" srcId="{54EBD050-57A1-4841-8039-6E3BC3B87551}" destId="{A6A756E9-4A64-4ABB-B236-8A1312D8C1DD}" srcOrd="1" destOrd="0" presId="urn:microsoft.com/office/officeart/2005/8/layout/orgChart1"/>
-    <dgm:cxn modelId="{1AD06D7D-A9C0-4890-9574-C0701E9168F8}" srcId="{402843E0-06F1-4C8A-A194-C5F3CA845709}" destId="{7FEE4C57-9EE4-469C-882E-CA18CFF1F0C8}" srcOrd="2" destOrd="0" parTransId="{FB5710C3-AFB6-40FF-A158-92EF30DF88AE}" sibTransId="{11DB6677-D2F5-4AF0-8C86-E76793D468C7}"/>
-    <dgm:cxn modelId="{CC907A56-D241-4F8D-9036-FFF2F23912A5}" type="presOf" srcId="{A42FFD6D-CFEA-4825-840F-D456580596CE}" destId="{20C24106-9B6E-47A8-B69C-2DAFA8F7AAAA}" srcOrd="1" destOrd="0" presId="urn:microsoft.com/office/officeart/2005/8/layout/orgChart1"/>
-    <dgm:cxn modelId="{4F5AD9FB-9F2F-4CD5-9573-91AEA4D288CC}" srcId="{B9DF79D7-DAB1-419A-93BC-5224E7292C01}" destId="{A6261FBC-2BD6-4E7A-BEDA-AF1A9733A29C}" srcOrd="7" destOrd="0" parTransId="{34A9FE22-1E61-421F-BBA2-C86C78DB84BA}" sibTransId="{12B3940E-A28C-409F-94D6-198912DA08D2}"/>
-    <dgm:cxn modelId="{79569565-B816-4E66-87C3-5035E1019946}" type="presOf" srcId="{2EF5EF84-7640-43DD-8476-2E8EFB4D6A0F}" destId="{1ACF877A-FD49-4636-AFA9-F839E47CC3C5}" srcOrd="0" destOrd="0" presId="urn:microsoft.com/office/officeart/2005/8/layout/orgChart1"/>
-    <dgm:cxn modelId="{6D6DF6DE-3B38-40FC-9745-9038196DEC8E}" srcId="{6EB344EB-2654-408C-91DA-877780EFA62F}" destId="{990CAE16-2C24-429D-ACEC-29A2E4F5F439}" srcOrd="1" destOrd="0" parTransId="{D183A3AB-75F4-4F81-ADC5-15A1B7E8FF9D}" sibTransId="{A265A2D9-4752-4462-B3A9-CF121C20CEC6}"/>
-    <dgm:cxn modelId="{B5987076-C75C-45F5-A58C-4076837EA35B}" srcId="{B9DF79D7-DAB1-419A-93BC-5224E7292C01}" destId="{2222A0CC-63CE-4BBF-8DFC-308BB4C60AD2}" srcOrd="6" destOrd="0" parTransId="{0E10C905-03B0-4968-A51B-CC222A62B71D}" sibTransId="{D975E294-1E4D-4BDA-A2A5-0EC8FCB21891}"/>
-    <dgm:cxn modelId="{4F68E45B-A803-4654-8C82-8CF564058BCD}" type="presOf" srcId="{AC094981-4EEF-4913-B14A-A14BA91FCC03}" destId="{45334881-CA76-45F5-8209-34EF25E428E0}" srcOrd="0" destOrd="0" presId="urn:microsoft.com/office/officeart/2005/8/layout/orgChart1"/>
-    <dgm:cxn modelId="{8E7AB31E-38C2-464A-A2B3-F7752D45F23B}" type="presOf" srcId="{6BF2A2E7-7D1A-4E60-A9C5-B938EEFA06F3}" destId="{71B400C4-FC40-4EEC-A790-7974D211AD33}" srcOrd="1" destOrd="0" presId="urn:microsoft.com/office/officeart/2005/8/layout/orgChart1"/>
-    <dgm:cxn modelId="{DCFE2F83-91BC-41C2-B1DF-CC2389CE2256}" type="presOf" srcId="{15BFC984-FD9C-4EC1-910F-E0B7728DF1CA}" destId="{FA29C742-9D13-4EC3-9311-A0E2B9886BDB}" srcOrd="0" destOrd="0" presId="urn:microsoft.com/office/officeart/2005/8/layout/orgChart1"/>
-    <dgm:cxn modelId="{459D8608-58E5-4612-A94D-0CA0CBF604A8}" type="presOf" srcId="{785076A0-61E1-45AE-9124-93C3B42D37AF}" destId="{5E3608A1-F430-4DAF-9890-7C4C9DABE81C}" srcOrd="1" destOrd="0" presId="urn:microsoft.com/office/officeart/2005/8/layout/orgChart1"/>
-    <dgm:cxn modelId="{320661BB-CF07-4BE9-9BB5-396F477EE2DE}" srcId="{32A6B69A-F825-4916-AF26-4E2EBE930ACE}" destId="{EB1A120C-C49A-4A04-A007-A828FA1D052B}" srcOrd="2" destOrd="0" parTransId="{B45EDE43-7559-4CF4-B2CF-74BEC7ADB4DA}" sibTransId="{7D7CC556-968A-4215-95A7-FA24150F9E7A}"/>
-    <dgm:cxn modelId="{4FC1D0C2-C53E-4E44-9686-792B7081782B}" type="presOf" srcId="{9E81CAB6-3590-4004-9481-AADB45E2027A}" destId="{4BC60D2D-F261-4494-A8F9-FEF34AB0B17B}" srcOrd="0" destOrd="0" presId="urn:microsoft.com/office/officeart/2005/8/layout/orgChart1"/>
-    <dgm:cxn modelId="{A5D2B486-7973-406F-BAE6-1D04A0F1DF28}" type="presOf" srcId="{A0F1657B-3B1B-40C8-AB72-F95CC1588565}" destId="{1A5A58EF-BBCE-4070-9C39-630D6C8B4F1A}" srcOrd="1" destOrd="0" presId="urn:microsoft.com/office/officeart/2005/8/layout/orgChart1"/>
-    <dgm:cxn modelId="{662B8970-0B6F-44F1-9F5E-372748F31020}" type="presOf" srcId="{E5F83174-20E0-4019-AF5A-2A9B80B3D86B}" destId="{1869FCC6-401F-4A5A-9249-B881E88E5534}" srcOrd="0" destOrd="0" presId="urn:microsoft.com/office/officeart/2005/8/layout/orgChart1"/>
-    <dgm:cxn modelId="{C4426128-EF13-4A38-8312-032B271E389E}" type="presOf" srcId="{50DC4892-3195-45DE-B31B-A6E5CB8AAC3F}" destId="{C9E30748-848E-4116-8BA7-B3CF3B5E3B82}" srcOrd="0" destOrd="0" presId="urn:microsoft.com/office/officeart/2005/8/layout/orgChart1"/>
-    <dgm:cxn modelId="{895BB9F9-950B-4A3B-AF95-01C909869E02}" type="presOf" srcId="{32A6B69A-F825-4916-AF26-4E2EBE930ACE}" destId="{FB8F12D4-87AE-4CB3-8285-72A539DE802A}" srcOrd="1" destOrd="0" presId="urn:microsoft.com/office/officeart/2005/8/layout/orgChart1"/>
-    <dgm:cxn modelId="{C2E24B71-4B45-4402-BCD2-FFEBDFF66E26}" srcId="{9D463E36-FB04-4CB0-8969-CB178D4760D1}" destId="{7A6E2B28-A652-4A03-B536-52CB6C2AFA96}" srcOrd="1" destOrd="0" parTransId="{9A25BBAD-BCBE-4067-8A61-7D9F1B6B7C76}" sibTransId="{7A034532-21F3-452A-B95E-B100FD55E5C5}"/>
-    <dgm:cxn modelId="{C6EF7C9A-83F9-4688-9A8E-0FA4E552DAC2}" type="presOf" srcId="{FA990C8C-CCB3-45CF-B502-DBA62674AEE3}" destId="{CC12E122-C9AA-46DB-9AC8-FE6F0595C595}" srcOrd="0" destOrd="0" presId="urn:microsoft.com/office/officeart/2005/8/layout/orgChart1"/>
-    <dgm:cxn modelId="{1FA87012-FA33-4346-9496-C377BBD6D9DC}" type="presOf" srcId="{2EF5EF84-7640-43DD-8476-2E8EFB4D6A0F}" destId="{EF636624-51C5-4B2B-8AFC-D1E8390DD0F7}" srcOrd="1" destOrd="0" presId="urn:microsoft.com/office/officeart/2005/8/layout/orgChart1"/>
-    <dgm:cxn modelId="{7E409D54-1F19-4A0A-BF9D-CB30D7B36066}" type="presOf" srcId="{9A25BBAD-BCBE-4067-8A61-7D9F1B6B7C76}" destId="{1558BB0D-82B9-4394-962D-B957927CED19}" srcOrd="0" destOrd="0" presId="urn:microsoft.com/office/officeart/2005/8/layout/orgChart1"/>
-    <dgm:cxn modelId="{2486C28C-7056-4E91-9FA7-37AB510A656C}" srcId="{742F5CEC-3FB0-4F91-9A16-3B64073D4E68}" destId="{3A345787-CCB7-4981-8AFD-DC6D6D02996D}" srcOrd="3" destOrd="0" parTransId="{630739F9-3353-4A8A-85E6-586235D93B00}" sibTransId="{92799D77-777E-4C7D-ABA5-2DB03F42976E}"/>
-    <dgm:cxn modelId="{F495F4DF-6E40-4366-8AF2-C1B6EB7D69CB}" type="presOf" srcId="{500F4641-BDE3-4598-ACA3-3ACD7B759F63}" destId="{D98BD108-56E6-4BC9-9851-5D93A2351CA4}" srcOrd="1" destOrd="0" presId="urn:microsoft.com/office/officeart/2005/8/layout/orgChart1"/>
-    <dgm:cxn modelId="{52A61AFA-0A45-4B52-BDCC-2164141FD8CD}" type="presOf" srcId="{218443C8-AB06-4CE0-9CD8-1B7B09F808ED}" destId="{13AD299F-31B2-40F5-A443-F8DFA3FF387C}" srcOrd="1" destOrd="0" presId="urn:microsoft.com/office/officeart/2005/8/layout/orgChart1"/>
-    <dgm:cxn modelId="{D8CDDEA0-39D6-49DD-9BAA-1AED4C2DD600}" type="presOf" srcId="{8AEA7DDD-7E07-4CC3-BBC7-31E2285CC32E}" destId="{74C3AD87-D11E-4E84-9535-BBAB1C2C2B27}" srcOrd="0" destOrd="0" presId="urn:microsoft.com/office/officeart/2005/8/layout/orgChart1"/>
-    <dgm:cxn modelId="{585B5F75-026E-4749-9DC8-F6CCFB372468}" type="presOf" srcId="{94B823A7-80F8-434D-84D1-9D1B7CE83254}" destId="{B5DEEFF9-96A7-4A08-9497-279466809AA5}" srcOrd="0" destOrd="0" presId="urn:microsoft.com/office/officeart/2005/8/layout/orgChart1"/>
-    <dgm:cxn modelId="{4A0B71E0-3065-4434-A65C-EBBE0AACB370}" type="presOf" srcId="{20E412C7-A88A-4486-8381-D8DEEF44DB1A}" destId="{A6A7851C-98BA-41E6-A1C6-E575CB97AF66}" srcOrd="1" destOrd="0" presId="urn:microsoft.com/office/officeart/2005/8/layout/orgChart1"/>
-    <dgm:cxn modelId="{AE94C466-E018-467F-8ECE-5C80A867687C}" type="presOf" srcId="{D2FDB38B-CD9F-43A7-96BD-9FEF7E277B8B}" destId="{89C89104-832A-4937-9772-422988D1C642}" srcOrd="1" destOrd="0" presId="urn:microsoft.com/office/officeart/2005/8/layout/orgChart1"/>
-    <dgm:cxn modelId="{2D18E690-88C5-4C09-9ADA-93BF03FDDD19}" srcId="{1F42FDDE-F64D-4FB5-B7A9-C7B3972650C5}" destId="{DAF6568E-59AF-4294-8156-2D11935E3EE6}" srcOrd="0" destOrd="0" parTransId="{8F17F31F-A789-4B5A-BDDC-0C79852E47C1}" sibTransId="{09372781-81ED-428F-AF8B-D4B354422468}"/>
-    <dgm:cxn modelId="{85EF1F4C-E5C0-48DA-BB86-05E863E5E58B}" type="presOf" srcId="{D67F8A0D-D22F-4973-82D0-F7260C0E87C5}" destId="{0525949A-56A3-41FD-B6D5-F690223B2261}" srcOrd="0" destOrd="0" presId="urn:microsoft.com/office/officeart/2005/8/layout/orgChart1"/>
-    <dgm:cxn modelId="{C792A7D1-FC2D-4F6E-BF58-EA748F2360E4}" type="presOf" srcId="{9400BA02-25B5-4E3D-91D0-BB055A9C2665}" destId="{FC63A081-5C87-446F-B39F-79496D030EF0}" srcOrd="0" destOrd="0" presId="urn:microsoft.com/office/officeart/2005/8/layout/orgChart1"/>
-    <dgm:cxn modelId="{97903644-098D-4A50-9AB1-812A545AA8C8}" type="presOf" srcId="{C7F57EAC-A364-4D11-921C-237EA2B81788}" destId="{A4CACBFC-2769-46C3-9889-7D91A51FA072}" srcOrd="1" destOrd="0" presId="urn:microsoft.com/office/officeart/2005/8/layout/orgChart1"/>
-    <dgm:cxn modelId="{85658C1F-837A-4993-A6E9-23C77FD1C30E}" type="presOf" srcId="{967B49BC-36ED-41FA-8808-452DBCBF7D4D}" destId="{13218B29-BBBB-4B99-9857-B59206F7AD2B}" srcOrd="0" destOrd="0" presId="urn:microsoft.com/office/officeart/2005/8/layout/orgChart1"/>
-    <dgm:cxn modelId="{25B9816A-0B8D-4B9C-9062-FCDA2AAFD664}" type="presOf" srcId="{F181F9D8-A852-4615-AFC2-81A72AE0F460}" destId="{065F1A28-9697-48A0-A237-52A4BFDA25E9}" srcOrd="0" destOrd="0" presId="urn:microsoft.com/office/officeart/2005/8/layout/orgChart1"/>
-    <dgm:cxn modelId="{C8E1339E-A72D-4E82-8135-D968AB9FD34C}" srcId="{1F42FDDE-F64D-4FB5-B7A9-C7B3972650C5}" destId="{8AEA7DDD-7E07-4CC3-BBC7-31E2285CC32E}" srcOrd="1" destOrd="0" parTransId="{4C06212B-ED82-4829-B634-553B4F3E2A8F}" sibTransId="{F266E774-0D35-4972-835A-85D46E277E31}"/>
-    <dgm:cxn modelId="{B7C997F8-0EA0-4558-ABAF-315FE0EF3D9F}" type="presOf" srcId="{A0F1657B-3B1B-40C8-AB72-F95CC1588565}" destId="{79DC65AC-AAEE-4F66-BA3E-1FAFA20B2003}" srcOrd="0" destOrd="0" presId="urn:microsoft.com/office/officeart/2005/8/layout/orgChart1"/>
-    <dgm:cxn modelId="{1651EF16-7739-4223-ABAF-AD3FDA56C962}" type="presOf" srcId="{5FB46280-1681-4F31-A536-1B040BD712F4}" destId="{4736B655-DDA8-4A48-B43C-2DD88D7D8531}" srcOrd="0" destOrd="0" presId="urn:microsoft.com/office/officeart/2005/8/layout/orgChart1"/>
-    <dgm:cxn modelId="{4D05213B-125E-4C29-9ABA-BDA44AB08851}" type="presOf" srcId="{18898107-DDF5-4498-938A-DE993FA6B0DB}" destId="{D86621F9-15BE-4AFF-BD1A-8FF826582A10}" srcOrd="0" destOrd="0" presId="urn:microsoft.com/office/officeart/2005/8/layout/orgChart1"/>
-    <dgm:cxn modelId="{FBD39CA9-D435-4A6B-BCE6-3B317117341D}" srcId="{26A7734B-98C9-41FE-A30F-3EA43FDFD174}" destId="{3D0E5FCC-C6E6-4415-A923-3B56776F1283}" srcOrd="12" destOrd="0" parTransId="{AEAF7E84-B526-4625-AE11-B6DD18C39057}" sibTransId="{5572009B-90BC-4333-90C1-3D72D78A1076}"/>
-    <dgm:cxn modelId="{6725A394-43DB-4CB3-BE5D-6013863B263A}" type="presOf" srcId="{FB5710C3-AFB6-40FF-A158-92EF30DF88AE}" destId="{DF9C6B03-268D-471A-8425-3ACC3E267CA6}" srcOrd="0" destOrd="0" presId="urn:microsoft.com/office/officeart/2005/8/layout/orgChart1"/>
-    <dgm:cxn modelId="{E6263B70-FBF2-4A82-B5B4-3629EAEEF651}" type="presOf" srcId="{DDCE66B6-A59D-4D6F-8F91-9E8F2CAF7968}" destId="{212469AF-89FC-4A0A-9485-CFDF012F6D76}" srcOrd="0" destOrd="0" presId="urn:microsoft.com/office/officeart/2005/8/layout/orgChart1"/>
-    <dgm:cxn modelId="{CE7C213B-A695-47FE-850A-AF4F669856FC}" type="presOf" srcId="{2BD05C23-613B-47AE-8CEB-0596B09C2300}" destId="{F80C518A-AFD3-482A-92A8-11891631297F}" srcOrd="0" destOrd="0" presId="urn:microsoft.com/office/officeart/2005/8/layout/orgChart1"/>
-    <dgm:cxn modelId="{3D4FDC86-44F6-40B3-B56F-9B5A675C2C7D}" srcId="{B9DF79D7-DAB1-419A-93BC-5224E7292C01}" destId="{785076A0-61E1-45AE-9124-93C3B42D37AF}" srcOrd="3" destOrd="0" parTransId="{55A95216-44D0-465E-BB0F-1C6FB47743EE}" sibTransId="{7292B400-021A-4761-8C78-97B2C821CE84}"/>
-    <dgm:cxn modelId="{FEE6DBDF-D4DD-41E1-8A8C-EF77BADFA470}" type="presOf" srcId="{7EDF19BD-DA68-4694-9E7D-B7A25A3D115D}" destId="{1DFBDF80-41D6-4F0F-ACCE-99984A9DCB16}" srcOrd="0" destOrd="0" presId="urn:microsoft.com/office/officeart/2005/8/layout/orgChart1"/>
-    <dgm:cxn modelId="{EE8108E8-2D55-438B-8A2B-44B0D016145C}" type="presOf" srcId="{9D463E36-FB04-4CB0-8969-CB178D4760D1}" destId="{8CC98F1D-AD5B-4B4D-9345-CDDF2BB104C8}" srcOrd="0" destOrd="0" presId="urn:microsoft.com/office/officeart/2005/8/layout/orgChart1"/>
-    <dgm:cxn modelId="{0255526D-F75E-4C66-BEF0-4A1716C49C8A}" type="presOf" srcId="{57F43BBE-ECF0-468D-A135-63ECE88EC544}" destId="{0482C169-DE8D-4AA2-BF15-31115EA6C46F}" srcOrd="0" destOrd="0" presId="urn:microsoft.com/office/officeart/2005/8/layout/orgChart1"/>
-    <dgm:cxn modelId="{4931EF6A-3E8C-466A-B79D-04EFCE8A737F}" srcId="{26A7734B-98C9-41FE-A30F-3EA43FDFD174}" destId="{07FDC29B-622D-4E67-AB48-A9AA1F589B65}" srcOrd="10" destOrd="0" parTransId="{9E81CAB6-3590-4004-9481-AADB45E2027A}" sibTransId="{C53ECC46-7146-45A6-A54D-59D48FBE07C9}"/>
-    <dgm:cxn modelId="{82AB25A9-8DD3-48EF-976F-41F8DAEF4ED9}" srcId="{26A7734B-98C9-41FE-A30F-3EA43FDFD174}" destId="{32A6B69A-F825-4916-AF26-4E2EBE930ACE}" srcOrd="8" destOrd="0" parTransId="{81C6F986-7CE0-4123-A166-FB031439C0FC}" sibTransId="{B37813F6-B79D-4CBE-994B-FBCAC9C5CD24}"/>
-    <dgm:cxn modelId="{78163479-B390-4F6E-9A4B-95A84AA781C2}" srcId="{32A6B69A-F825-4916-AF26-4E2EBE930ACE}" destId="{FA990C8C-CCB3-45CF-B502-DBA62674AEE3}" srcOrd="5" destOrd="0" parTransId="{237EDA52-1468-4866-BD09-3D0627A97534}" sibTransId="{CB87B0AC-BC8B-4FD2-8CEA-ACA4F450E790}"/>
-    <dgm:cxn modelId="{8C10DFCD-284D-4ACE-8BB6-0CB7288C8664}" srcId="{26A7734B-98C9-41FE-A30F-3EA43FDFD174}" destId="{7D55D7AC-A6AE-413C-B556-84977487D288}" srcOrd="1" destOrd="0" parTransId="{50DC4892-3195-45DE-B31B-A6E5CB8AAC3F}" sibTransId="{BCB775DE-038F-4B75-9774-D3297B9AF14A}"/>
-    <dgm:cxn modelId="{0C023340-9C5F-45C2-B16B-235B1BD5119D}" type="presOf" srcId="{7D55D7AC-A6AE-413C-B556-84977487D288}" destId="{D84AF65B-04EA-4831-B4F3-93D88092AD7F}" srcOrd="1" destOrd="0" presId="urn:microsoft.com/office/officeart/2005/8/layout/orgChart1"/>
-    <dgm:cxn modelId="{972A4E9F-A02E-4735-886B-89807ECB2FDD}" type="presOf" srcId="{402843E0-06F1-4C8A-A194-C5F3CA845709}" destId="{FDC9E6B7-443A-42BE-98A7-1FE4D5B2B02E}" srcOrd="1" destOrd="0" presId="urn:microsoft.com/office/officeart/2005/8/layout/orgChart1"/>
-    <dgm:cxn modelId="{70D0B2DE-A6E4-4EE5-9B7A-8806CA91931E}" srcId="{7D55D7AC-A6AE-413C-B556-84977487D288}" destId="{C68324FA-8AA2-419C-A7AA-6BF10CF13F4E}" srcOrd="3" destOrd="0" parTransId="{02B91645-1FD9-467A-848D-355E01CDC5D0}" sibTransId="{AC087477-4E61-44C2-936A-7F4C3C7B699B}"/>
-    <dgm:cxn modelId="{07CFC0F1-2FCA-446F-B2BD-BDEC6821820B}" srcId="{9D463E36-FB04-4CB0-8969-CB178D4760D1}" destId="{F181F9D8-A852-4615-AFC2-81A72AE0F460}" srcOrd="3" destOrd="0" parTransId="{0FD75748-BFAF-4DF2-B6A4-6B45718284B4}" sibTransId="{946EBCC2-FDDF-4D03-9FFB-100B0CB82E3D}"/>
-    <dgm:cxn modelId="{8A56A365-1C24-4F00-A6EB-3AD897CEC23A}" type="presOf" srcId="{0F67BEC9-3472-4783-9EBB-C9EC2923B8E7}" destId="{A1E0202A-C1B2-4DB1-A2D6-5C72C8F5CF74}" srcOrd="0" destOrd="0" presId="urn:microsoft.com/office/officeart/2005/8/layout/orgChart1"/>
-    <dgm:cxn modelId="{1CB1CD9C-5EF2-4528-B066-9CE653948D4E}" srcId="{7D55D7AC-A6AE-413C-B556-84977487D288}" destId="{DB167BC2-A6AB-41E3-85FF-9B09533238D2}" srcOrd="1" destOrd="0" parTransId="{5981C11D-AC5D-4A3A-83D0-42BD8C781924}" sibTransId="{4140D5E2-7390-496A-958D-2920441002F7}"/>
-    <dgm:cxn modelId="{7D9E4DD1-0CBC-4B9D-A5A4-90F96370F38E}" type="presOf" srcId="{32A6B69A-F825-4916-AF26-4E2EBE930ACE}" destId="{DA5D6DFC-5D45-42F4-982D-E9024D4D867D}" srcOrd="0" destOrd="0" presId="urn:microsoft.com/office/officeart/2005/8/layout/orgChart1"/>
-    <dgm:cxn modelId="{1CFF287D-1B67-48AC-B08E-5ED9B9059893}" type="presOf" srcId="{DB48C575-5006-440B-8A4B-39C6DC78A19E}" destId="{2A967EB9-DF12-47B7-8C39-842FD0E7AF75}" srcOrd="0" destOrd="0" presId="urn:microsoft.com/office/officeart/2005/8/layout/orgChart1"/>
-    <dgm:cxn modelId="{B1DE2FF3-1F88-49F1-8736-92218BB340EC}" type="presOf" srcId="{48F9C7DD-CC38-4187-A315-29B0F36935EB}" destId="{97D50233-11FA-4380-97D2-13334266D21B}" srcOrd="0" destOrd="0" presId="urn:microsoft.com/office/officeart/2005/8/layout/orgChart1"/>
-    <dgm:cxn modelId="{EB091097-6B76-436E-A918-3841897D8EEA}" srcId="{9D463E36-FB04-4CB0-8969-CB178D4760D1}" destId="{5D30A53E-BB33-4527-ACDE-835C169F4E13}" srcOrd="0" destOrd="0" parTransId="{2AE5FCFC-D452-4566-9D0C-0B17302C952C}" sibTransId="{3B9DE714-6AA7-479B-988E-EE76A4924B70}"/>
-    <dgm:cxn modelId="{1AA115D0-850E-485C-AED4-9F15B88D6B4A}" type="presOf" srcId="{3A345787-CCB7-4981-8AFD-DC6D6D02996D}" destId="{4901515A-EFF6-4023-BEAE-4C4F000A7E5E}" srcOrd="1" destOrd="0" presId="urn:microsoft.com/office/officeart/2005/8/layout/orgChart1"/>
-    <dgm:cxn modelId="{6624AAC5-F1AC-464B-8C89-0B70E7553789}" type="presOf" srcId="{D89E97BD-DBB4-463B-9AAE-BFC9743D8045}" destId="{F052F7C6-F725-478B-9C7C-950992F038A8}" srcOrd="0" destOrd="0" presId="urn:microsoft.com/office/officeart/2005/8/layout/orgChart1"/>
-    <dgm:cxn modelId="{C7A6DEEC-FB06-44FA-90A7-8B012DFC8E51}" srcId="{20E412C7-A88A-4486-8381-D8DEEF44DB1A}" destId="{9400BA02-25B5-4E3D-91D0-BB055A9C2665}" srcOrd="0" destOrd="0" parTransId="{DB1F7060-4C55-4010-9628-47EE721E2033}" sibTransId="{790CCF57-AC1F-48A3-898F-B3950BFDDC79}"/>
-    <dgm:cxn modelId="{BA5A1BC9-9E8F-41FD-8642-9A1D8E99C590}" type="presOf" srcId="{8AEA7DDD-7E07-4CC3-BBC7-31E2285CC32E}" destId="{EC8822D3-376B-4990-B7C8-F1D8C9FE3DFF}" srcOrd="1" destOrd="0" presId="urn:microsoft.com/office/officeart/2005/8/layout/orgChart1"/>
-    <dgm:cxn modelId="{6D945393-4E92-4EA6-A0AD-CF6D9AB97464}" type="presOf" srcId="{6E4044AE-79D6-492D-9F3C-3C6B1A7C5B12}" destId="{D4EB22E2-83B4-4D4B-B9B6-0128F3D67A80}" srcOrd="0" destOrd="0" presId="urn:microsoft.com/office/officeart/2005/8/layout/orgChart1"/>
-    <dgm:cxn modelId="{F2352252-B233-4CBB-A5C7-BD78E02B0AF7}" type="presOf" srcId="{E8342092-9DDB-4C58-AD2B-23812BEE64BD}" destId="{5CA21DB2-889F-4858-9C72-EAF15593C655}" srcOrd="0" destOrd="0" presId="urn:microsoft.com/office/officeart/2005/8/layout/orgChart1"/>
-    <dgm:cxn modelId="{40BFF76B-D3AD-4CCF-A04D-954F0FF70EF6}" type="presOf" srcId="{9DB95590-8D2B-4D6D-B003-9A494108E126}" destId="{EECFDE60-2814-46F7-AB03-06BD3165DFA8}" srcOrd="1" destOrd="0" presId="urn:microsoft.com/office/officeart/2005/8/layout/orgChart1"/>
-    <dgm:cxn modelId="{264595FB-F7D5-42B3-B5FE-F5A881C35F98}" type="presOf" srcId="{3D0E5FCC-C6E6-4415-A923-3B56776F1283}" destId="{9E003D81-4B77-4746-884A-9857136F6917}" srcOrd="1" destOrd="0" presId="urn:microsoft.com/office/officeart/2005/8/layout/orgChart1"/>
-    <dgm:cxn modelId="{471D9C62-EC19-4C26-AC89-D4BE7965818F}" type="presOf" srcId="{336C458F-2DE5-4480-B681-D74B4593D0FD}" destId="{808C78C0-4913-4D3E-AC96-AA89C8475DF8}" srcOrd="1" destOrd="0" presId="urn:microsoft.com/office/officeart/2005/8/layout/orgChart1"/>
-    <dgm:cxn modelId="{1CEDCA66-4112-4454-88BA-3BDE84A41D46}" type="presOf" srcId="{EA170130-05EB-49C1-AEDF-BED750E0EA72}" destId="{D588A760-5006-4A8D-92E1-3FC140BC238A}" srcOrd="1" destOrd="0" presId="urn:microsoft.com/office/officeart/2005/8/layout/orgChart1"/>
-    <dgm:cxn modelId="{077FB5A7-40F1-42F2-B78E-1D352E0A792F}" type="presOf" srcId="{9400BA02-25B5-4E3D-91D0-BB055A9C2665}" destId="{92AEE5BD-A378-4EE0-A470-C39E025518E6}" srcOrd="1" destOrd="0" presId="urn:microsoft.com/office/officeart/2005/8/layout/orgChart1"/>
-    <dgm:cxn modelId="{3F3FC611-5366-4803-9EBB-8014121DBCB6}" type="presOf" srcId="{F61CE615-4F83-42E2-88BE-1FD00804ACCA}" destId="{76CC93CC-496A-4EA0-8EDB-702F403F3EB5}" srcOrd="0" destOrd="0" presId="urn:microsoft.com/office/officeart/2005/8/layout/orgChart1"/>
-    <dgm:cxn modelId="{61754D77-AB01-4A08-9EFA-9305A01BACE4}" type="presOf" srcId="{5D30A53E-BB33-4527-ACDE-835C169F4E13}" destId="{3A39358A-9B25-42A9-9015-5F218C8651DB}" srcOrd="0" destOrd="0" presId="urn:microsoft.com/office/officeart/2005/8/layout/orgChart1"/>
-    <dgm:cxn modelId="{E774B7D3-0AAD-4648-865E-8DF0B7478048}" type="presOf" srcId="{28E9A072-3C3A-4840-BDCF-DBB1DA10CF6E}" destId="{45F7D7E3-AAF5-48D9-BB2C-31E4BABC9760}" srcOrd="0" destOrd="0" presId="urn:microsoft.com/office/officeart/2005/8/layout/orgChart1"/>
-    <dgm:cxn modelId="{FFE99B5D-23D5-49E5-854C-05B072B1D60B}" type="presOf" srcId="{91391709-5792-48B5-90D2-BE8612049A03}" destId="{675D167B-AC86-4F5C-B32F-0EF3E9B8DBB1}" srcOrd="0" destOrd="0" presId="urn:microsoft.com/office/officeart/2005/8/layout/orgChart1"/>
-    <dgm:cxn modelId="{5386A1C3-EDC3-431B-83D9-C36D4FB5E891}" type="presOf" srcId="{8F17F31F-A789-4B5A-BDDC-0C79852E47C1}" destId="{52C59815-F9AB-4E1B-B7AB-3E7B8C79F940}" srcOrd="0" destOrd="0" presId="urn:microsoft.com/office/officeart/2005/8/layout/orgChart1"/>
-    <dgm:cxn modelId="{AA5252E4-9FF6-4DBB-9CB8-0D21DFAE3867}" srcId="{742F5CEC-3FB0-4F91-9A16-3B64073D4E68}" destId="{7732B63C-0BE8-4B38-B9E6-DACC80647B34}" srcOrd="1" destOrd="0" parTransId="{A99296EA-C43D-4932-91C9-F5CDAF3D91A6}" sibTransId="{E15C1A73-3BE0-46A0-AEE7-ACDD6AD7C1EC}"/>
-    <dgm:cxn modelId="{249716ED-6D40-44FB-9E64-4111D70212D3}" type="presOf" srcId="{B9DF79D7-DAB1-419A-93BC-5224E7292C01}" destId="{67D81D6D-22D7-4A60-ACD8-517052A25597}" srcOrd="1" destOrd="0" presId="urn:microsoft.com/office/officeart/2005/8/layout/orgChart1"/>
+    <dgm:cxn modelId="{66A8DB06-708F-4504-B06B-9FEEAC8BA82A}" type="presOf" srcId="{648878DE-500B-42CD-995E-8B3335B002D4}" destId="{1FEBBC4B-5CAB-4241-8036-9EF8E95378E8}" srcOrd="0" destOrd="0" presId="urn:microsoft.com/office/officeart/2005/8/layout/orgChart1"/>
     <dgm:cxn modelId="{F4223729-9C34-4E20-BB10-10B53161EBCC}" type="presOf" srcId="{C8293AB6-1181-4C8A-B8F5-FEA589DAFBB7}" destId="{93471673-1524-4347-BB70-4D1645AAC44A}" srcOrd="0" destOrd="0" presId="urn:microsoft.com/office/officeart/2005/8/layout/orgChart1"/>
-    <dgm:cxn modelId="{57514297-ADE5-4CAC-B2E7-24502D5B45C0}" type="presOf" srcId="{2AE5FCFC-D452-4566-9D0C-0B17302C952C}" destId="{FA340959-4018-4E23-9138-DEDCE77E4216}" srcOrd="0" destOrd="0" presId="urn:microsoft.com/office/officeart/2005/8/layout/orgChart1"/>
-    <dgm:cxn modelId="{5227CA89-CF61-4824-ACC6-A4875B3D272E}" type="presOf" srcId="{336C458F-2DE5-4480-B681-D74B4593D0FD}" destId="{2159F12C-A255-4B6E-BBA3-0A9B35A90312}" srcOrd="0" destOrd="0" presId="urn:microsoft.com/office/officeart/2005/8/layout/orgChart1"/>
-    <dgm:cxn modelId="{51FA8B62-E13D-4E67-9EC8-B664FEE55A28}" type="presOf" srcId="{742F5CEC-3FB0-4F91-9A16-3B64073D4E68}" destId="{154BFD2E-76A1-4287-AE2C-B7E874D8EF2A}" srcOrd="0" destOrd="0" presId="urn:microsoft.com/office/officeart/2005/8/layout/orgChart1"/>
-    <dgm:cxn modelId="{C604DC4D-9C4F-4952-9ABB-9B405D9B5D28}" type="presOf" srcId="{5D30A53E-BB33-4527-ACDE-835C169F4E13}" destId="{7F966516-A63E-4F0F-B171-56E2E4071B96}" srcOrd="1" destOrd="0" presId="urn:microsoft.com/office/officeart/2005/8/layout/orgChart1"/>
-    <dgm:cxn modelId="{7D676B22-9B4A-4014-ACEF-071DBD444E12}" type="presOf" srcId="{85A256C2-DFF7-438B-8384-6D94AD2785CC}" destId="{0126AF3E-B96E-47F4-917B-585A6B6A0C5E}" srcOrd="0" destOrd="0" presId="urn:microsoft.com/office/officeart/2005/8/layout/orgChart1"/>
-    <dgm:cxn modelId="{4E67412E-B51A-40A3-B699-1FDD2AD6A2DC}" type="presOf" srcId="{06534DF6-5680-4FD6-8C06-EFD2ADB28888}" destId="{B1E995E2-5C9C-4248-9332-DB368BE8584C}" srcOrd="0" destOrd="0" presId="urn:microsoft.com/office/officeart/2005/8/layout/orgChart1"/>
-    <dgm:cxn modelId="{E2655735-A9C1-46FD-91AB-60A7AE161683}" type="presOf" srcId="{5981C11D-AC5D-4A3A-83D0-42BD8C781924}" destId="{57606486-F414-4E9F-8416-6BD2C9A93B07}" srcOrd="0" destOrd="0" presId="urn:microsoft.com/office/officeart/2005/8/layout/orgChart1"/>
-    <dgm:cxn modelId="{97E76DA4-521A-4658-8B48-FBCEEC4C778C}" type="presOf" srcId="{A99296EA-C43D-4932-91C9-F5CDAF3D91A6}" destId="{7793ACD8-272C-4D99-B21A-5677733FE0DF}" srcOrd="0" destOrd="0" presId="urn:microsoft.com/office/officeart/2005/8/layout/orgChart1"/>
-    <dgm:cxn modelId="{7926C2C4-3842-44A4-A76A-9445E07B7523}" type="presOf" srcId="{E0905AAB-3A95-4785-A758-3BB76C0495E9}" destId="{92DA6A20-9D4E-48EE-BD6D-3981942BBF8E}" srcOrd="0" destOrd="0" presId="urn:microsoft.com/office/officeart/2005/8/layout/orgChart1"/>
-    <dgm:cxn modelId="{25242DE9-F50B-4EC7-9CF1-2533C580483F}" srcId="{3D0E5FCC-C6E6-4415-A923-3B56776F1283}" destId="{A8F96669-1065-491B-A577-177A8E0C5EE2}" srcOrd="1" destOrd="0" parTransId="{40E11140-0AB7-4EED-9A39-C6E68338B75E}" sibTransId="{8FA807D9-834B-43EA-A945-A97ADB0A14B2}"/>
-    <dgm:cxn modelId="{D16B26B9-4DEF-4833-8C67-289AACBAD878}" type="presOf" srcId="{39F3DE9C-622B-4A9A-A591-7F66DF3BC05A}" destId="{3993B249-4592-4266-ABDF-81F87884CDB2}" srcOrd="0" destOrd="0" presId="urn:microsoft.com/office/officeart/2005/8/layout/orgChart1"/>
-    <dgm:cxn modelId="{47BC8D2D-4CF7-4F6B-87EF-3C14787831BC}" type="presOf" srcId="{A7EF873E-6525-47F5-AC4D-75388AA7BE5C}" destId="{D18C006D-0FC4-4CBD-BB87-DABEC8DB5622}" srcOrd="0" destOrd="0" presId="urn:microsoft.com/office/officeart/2005/8/layout/orgChart1"/>
-    <dgm:cxn modelId="{E8F14A22-D5D8-48C3-80A1-762AC6A4A934}" type="presOf" srcId="{20E412C7-A88A-4486-8381-D8DEEF44DB1A}" destId="{9F52B83B-E017-42AE-9F51-9398CB593099}" srcOrd="0" destOrd="0" presId="urn:microsoft.com/office/officeart/2005/8/layout/orgChart1"/>
-    <dgm:cxn modelId="{57C4FD76-AB52-4BE3-817D-CEF4AD5F2879}" type="presOf" srcId="{469FCB90-92DD-4DE7-8308-EB4FF6BFBF4D}" destId="{6C38C655-71DA-4B1C-9308-35DE8856C2AA}" srcOrd="1" destOrd="0" presId="urn:microsoft.com/office/officeart/2005/8/layout/orgChart1"/>
-    <dgm:cxn modelId="{B6DD916F-B7CA-42F2-90E3-E6D089A7F959}" type="presOf" srcId="{38EFBACC-2BD6-43FC-88D8-14236B955917}" destId="{C39BB2A9-22E4-4417-B56D-7A4B391521A9}" srcOrd="1" destOrd="0" presId="urn:microsoft.com/office/officeart/2005/8/layout/orgChart1"/>
-    <dgm:cxn modelId="{34F52BEF-D9FF-4989-BD4D-A07892720A8A}" type="presOf" srcId="{7732B63C-0BE8-4B38-B9E6-DACC80647B34}" destId="{398BB816-7E93-45D6-B471-43191622207E}" srcOrd="0" destOrd="0" presId="urn:microsoft.com/office/officeart/2005/8/layout/orgChart1"/>
-    <dgm:cxn modelId="{9AD4D864-F401-4800-A00D-493EF67B7346}" type="presOf" srcId="{B136F1FA-7471-47F0-82BC-36265E4BDED2}" destId="{CBDB6AE6-3702-4DAC-9EB1-AE86CC513708}" srcOrd="0" destOrd="0" presId="urn:microsoft.com/office/officeart/2005/8/layout/orgChart1"/>
-    <dgm:cxn modelId="{74196F7D-A2A0-4979-A946-C31C6F75C24B}" type="presOf" srcId="{2222A0CC-63CE-4BBF-8DFC-308BB4C60AD2}" destId="{8F661A46-F0F6-4798-9FEC-B60952FB1D17}" srcOrd="0" destOrd="0" presId="urn:microsoft.com/office/officeart/2005/8/layout/orgChart1"/>
-    <dgm:cxn modelId="{F8F4C4B9-4756-43B9-9B75-ED591EF03984}" srcId="{3D0E5FCC-C6E6-4415-A923-3B56776F1283}" destId="{87E1A1E6-A868-4E5B-99F4-735B260B8F8C}" srcOrd="0" destOrd="0" parTransId="{7C5A7727-446E-41A4-A9A7-14302C1448AD}" sibTransId="{6EDBFC1C-ECD3-43AC-B41E-ED5307C640EC}"/>
-    <dgm:cxn modelId="{28F7B79E-C2E6-4105-A0C0-D9F942F31587}" type="presOf" srcId="{87E1A1E6-A868-4E5B-99F4-735B260B8F8C}" destId="{0C897F2E-9C13-4CDE-8198-A8A39F23A856}" srcOrd="0" destOrd="0" presId="urn:microsoft.com/office/officeart/2005/8/layout/orgChart1"/>
-    <dgm:cxn modelId="{474B932F-6899-4097-AD9F-2934F3DCB111}" srcId="{7D55D7AC-A6AE-413C-B556-84977487D288}" destId="{19D815F1-4245-4E3D-A759-D4F8A60EABBA}" srcOrd="5" destOrd="0" parTransId="{34EF91BF-8C1A-4B62-AAE1-86D9617A503C}" sibTransId="{5434AFF9-9C37-4159-9068-B57926C95AB3}"/>
-    <dgm:cxn modelId="{8476F4E9-B44F-49C1-96D7-1B9ABCC0012E}" srcId="{06534DF6-5680-4FD6-8C06-EFD2ADB28888}" destId="{967B49BC-36ED-41FA-8808-452DBCBF7D4D}" srcOrd="2" destOrd="0" parTransId="{F9185973-E91D-4F9F-888E-30E52494D236}" sibTransId="{B478C370-D79E-4CF0-8050-A3515B3A16FE}"/>
-    <dgm:cxn modelId="{7B119664-92E4-4D94-A37B-3B9B968E5C26}" srcId="{B9DF79D7-DAB1-419A-93BC-5224E7292C01}" destId="{E5F83174-20E0-4019-AF5A-2A9B80B3D86B}" srcOrd="2" destOrd="0" parTransId="{F0825D92-93FD-4D05-BC35-4A845EC2ED1B}" sibTransId="{018E38E8-06C6-4E0C-8897-105423154113}"/>
-    <dgm:cxn modelId="{351FFE36-E868-4760-A4C3-009E01BA0B4B}" type="presOf" srcId="{F181F9D8-A852-4615-AFC2-81A72AE0F460}" destId="{84AC1101-C0AA-486A-A056-96C3D5FF4D9D}" srcOrd="1" destOrd="0" presId="urn:microsoft.com/office/officeart/2005/8/layout/orgChart1"/>
-    <dgm:cxn modelId="{D3314078-942B-4BA5-BCB8-1E45AE4BD8F7}" srcId="{1F42FDDE-F64D-4FB5-B7A9-C7B3972650C5}" destId="{6BF2A2E7-7D1A-4E60-A9C5-B938EEFA06F3}" srcOrd="3" destOrd="0" parTransId="{7594A0E6-7511-44AD-A00B-8B8AC0877F08}" sibTransId="{B13B883B-FC3C-41AC-8222-61CE073A2386}"/>
-    <dgm:cxn modelId="{AD92ED72-22E0-4E07-AC39-2F3AE5B96FEA}" srcId="{742F5CEC-3FB0-4F91-9A16-3B64073D4E68}" destId="{D2FDB38B-CD9F-43A7-96BD-9FEF7E277B8B}" srcOrd="0" destOrd="0" parTransId="{F61CE615-4F83-42E2-88BE-1FD00804ACCA}" sibTransId="{87F14632-1218-47BD-B614-FB78084982D4}"/>
-    <dgm:cxn modelId="{F20E37D3-5944-476B-BE66-34310397C6E3}" srcId="{20E412C7-A88A-4486-8381-D8DEEF44DB1A}" destId="{2F45D982-B00B-45E2-9603-28F12E3BC206}" srcOrd="1" destOrd="0" parTransId="{CA3D817B-A009-4330-9DBC-0887F37ECC7C}" sibTransId="{26553DB2-6079-4739-A858-DC32FCFD11C7}"/>
-    <dgm:cxn modelId="{3B52C114-BFE0-4B71-8180-2D42EB8B636A}" srcId="{218443C8-AB06-4CE0-9CD8-1B7B09F808ED}" destId="{A0F1657B-3B1B-40C8-AB72-F95CC1588565}" srcOrd="3" destOrd="0" parTransId="{C8293AB6-1181-4C8A-B8F5-FEA589DAFBB7}" sibTransId="{B4444112-32E0-426D-8A51-29B920C2762D}"/>
-    <dgm:cxn modelId="{966088EF-A6F3-47A2-ACB0-C1ECF58BD43A}" type="presOf" srcId="{D183A3AB-75F4-4F81-ADC5-15A1B7E8FF9D}" destId="{2CFA545E-C950-48BD-9A93-BF0E3AF3205F}" srcOrd="0" destOrd="0" presId="urn:microsoft.com/office/officeart/2005/8/layout/orgChart1"/>
-    <dgm:cxn modelId="{408618CB-0F8F-442E-A7FF-8D621557263F}" type="presOf" srcId="{1F090F2E-E7CD-4733-87B0-685E2115FC3B}" destId="{446CD447-DD30-4F8B-96F0-0EEBFE25A5A8}" srcOrd="0" destOrd="0" presId="urn:microsoft.com/office/officeart/2005/8/layout/orgChart1"/>
-    <dgm:cxn modelId="{CAA11A3C-E1BA-4BCE-BE4E-F7308BB10E85}" type="presOf" srcId="{4E835A11-116E-49D7-A825-04AAAE1B5B83}" destId="{D20F180C-FD20-4643-8FCA-76C21E273341}" srcOrd="0" destOrd="0" presId="urn:microsoft.com/office/officeart/2005/8/layout/orgChart1"/>
-    <dgm:cxn modelId="{C571462B-6699-4623-8436-5A102A8067C9}" type="presOf" srcId="{DDB223F8-FA19-43B8-B9E5-6F472A80FF11}" destId="{3454FA27-9764-4BCE-A870-8D030F7ED86F}" srcOrd="0" destOrd="0" presId="urn:microsoft.com/office/officeart/2005/8/layout/orgChart1"/>
-    <dgm:cxn modelId="{691C09B6-F79E-4EAB-914A-3F916566280B}" type="presOf" srcId="{397E2425-6401-4793-8313-EDDBC568CFF5}" destId="{659E3726-4796-422E-9CBB-9062D9B03200}" srcOrd="0" destOrd="0" presId="urn:microsoft.com/office/officeart/2005/8/layout/orgChart1"/>
-    <dgm:cxn modelId="{0FF0CFC4-23F1-487B-8339-FD66C1C430BC}" srcId="{32A6B69A-F825-4916-AF26-4E2EBE930ACE}" destId="{2BD05C23-613B-47AE-8CEB-0596B09C2300}" srcOrd="0" destOrd="0" parTransId="{39F3DE9C-622B-4A9A-A591-7F66DF3BC05A}" sibTransId="{9FA9C379-5F73-49F2-B18E-F5C0046C0D91}"/>
-    <dgm:cxn modelId="{2EE4BE40-AE61-4B73-AD23-51EFCF12565A}" srcId="{26A7734B-98C9-41FE-A30F-3EA43FDFD174}" destId="{B9DF79D7-DAB1-419A-93BC-5224E7292C01}" srcOrd="11" destOrd="0" parTransId="{DDCE66B6-A59D-4D6F-8F91-9E8F2CAF7968}" sibTransId="{CF6A534D-FF90-4049-95DD-CB3D03217EF1}"/>
-    <dgm:cxn modelId="{184A1B0C-62C3-414E-B8A3-D68FA88D411E}" srcId="{402843E0-06F1-4C8A-A194-C5F3CA845709}" destId="{7EDF19BD-DA68-4694-9E7D-B7A25A3D115D}" srcOrd="1" destOrd="0" parTransId="{E3B1EBA4-1F83-4120-A1B0-C1F9858EBC12}" sibTransId="{0B76EF9D-E0B9-43A0-BCC2-465133B1CB0D}"/>
-    <dgm:cxn modelId="{9BAB2774-05BB-43C8-8535-BF8EA565E302}" type="presOf" srcId="{A8F96669-1065-491B-A577-177A8E0C5EE2}" destId="{C471C242-02F9-42E0-A596-8DDB0A56969F}" srcOrd="1" destOrd="0" presId="urn:microsoft.com/office/officeart/2005/8/layout/orgChart1"/>
-    <dgm:cxn modelId="{2A52843D-0BCB-4A25-9631-D1935F984E7E}" type="presOf" srcId="{02B91645-1FD9-467A-848D-355E01CDC5D0}" destId="{C5A017DA-40D1-4944-ACAB-5AEB085A6442}" srcOrd="0" destOrd="0" presId="urn:microsoft.com/office/officeart/2005/8/layout/orgChart1"/>
-    <dgm:cxn modelId="{5249C470-11D1-4A4D-B114-3428D980C01A}" type="presOf" srcId="{EB1A120C-C49A-4A04-A007-A828FA1D052B}" destId="{2699CB65-C0E0-48F4-9C17-C7FD1FDC64A3}" srcOrd="0" destOrd="0" presId="urn:microsoft.com/office/officeart/2005/8/layout/orgChart1"/>
-    <dgm:cxn modelId="{D35AA4B4-AD41-4E5A-80C9-AB07ADCD71D4}" type="presOf" srcId="{7732B63C-0BE8-4B38-B9E6-DACC80647B34}" destId="{5786A3D1-B3CC-4247-8934-E29A868315E2}" srcOrd="1" destOrd="0" presId="urn:microsoft.com/office/officeart/2005/8/layout/orgChart1"/>
-    <dgm:cxn modelId="{AF56D605-13C6-4C07-8159-303CC3592AFB}" type="presOf" srcId="{5CAB81B7-532F-4ECC-94EC-F1101D5CB844}" destId="{4304C558-0CF2-4B44-BD05-538AFE382B61}" srcOrd="1" destOrd="0" presId="urn:microsoft.com/office/officeart/2005/8/layout/orgChart1"/>
-    <dgm:cxn modelId="{A73FBF95-D24F-46C8-BB5D-48F142FE408F}" srcId="{32A6B69A-F825-4916-AF26-4E2EBE930ACE}" destId="{500F4641-BDE3-4598-ACA3-3ACD7B759F63}" srcOrd="4" destOrd="0" parTransId="{18898107-DDF5-4498-938A-DE993FA6B0DB}" sibTransId="{3364A058-A8C5-4EAA-BE79-C732F32E2D0B}"/>
-    <dgm:cxn modelId="{0D6AE735-C074-4372-ADEA-CF0E0DA1F682}" type="presOf" srcId="{3A165F34-A414-4325-BE0A-F1D0890421B3}" destId="{F7E70DF4-C6A9-46D7-B4C2-998FDE93FDAC}" srcOrd="0" destOrd="0" presId="urn:microsoft.com/office/officeart/2005/8/layout/orgChart1"/>
-    <dgm:cxn modelId="{D0D9A9EB-A589-4C7B-89E5-07B472FE5848}" type="presOf" srcId="{E65248C0-2B5B-42DE-B964-05B0EDA7CDC5}" destId="{D93C5889-A770-4FBC-9EBE-E51AB7C2FDF6}" srcOrd="0" destOrd="0" presId="urn:microsoft.com/office/officeart/2005/8/layout/orgChart1"/>
-    <dgm:cxn modelId="{84BEDEEE-FA6F-4F00-A5B9-57155D3323ED}" type="presOf" srcId="{4E835A11-116E-49D7-A825-04AAAE1B5B83}" destId="{9A93D258-1AF9-4B6B-ACBB-E3681D93C13F}" srcOrd="1" destOrd="0" presId="urn:microsoft.com/office/officeart/2005/8/layout/orgChart1"/>
-    <dgm:cxn modelId="{626FBBBB-6686-448E-B712-F5BCCFD7B16C}" type="presOf" srcId="{9D463E36-FB04-4CB0-8969-CB178D4760D1}" destId="{0131D8DE-73B4-4DFC-9B04-FF7C9E2C2862}" srcOrd="1" destOrd="0" presId="urn:microsoft.com/office/officeart/2005/8/layout/orgChart1"/>
-    <dgm:cxn modelId="{9130C905-231F-4112-8DD8-7E874B140FD4}" type="presOf" srcId="{DB167BC2-A6AB-41E3-85FF-9B09533238D2}" destId="{CB1D161E-A9A1-4AE8-BB64-38BE73FED8B6}" srcOrd="0" destOrd="0" presId="urn:microsoft.com/office/officeart/2005/8/layout/orgChart1"/>
-    <dgm:cxn modelId="{48F8312C-94A9-48EB-A356-90F0524F779F}" type="presOf" srcId="{491C3C17-F8BE-4FAB-A37C-7BBAAEFF7122}" destId="{5E637CCF-4C66-4E16-88D2-4CE893CA35D9}" srcOrd="0" destOrd="0" presId="urn:microsoft.com/office/officeart/2005/8/layout/orgChart1"/>
-    <dgm:cxn modelId="{2083AE5A-E497-476C-8433-D08320E948D5}" type="presOf" srcId="{DAF6568E-59AF-4294-8156-2D11935E3EE6}" destId="{D2B9B335-E5FD-4F7A-95CB-79654971B6AC}" srcOrd="1" destOrd="0" presId="urn:microsoft.com/office/officeart/2005/8/layout/orgChart1"/>
-    <dgm:cxn modelId="{0D8E2310-4303-4E8B-BD44-56A2FB089258}" type="presOf" srcId="{A6261FBC-2BD6-4E7A-BEDA-AF1A9733A29C}" destId="{3E20447A-3718-4BB5-96F9-9A08DD3BF580}" srcOrd="0" destOrd="0" presId="urn:microsoft.com/office/officeart/2005/8/layout/orgChart1"/>
-    <dgm:cxn modelId="{425F9A56-9362-42FC-9CA2-2A073955DFFD}" type="presOf" srcId="{8E707B23-D4AF-4389-8948-93DAB5FE3162}" destId="{B42D18B6-1E16-4ECE-988B-1969CD2C9EE9}" srcOrd="1" destOrd="0" presId="urn:microsoft.com/office/officeart/2005/8/layout/orgChart1"/>
-    <dgm:cxn modelId="{A5F226DA-9972-4A67-89DD-C95C699CF27E}" srcId="{742F5CEC-3FB0-4F91-9A16-3B64073D4E68}" destId="{E0905AAB-3A95-4785-A758-3BB76C0495E9}" srcOrd="2" destOrd="0" parTransId="{E65248C0-2B5B-42DE-B964-05B0EDA7CDC5}" sibTransId="{FD93F34B-B6DC-4D08-90C5-871DA5C2FA6A}"/>
-    <dgm:cxn modelId="{38BA5035-4321-4B2D-B0FC-5461D308FFB0}" type="presOf" srcId="{7594A0E6-7511-44AD-A00B-8B8AC0877F08}" destId="{7AA9DDF5-E81F-4D9F-97D7-40361CFD09C3}" srcOrd="0" destOrd="0" presId="urn:microsoft.com/office/officeart/2005/8/layout/orgChart1"/>
-    <dgm:cxn modelId="{C7908C3F-AE30-47B5-9752-94DA2C5ABB1C}" srcId="{9D463E36-FB04-4CB0-8969-CB178D4760D1}" destId="{4E835A11-116E-49D7-A825-04AAAE1B5B83}" srcOrd="2" destOrd="0" parTransId="{57F43BBE-ECF0-468D-A135-63ECE88EC544}" sibTransId="{26415C1D-6F22-4879-971D-36F0B9CF73E4}"/>
-    <dgm:cxn modelId="{A09F52F0-5095-4A1E-B480-4DC6947AC58E}" type="presOf" srcId="{990CAE16-2C24-429D-ACEC-29A2E4F5F439}" destId="{A593696D-87BF-43C3-982A-93707AF3DB26}" srcOrd="0" destOrd="0" presId="urn:microsoft.com/office/officeart/2005/8/layout/orgChart1"/>
-    <dgm:cxn modelId="{D786AF87-F654-4D7B-9E7C-B08C9F37DF95}" type="presOf" srcId="{630739F9-3353-4A8A-85E6-586235D93B00}" destId="{C46697C0-1E7D-4DC4-9EA2-283FD7382DCC}" srcOrd="0" destOrd="0" presId="urn:microsoft.com/office/officeart/2005/8/layout/orgChart1"/>
-    <dgm:cxn modelId="{9D28F05F-9EBB-4D04-84AE-1EFEE8FCBC82}" type="presOf" srcId="{2BD05C23-613B-47AE-8CEB-0596B09C2300}" destId="{47C5AF04-395A-4857-9F4B-1E30D88CF516}" srcOrd="1" destOrd="0" presId="urn:microsoft.com/office/officeart/2005/8/layout/orgChart1"/>
-    <dgm:cxn modelId="{85F841AA-209B-4C12-AA4A-6A54E124893E}" type="presOf" srcId="{EA170130-05EB-49C1-AEDF-BED750E0EA72}" destId="{E95ED765-D6B8-4C24-ACC2-667FCB3F95BA}" srcOrd="0" destOrd="0" presId="urn:microsoft.com/office/officeart/2005/8/layout/orgChart1"/>
-    <dgm:cxn modelId="{09662FDA-3300-4A8A-83B7-9B2CFFBF57F6}" type="presOf" srcId="{2F45D982-B00B-45E2-9603-28F12E3BC206}" destId="{BAA93707-E04C-4561-AB71-B942DE535BA2}" srcOrd="0" destOrd="0" presId="urn:microsoft.com/office/officeart/2005/8/layout/orgChart1"/>
-    <dgm:cxn modelId="{7C332768-B4BD-445D-9F3F-2D60E6F88C0F}" type="presOf" srcId="{6EB344EB-2654-408C-91DA-877780EFA62F}" destId="{CFEE7B57-184D-46CD-BEDD-48AEC64D81B5}" srcOrd="0" destOrd="0" presId="urn:microsoft.com/office/officeart/2005/8/layout/orgChart1"/>
-    <dgm:cxn modelId="{D9DF0581-31B0-4E64-9571-11518F155F63}" type="presOf" srcId="{7FEE4C57-9EE4-469C-882E-CA18CFF1F0C8}" destId="{BE9087D4-5F24-46E2-ADC9-556FC8F3A577}" srcOrd="0" destOrd="0" presId="urn:microsoft.com/office/officeart/2005/8/layout/orgChart1"/>
-    <dgm:cxn modelId="{BED34AA6-19CC-4F89-B826-D30BCE04BE4D}" type="presOf" srcId="{E4507D21-8B18-426B-90B3-C73CD3A0FEAE}" destId="{926D4A23-FB3A-45D5-B48A-F1F00A34B9BB}" srcOrd="0" destOrd="0" presId="urn:microsoft.com/office/officeart/2005/8/layout/orgChart1"/>
-    <dgm:cxn modelId="{364453C6-A2F5-428E-B40B-65F46E0B8C76}" type="presOf" srcId="{9C1BDF93-B2F3-451E-B95E-D773DF6A62B8}" destId="{8FCA9DBA-65B2-48BF-B9FD-59E11E72046A}" srcOrd="0" destOrd="0" presId="urn:microsoft.com/office/officeart/2005/8/layout/orgChart1"/>
-    <dgm:cxn modelId="{76955983-7E44-4332-95DD-9382E2615DCA}" type="presOf" srcId="{7FEE4C57-9EE4-469C-882E-CA18CFF1F0C8}" destId="{FE4B9678-2A97-42DE-A026-35061D5EAD1F}" srcOrd="1" destOrd="0" presId="urn:microsoft.com/office/officeart/2005/8/layout/orgChart1"/>
-    <dgm:cxn modelId="{C471603F-3B94-42BE-ABA5-4CD35155DB43}" type="presOf" srcId="{A8F96669-1065-491B-A577-177A8E0C5EE2}" destId="{69C0204F-B4DF-4C4D-8370-7C43A88A1134}" srcOrd="0" destOrd="0" presId="urn:microsoft.com/office/officeart/2005/8/layout/orgChart1"/>
-    <dgm:cxn modelId="{486B6676-9FAD-4611-B931-B74E803F36D6}" type="presOf" srcId="{19D815F1-4245-4E3D-A759-D4F8A60EABBA}" destId="{AAF646DB-15AC-453D-8D55-1E80BAEE4091}" srcOrd="1" destOrd="0" presId="urn:microsoft.com/office/officeart/2005/8/layout/orgChart1"/>
-    <dgm:cxn modelId="{612827AE-7AB6-4776-A920-BF130E9EC2DC}" type="presOf" srcId="{7A6E2B28-A652-4A03-B536-52CB6C2AFA96}" destId="{33D78744-9213-44F4-BEEE-4B1EE8722C3B}" srcOrd="1" destOrd="0" presId="urn:microsoft.com/office/officeart/2005/8/layout/orgChart1"/>
-    <dgm:cxn modelId="{97F268DD-35DF-4CC7-96D2-4A50711B4F6A}" type="presOf" srcId="{E8342092-9DDB-4C58-AD2B-23812BEE64BD}" destId="{4D7429F5-29DE-46BE-B50B-633088F492F4}" srcOrd="1" destOrd="0" presId="urn:microsoft.com/office/officeart/2005/8/layout/orgChart1"/>
-    <dgm:cxn modelId="{67D8A0A7-B110-4507-8A44-97ACA9079D58}" type="presOf" srcId="{AC68780C-09A5-4900-B66C-9050718E9B19}" destId="{CE33BD6A-BDBE-4563-A459-D5E12FB1A752}" srcOrd="0" destOrd="0" presId="urn:microsoft.com/office/officeart/2005/8/layout/orgChart1"/>
-    <dgm:cxn modelId="{21F6BCC2-9D21-49A2-880F-E892C648E724}" srcId="{6EB344EB-2654-408C-91DA-877780EFA62F}" destId="{2EF5EF84-7640-43DD-8476-2E8EFB4D6A0F}" srcOrd="2" destOrd="0" parTransId="{94B823A7-80F8-434D-84D1-9D1B7CE83254}" sibTransId="{D40A6151-E037-4002-BF07-00E05F5989FF}"/>
-    <dgm:cxn modelId="{B66855AF-5788-4608-90A0-6821EBDC81BB}" srcId="{402843E0-06F1-4C8A-A194-C5F3CA845709}" destId="{E8342092-9DDB-4C58-AD2B-23812BEE64BD}" srcOrd="0" destOrd="0" parTransId="{48F9C7DD-CC38-4187-A315-29B0F36935EB}" sibTransId="{1A533C8C-0A33-4857-9218-026C1273ACDE}"/>
-    <dgm:cxn modelId="{E93BE176-8890-4D04-8624-0556248ED3A5}" type="presOf" srcId="{4C06212B-ED82-4829-B634-553B4F3E2A8F}" destId="{35B9E0AA-5247-4677-85F3-7281551FE034}" srcOrd="0" destOrd="0" presId="urn:microsoft.com/office/officeart/2005/8/layout/orgChart1"/>
-    <dgm:cxn modelId="{33F57229-F90C-4772-A088-6AED7ED4EC7A}" srcId="{1F42FDDE-F64D-4FB5-B7A9-C7B3972650C5}" destId="{5CAB81B7-532F-4ECC-94EC-F1101D5CB844}" srcOrd="2" destOrd="0" parTransId="{58996895-1193-47F3-8459-1C48E5E6A287}" sibTransId="{62D79BE7-8A83-4CEC-B70C-4F8C448FD4F9}"/>
-    <dgm:cxn modelId="{C5738426-DD9C-453A-BA98-E8B4D7657752}" srcId="{26A7734B-98C9-41FE-A30F-3EA43FDFD174}" destId="{20E412C7-A88A-4486-8381-D8DEEF44DB1A}" srcOrd="0" destOrd="0" parTransId="{62715D2A-D5F5-4A23-9986-7D0EBB372899}" sibTransId="{A20DF056-3C62-4353-820A-CF56D563949E}"/>
-    <dgm:cxn modelId="{D36D59EB-8A4A-4389-AE26-D5FCA233D6E6}" type="presOf" srcId="{237EDA52-1468-4866-BD09-3D0627A97534}" destId="{A8308C7A-E881-4F92-96AC-F8AE827BAF6A}" srcOrd="0" destOrd="0" presId="urn:microsoft.com/office/officeart/2005/8/layout/orgChart1"/>
-    <dgm:cxn modelId="{B5780B98-6DA8-44AB-8253-A499B33DE085}" type="presOf" srcId="{C9D0EF75-7BC2-4481-9207-C868658479B1}" destId="{07836A9C-4A31-4FD9-B62B-D82EF32A7E9E}" srcOrd="0" destOrd="0" presId="urn:microsoft.com/office/officeart/2005/8/layout/orgChart1"/>
-    <dgm:cxn modelId="{2EC787BB-F55A-4396-8C6A-F5AB33E5C1BF}" srcId="{B9DF79D7-DAB1-419A-93BC-5224E7292C01}" destId="{A42FFD6D-CFEA-4825-840F-D456580596CE}" srcOrd="4" destOrd="0" parTransId="{461BF01B-4C90-4BBC-9475-E99858736F81}" sibTransId="{FF7F50C9-5B86-4FC8-B4B5-FA6D1A1F5903}"/>
-    <dgm:cxn modelId="{6757D28E-1BEA-4D08-B444-009CF7D8A7CD}" srcId="{32A6B69A-F825-4916-AF26-4E2EBE930ACE}" destId="{85A256C2-DFF7-438B-8384-6D94AD2785CC}" srcOrd="1" destOrd="0" parTransId="{1F090F2E-E7CD-4733-87B0-685E2115FC3B}" sibTransId="{2D90927B-C973-4EA4-AE78-9147012D65AC}"/>
-    <dgm:cxn modelId="{FCCB9B2A-3DE4-4E0C-AFB5-52E5F028FBF4}" srcId="{6EB344EB-2654-408C-91DA-877780EFA62F}" destId="{9DB95590-8D2B-4D6D-B003-9A494108E126}" srcOrd="3" destOrd="0" parTransId="{0F67BEC9-3472-4783-9EBB-C9EC2923B8E7}" sibTransId="{D8CB4100-CB45-4D62-B76F-BE96DF717FA8}"/>
-    <dgm:cxn modelId="{0E9B8941-D254-4F5A-9343-4747B8F438B1}" type="presOf" srcId="{E62A6C13-7490-4EBE-BA1D-108A8285450E}" destId="{92AB8742-4DE6-45F0-B02D-3D0A37EF5324}" srcOrd="0" destOrd="0" presId="urn:microsoft.com/office/officeart/2005/8/layout/orgChart1"/>
-    <dgm:cxn modelId="{F7CD6CC2-8FFD-46A9-BF14-AD6E3743581E}" type="presOf" srcId="{19D815F1-4245-4E3D-A759-D4F8A60EABBA}" destId="{105AFA67-CAA8-4557-A7BC-927202C60D4E}" srcOrd="0" destOrd="0" presId="urn:microsoft.com/office/officeart/2005/8/layout/orgChart1"/>
-    <dgm:cxn modelId="{0E05E14A-7990-4A87-A26B-8F11B96A0BD4}" srcId="{07FDC29B-622D-4E67-AB48-A9AA1F589B65}" destId="{336C458F-2DE5-4480-B681-D74B4593D0FD}" srcOrd="1" destOrd="0" parTransId="{AC094981-4EEF-4913-B14A-A14BA91FCC03}" sibTransId="{8EC64EF2-D043-4026-9F0B-2CB9F908F904}"/>
-    <dgm:cxn modelId="{FBF1A506-7057-4D84-8CE7-8816EDD8279C}" type="presOf" srcId="{81C6F986-7CE0-4123-A166-FB031439C0FC}" destId="{AE2AD2F8-A54D-446E-B15A-C9AF86BD8E10}" srcOrd="0" destOrd="0" presId="urn:microsoft.com/office/officeart/2005/8/layout/orgChart1"/>
-    <dgm:cxn modelId="{9E171D8F-2B74-40F6-B94E-0795A9FA1A55}" srcId="{B9DF79D7-DAB1-419A-93BC-5224E7292C01}" destId="{EA170130-05EB-49C1-AEDF-BED750E0EA72}" srcOrd="0" destOrd="0" parTransId="{C9D0EF75-7BC2-4481-9207-C868658479B1}" sibTransId="{13B71CDB-831E-4864-96A3-0C48DD0C50E8}"/>
-    <dgm:cxn modelId="{FAEF5584-C438-48F7-840F-2FDC740CCBB9}" srcId="{7D55D7AC-A6AE-413C-B556-84977487D288}" destId="{397E2425-6401-4793-8313-EDDBC568CFF5}" srcOrd="0" destOrd="0" parTransId="{72C7DB3D-C2EB-4F70-8ECC-4B7354A1B27D}" sibTransId="{3A91AA53-3E8D-4A20-9B3E-DC9FC5E5765B}"/>
-    <dgm:cxn modelId="{0A82CAB3-23C7-4459-84AF-B7C3901A3E24}" type="presOf" srcId="{26A7734B-98C9-41FE-A30F-3EA43FDFD174}" destId="{75645F96-9709-4137-8624-2356B2869061}" srcOrd="0" destOrd="0" presId="urn:microsoft.com/office/officeart/2005/8/layout/orgChart1"/>
-    <dgm:cxn modelId="{0BAA3F92-8A45-4C72-9D89-769CCE2B48A6}" srcId="{26A7734B-98C9-41FE-A30F-3EA43FDFD174}" destId="{6EB344EB-2654-408C-91DA-877780EFA62F}" srcOrd="5" destOrd="0" parTransId="{D89E97BD-DBB4-463B-9AAE-BFC9743D8045}" sibTransId="{A0B891AC-19DE-4536-A6B4-935A54AF7D9F}"/>
-    <dgm:cxn modelId="{BC9D998A-C01E-4601-AD03-F6E37AF8ECF7}" type="presOf" srcId="{FA990C8C-CCB3-45CF-B502-DBA62674AEE3}" destId="{F5CD160B-36BB-47A1-95D8-66F806DE2FDC}" srcOrd="1" destOrd="0" presId="urn:microsoft.com/office/officeart/2005/8/layout/orgChart1"/>
-    <dgm:cxn modelId="{9A3940FB-1449-4281-AB32-75DEAC6D8DA3}" type="presOf" srcId="{DB167BC2-A6AB-41E3-85FF-9B09533238D2}" destId="{B5C473BD-3DF1-4DA0-AF24-9C7AAB35D860}" srcOrd="1" destOrd="0" presId="urn:microsoft.com/office/officeart/2005/8/layout/orgChart1"/>
-    <dgm:cxn modelId="{04236BF0-AD71-4C06-9331-1B6798945FA5}" type="presOf" srcId="{A6261FBC-2BD6-4E7A-BEDA-AF1A9733A29C}" destId="{4018A5FC-73BC-4E5E-9E49-45E715A77439}" srcOrd="1" destOrd="0" presId="urn:microsoft.com/office/officeart/2005/8/layout/orgChart1"/>
-    <dgm:cxn modelId="{1D1BA280-F04E-40C0-AE33-0BF250B9B32B}" type="presOf" srcId="{DAF6568E-59AF-4294-8156-2D11935E3EE6}" destId="{240AD5CA-AE14-49F6-B1E5-3EB8F2928561}" srcOrd="0" destOrd="0" presId="urn:microsoft.com/office/officeart/2005/8/layout/orgChart1"/>
-    <dgm:cxn modelId="{9082D056-DC43-4BB5-AFCF-0F0597922D4A}" type="presOf" srcId="{EB1A120C-C49A-4A04-A007-A828FA1D052B}" destId="{CA6269D3-3C13-48C6-98A8-B4F7CB44E998}" srcOrd="1" destOrd="0" presId="urn:microsoft.com/office/officeart/2005/8/layout/orgChart1"/>
-    <dgm:cxn modelId="{8287DFF7-F51F-4CE9-A7D7-DD544B345C67}" type="presOf" srcId="{F0825D92-93FD-4D05-BC35-4A845EC2ED1B}" destId="{97B36F45-464F-4B05-85DB-1AFB63ADF764}" srcOrd="0" destOrd="0" presId="urn:microsoft.com/office/officeart/2005/8/layout/orgChart1"/>
-    <dgm:cxn modelId="{0F1A5A1C-F547-49A3-B266-6C698B9B9865}" type="presOf" srcId="{EB3E4C30-C311-42BE-B076-0A2A8357D0E5}" destId="{E6899FD7-1719-4F3C-A2E3-C8325D512D58}" srcOrd="0" destOrd="0" presId="urn:microsoft.com/office/officeart/2005/8/layout/orgChart1"/>
-    <dgm:cxn modelId="{9B0F3050-E8D1-4A8C-BCFB-C96E00CB5150}" type="presOf" srcId="{977DBED4-83EF-4513-A96F-416F2EC5B5F3}" destId="{E2BF8E9D-39D9-4440-87D6-F041B0172797}" srcOrd="0" destOrd="0" presId="urn:microsoft.com/office/officeart/2005/8/layout/orgChart1"/>
-    <dgm:cxn modelId="{C9E61E1B-B5EB-4974-9101-A6B088C51006}" type="presOf" srcId="{72C7DB3D-C2EB-4F70-8ECC-4B7354A1B27D}" destId="{ED68BC16-70E4-43D6-AC37-553F1B9A7DDC}" srcOrd="0" destOrd="0" presId="urn:microsoft.com/office/officeart/2005/8/layout/orgChart1"/>
-    <dgm:cxn modelId="{13C2EC17-3B4C-4861-940C-0EFFA436D5D3}" srcId="{26A7734B-98C9-41FE-A30F-3EA43FDFD174}" destId="{1F42FDDE-F64D-4FB5-B7A9-C7B3972650C5}" srcOrd="6" destOrd="0" parTransId="{A7EF873E-6525-47F5-AC4D-75388AA7BE5C}" sibTransId="{B20A9C91-EB36-4C3E-970B-153014A68C9B}"/>
-    <dgm:cxn modelId="{4433C6FF-3731-4D51-86BD-D5AC13C3F125}" type="presOf" srcId="{D2FDB38B-CD9F-43A7-96BD-9FEF7E277B8B}" destId="{800FFEEF-CB1F-49B5-999F-0CBAB6EE0E30}" srcOrd="0" destOrd="0" presId="urn:microsoft.com/office/officeart/2005/8/layout/orgChart1"/>
-    <dgm:cxn modelId="{08E9F467-D0FA-4C12-9BAF-EBBC2B93DBC5}" type="presOf" srcId="{38EFBACC-2BD6-43FC-88D8-14236B955917}" destId="{3ECD8BFA-8A64-4AF1-ADA5-E1F9B54579F5}" srcOrd="0" destOrd="0" presId="urn:microsoft.com/office/officeart/2005/8/layout/orgChart1"/>
-    <dgm:cxn modelId="{CEEAC086-5933-4548-8064-951BCA7CB015}" type="presOf" srcId="{CA3D817B-A009-4330-9DBC-0887F37ECC7C}" destId="{6C984D03-9418-4CF8-9249-6D25DF6A7CDF}" srcOrd="0" destOrd="0" presId="urn:microsoft.com/office/officeart/2005/8/layout/orgChart1"/>
-    <dgm:cxn modelId="{CB97E552-636C-442C-95E7-0A5B3D19059C}" srcId="{7D55D7AC-A6AE-413C-B556-84977487D288}" destId="{469FCB90-92DD-4DE7-8308-EB4FF6BFBF4D}" srcOrd="4" destOrd="0" parTransId="{491C3C17-F8BE-4FAB-A37C-7BBAAEFF7122}" sibTransId="{AD16890F-04E6-43B0-8CCC-AE2F8A2D1CAE}"/>
-    <dgm:cxn modelId="{81EFB339-F3D4-4F04-9565-CA93E31B1293}" srcId="{6EB344EB-2654-408C-91DA-877780EFA62F}" destId="{C7F57EAC-A364-4D11-921C-237EA2B81788}" srcOrd="0" destOrd="0" parTransId="{9C1BDF93-B2F3-451E-B95E-D773DF6A62B8}" sibTransId="{88AB8A50-CD77-481F-B365-8B82B63646A4}"/>
-    <dgm:cxn modelId="{0FE2CA70-A288-40DF-B077-CCDE99620DAE}" type="presOf" srcId="{1F42FDDE-F64D-4FB5-B7A9-C7B3972650C5}" destId="{D6D1DFCF-5F7F-48A9-9DBC-4E98C92BACE9}" srcOrd="1" destOrd="0" presId="urn:microsoft.com/office/officeart/2005/8/layout/orgChart1"/>
-    <dgm:cxn modelId="{C7F1771B-4D95-49A1-9AB2-4CF6C9D70A45}" type="presOf" srcId="{A4844A0F-599C-42C2-BEF5-31C7967332B7}" destId="{F0A9DB92-7AB7-4976-9244-297B5BCC5CCE}" srcOrd="0" destOrd="0" presId="urn:microsoft.com/office/officeart/2005/8/layout/orgChart1"/>
-    <dgm:cxn modelId="{58D8095C-6D97-48F5-A00F-F78436BB1500}" type="presOf" srcId="{15BFC984-FD9C-4EC1-910F-E0B7728DF1CA}" destId="{B2CE6902-BB33-43C7-81F6-5BBDD21ABEC0}" srcOrd="1" destOrd="0" presId="urn:microsoft.com/office/officeart/2005/8/layout/orgChart1"/>
-    <dgm:cxn modelId="{03167DF3-6F80-4A42-9862-F8E3B27BCE28}" type="presOf" srcId="{B1FAE752-2A95-4101-A426-836514BA9A2E}" destId="{F1309AE7-CF76-4B6C-BEA7-4D5DAB7C7925}" srcOrd="1" destOrd="0" presId="urn:microsoft.com/office/officeart/2005/8/layout/orgChart1"/>
-    <dgm:cxn modelId="{CC8C8E0E-6510-4A01-B105-7C82138E4D49}" srcId="{06534DF6-5680-4FD6-8C06-EFD2ADB28888}" destId="{54EBD050-57A1-4841-8039-6E3BC3B87551}" srcOrd="0" destOrd="0" parTransId="{D6661420-D8AB-4C12-A689-2ED3210EDE4E}" sibTransId="{3B6DD1E8-A1C8-4E65-B777-4786CDE9B9C8}"/>
-    <dgm:cxn modelId="{26E04D8C-5ECD-423A-A103-FA41F96F3701}" type="presOf" srcId="{3A165F34-A414-4325-BE0A-F1D0890421B3}" destId="{6D58D67D-39ED-4E52-B8D0-0889FAD40F27}" srcOrd="1" destOrd="0" presId="urn:microsoft.com/office/officeart/2005/8/layout/orgChart1"/>
-    <dgm:cxn modelId="{2CAA1048-2E3E-48F6-8553-0A6A8B1393D7}" type="presOf" srcId="{7D55D7AC-A6AE-413C-B556-84977487D288}" destId="{D90603C5-A154-4D56-BFA4-F8CE735875CA}" srcOrd="0" destOrd="0" presId="urn:microsoft.com/office/officeart/2005/8/layout/orgChart1"/>
-    <dgm:cxn modelId="{FDD0086D-650B-43B7-8F61-56E4ECD90570}" type="presOf" srcId="{58996895-1193-47F3-8459-1C48E5E6A287}" destId="{1CFE7C49-6AAC-4ADF-9E01-6BF86A687564}" srcOrd="0" destOrd="0" presId="urn:microsoft.com/office/officeart/2005/8/layout/orgChart1"/>
-    <dgm:cxn modelId="{A13B47BF-3E73-4919-8816-732097FB3E13}" type="presOf" srcId="{C7F57EAC-A364-4D11-921C-237EA2B81788}" destId="{0CF2D55B-1392-4042-913D-BFAB5F385C40}" srcOrd="0" destOrd="0" presId="urn:microsoft.com/office/officeart/2005/8/layout/orgChart1"/>
-    <dgm:cxn modelId="{F92003D4-3275-4333-AE8D-414B3890E24C}" type="presOf" srcId="{B1FAE752-2A95-4101-A426-836514BA9A2E}" destId="{18685DD9-E57B-4A91-85A0-69F19A627B6F}" srcOrd="0" destOrd="0" presId="urn:microsoft.com/office/officeart/2005/8/layout/orgChart1"/>
-    <dgm:cxn modelId="{28CBE818-5041-46D5-8FB2-02AF1BE84C7E}" type="presOf" srcId="{E5F83174-20E0-4019-AF5A-2A9B80B3D86B}" destId="{E7801140-573D-46E9-A343-782AF1F295B0}" srcOrd="1" destOrd="0" presId="urn:microsoft.com/office/officeart/2005/8/layout/orgChart1"/>
-    <dgm:cxn modelId="{4F6AE0C1-D96D-4699-8220-CE1313ABD86A}" type="presOf" srcId="{34A9FE22-1E61-421F-BBA2-C86C78DB84BA}" destId="{52F4768A-CA4F-4D50-BC6F-453ABD0496E6}" srcOrd="0" destOrd="0" presId="urn:microsoft.com/office/officeart/2005/8/layout/orgChart1"/>
-    <dgm:cxn modelId="{FC0799D2-A741-4208-918A-CA006A34ABF0}" type="presOf" srcId="{DDB223F8-FA19-43B8-B9E5-6F472A80FF11}" destId="{C9A96E31-2FAE-483D-BB6E-6C7A66C756BC}" srcOrd="1" destOrd="0" presId="urn:microsoft.com/office/officeart/2005/8/layout/orgChart1"/>
-    <dgm:cxn modelId="{067B42CE-1AC0-4EB7-8A21-CA0E526EFAA1}" type="presOf" srcId="{7A6E2B28-A652-4A03-B536-52CB6C2AFA96}" destId="{5230B2DF-0267-4BC5-9111-A69D6B02493B}" srcOrd="0" destOrd="0" presId="urn:microsoft.com/office/officeart/2005/8/layout/orgChart1"/>
-    <dgm:cxn modelId="{0C391C7B-E95E-4DC2-A858-A10B2BBF2CE9}" type="presOf" srcId="{468DBADB-1A2D-4B35-A066-F85CD8B71CF5}" destId="{DCBCA505-BDA5-4754-88FD-6C163247BF20}" srcOrd="0" destOrd="0" presId="urn:microsoft.com/office/officeart/2005/8/layout/orgChart1"/>
-    <dgm:cxn modelId="{2C7B0B6F-1768-4940-9C50-34BE79A23C4A}" srcId="{26A7734B-98C9-41FE-A30F-3EA43FDFD174}" destId="{218443C8-AB06-4CE0-9CD8-1B7B09F808ED}" srcOrd="2" destOrd="0" parTransId="{B136F1FA-7471-47F0-82BC-36265E4BDED2}" sibTransId="{A088B5C5-8EA5-4524-BDA2-AA49516CC78E}"/>
-    <dgm:cxn modelId="{539C7C38-15E4-4698-A167-A3B1F409039E}" type="presOf" srcId="{C68324FA-8AA2-419C-A7AA-6BF10CF13F4E}" destId="{CF015141-FA85-409A-BFB1-5999F927298C}" srcOrd="0" destOrd="0" presId="urn:microsoft.com/office/officeart/2005/8/layout/orgChart1"/>
-    <dgm:cxn modelId="{3F0AFE67-0562-44F7-A56B-2AF939C81D66}" type="presOf" srcId="{7EDF19BD-DA68-4694-9E7D-B7A25A3D115D}" destId="{41FAA1FB-202E-4E73-83B7-C7BF508DA170}" srcOrd="1" destOrd="0" presId="urn:microsoft.com/office/officeart/2005/8/layout/orgChart1"/>
-    <dgm:cxn modelId="{6D46737F-C0B2-44F3-9AE4-35DAFE5C465B}" type="presOf" srcId="{06534DF6-5680-4FD6-8C06-EFD2ADB28888}" destId="{D3995460-8471-4272-9D77-09F38C821651}" srcOrd="1" destOrd="0" presId="urn:microsoft.com/office/officeart/2005/8/layout/orgChart1"/>
-    <dgm:cxn modelId="{CD34E6D0-CFA9-4B7A-9358-19681A94099D}" srcId="{B9DF79D7-DAB1-419A-93BC-5224E7292C01}" destId="{DB48C575-5006-440B-8A4B-39C6DC78A19E}" srcOrd="5" destOrd="0" parTransId="{3555F3F7-E7B2-4CD1-8EC1-BED7124A357E}" sibTransId="{0914D5C8-029F-49A1-AD1A-C116E7C4AAB2}"/>
-    <dgm:cxn modelId="{0B8CF4DA-103E-41E0-A5B2-0D922F0C4886}" type="presOf" srcId="{397E2425-6401-4793-8313-EDDBC568CFF5}" destId="{73060974-1BCC-4CFD-83F7-2AE3C1BED6FD}" srcOrd="1" destOrd="0" presId="urn:microsoft.com/office/officeart/2005/8/layout/orgChart1"/>
-    <dgm:cxn modelId="{CF0F86A9-6288-4E66-A661-9F0405EB69BE}" type="presOf" srcId="{3A345787-CCB7-4981-8AFD-DC6D6D02996D}" destId="{44E20255-6CC0-4715-81C3-CAB65680E806}" srcOrd="0" destOrd="0" presId="urn:microsoft.com/office/officeart/2005/8/layout/orgChart1"/>
-    <dgm:cxn modelId="{110BF182-FC2D-4029-AF3E-D52F3317AE86}" type="presOf" srcId="{502FF505-CD6A-490C-91EF-FCDB60B83475}" destId="{BBA998FB-2BC8-4ED4-8DDB-9E6D951E1686}" srcOrd="0" destOrd="0" presId="urn:microsoft.com/office/officeart/2005/8/layout/orgChart1"/>
-    <dgm:cxn modelId="{629F6D12-DD49-4021-BA73-A254EBE90F33}" srcId="{07FDC29B-622D-4E67-AB48-A9AA1F589B65}" destId="{DDB223F8-FA19-43B8-B9E5-6F472A80FF11}" srcOrd="0" destOrd="0" parTransId="{91391709-5792-48B5-90D2-BE8612049A03}" sibTransId="{64135039-B7AF-4F51-A611-6C5CE420A163}"/>
-    <dgm:cxn modelId="{BB29D50B-D9A4-4BCD-BA8D-CBAE30C63F9D}" type="presOf" srcId="{AE4FAC43-9FAC-4163-A49C-21230576BA25}" destId="{A94116FE-DB21-4C24-93E0-AE510CC38A72}" srcOrd="0" destOrd="0" presId="urn:microsoft.com/office/officeart/2005/8/layout/orgChart1"/>
-    <dgm:cxn modelId="{7D644102-6A58-44A9-974B-886F2CE773BD}" type="presOf" srcId="{1F42FDDE-F64D-4FB5-B7A9-C7B3972650C5}" destId="{CF81B533-57B6-4C2C-A70E-6C91B403AC31}" srcOrd="0" destOrd="0" presId="urn:microsoft.com/office/officeart/2005/8/layout/orgChart1"/>
-    <dgm:cxn modelId="{53A3CF27-1C86-4073-8B21-0C3DC2659821}" type="presOf" srcId="{6BF2A2E7-7D1A-4E60-A9C5-B938EEFA06F3}" destId="{1884663A-128C-4C71-9C6C-9D87ADF437FA}" srcOrd="0" destOrd="0" presId="urn:microsoft.com/office/officeart/2005/8/layout/orgChart1"/>
-    <dgm:cxn modelId="{55934CC3-5E51-482F-BC33-5D20A66C2CF4}" type="presOf" srcId="{0E10C905-03B0-4968-A51B-CC222A62B71D}" destId="{2AFA91C7-C22F-4837-BA11-ACEFFEB4915F}" srcOrd="0" destOrd="0" presId="urn:microsoft.com/office/officeart/2005/8/layout/orgChart1"/>
-    <dgm:cxn modelId="{638EE057-C82E-44C8-B90B-E81AC06A7F24}" srcId="{218443C8-AB06-4CE0-9CD8-1B7B09F808ED}" destId="{3A165F34-A414-4325-BE0A-F1D0890421B3}" srcOrd="2" destOrd="0" parTransId="{AC68780C-09A5-4900-B66C-9050718E9B19}" sibTransId="{A909963E-65A6-466D-84F0-3423194127DE}"/>
-    <dgm:cxn modelId="{24864616-72EE-4E64-A457-935E05EC9E9D}" type="presOf" srcId="{07FDC29B-622D-4E67-AB48-A9AA1F589B65}" destId="{092F8D06-ED29-41EF-98F8-AC33AEB9D4F5}" srcOrd="0" destOrd="0" presId="urn:microsoft.com/office/officeart/2005/8/layout/orgChart1"/>
-    <dgm:cxn modelId="{2BA415A7-371A-4B61-8A3F-5F18B5E695A7}" srcId="{218443C8-AB06-4CE0-9CD8-1B7B09F808ED}" destId="{15BFC984-FD9C-4EC1-910F-E0B7728DF1CA}" srcOrd="1" destOrd="0" parTransId="{FDDDC6F7-D72F-48A9-9675-D982EAEC3551}" sibTransId="{EFFB26FD-90E7-4237-9CBC-356767D2E152}"/>
-    <dgm:cxn modelId="{58A02BEA-9BDF-4C04-99B0-D18258D3811F}" type="presOf" srcId="{2222A0CC-63CE-4BBF-8DFC-308BB4C60AD2}" destId="{19CA889B-6F76-4226-854F-C90A70847B55}" srcOrd="1" destOrd="0" presId="urn:microsoft.com/office/officeart/2005/8/layout/orgChart1"/>
-    <dgm:cxn modelId="{66A8DB06-708F-4504-B06B-9FEEAC8BA82A}" type="presOf" srcId="{648878DE-500B-42CD-995E-8B3335B002D4}" destId="{1FEBBC4B-5CAB-4241-8036-9EF8E95378E8}" srcOrd="0" destOrd="0" presId="urn:microsoft.com/office/officeart/2005/8/layout/orgChart1"/>
-    <dgm:cxn modelId="{2DAC107E-2C36-4ECD-B94A-5EFF27E012A6}" type="presOf" srcId="{54EBD050-57A1-4841-8039-6E3BC3B87551}" destId="{C936DF82-3EE7-40B7-BE23-50514484DB5C}" srcOrd="0" destOrd="0" presId="urn:microsoft.com/office/officeart/2005/8/layout/orgChart1"/>
-    <dgm:cxn modelId="{DB51EC88-8B3F-493D-9BFB-AD7BBD89AC31}" type="presOf" srcId="{C68324FA-8AA2-419C-A7AA-6BF10CF13F4E}" destId="{89B48612-264D-4D6D-AFC3-52A06E7AC340}" srcOrd="1" destOrd="0" presId="urn:microsoft.com/office/officeart/2005/8/layout/orgChart1"/>
-    <dgm:cxn modelId="{2798E208-72FB-4CA9-9876-41B796A230CC}" type="presOf" srcId="{967B49BC-36ED-41FA-8808-452DBCBF7D4D}" destId="{4C128F8F-9062-4128-A64F-A63C0D0D76C6}" srcOrd="1" destOrd="0" presId="urn:microsoft.com/office/officeart/2005/8/layout/orgChart1"/>
-    <dgm:cxn modelId="{B1277FCB-DC6C-42AF-8B8B-73FB248E63B2}" srcId="{32A6B69A-F825-4916-AF26-4E2EBE930ACE}" destId="{38EFBACC-2BD6-43FC-88D8-14236B955917}" srcOrd="3" destOrd="0" parTransId="{11CA7F85-1355-427E-9AE8-9CB3B35402E9}" sibTransId="{E5784BE5-76C6-46CC-B0E9-5FEDA4FC0FA8}"/>
-    <dgm:cxn modelId="{AD3F8BE1-D9D5-4305-A96F-645BF18CCABA}" srcId="{7D55D7AC-A6AE-413C-B556-84977487D288}" destId="{468DBADB-1A2D-4B35-A066-F85CD8B71CF5}" srcOrd="2" destOrd="0" parTransId="{A4844A0F-599C-42C2-BEF5-31C7967332B7}" sibTransId="{2C8D7AF7-26FB-4262-9AEA-59F6F8802313}"/>
-    <dgm:cxn modelId="{3FAB2D6A-90EF-43AB-B3E2-B58E3E3DC582}" type="presOf" srcId="{AC82A878-4286-43DA-8544-EE2936732D4C}" destId="{2E18527F-3183-4AC0-A4CD-C0B1BCE1CC03}" srcOrd="1" destOrd="0" presId="urn:microsoft.com/office/officeart/2005/8/layout/orgChart1"/>
-    <dgm:cxn modelId="{7A58053C-B64B-4F29-A3AE-A67A51142CB2}" srcId="{26A7734B-98C9-41FE-A30F-3EA43FDFD174}" destId="{9D463E36-FB04-4CB0-8969-CB178D4760D1}" srcOrd="4" destOrd="0" parTransId="{5FB46280-1681-4F31-A536-1B040BD712F4}" sibTransId="{8FA4E1B1-5415-43FE-863D-2C566E4E3693}"/>
-    <dgm:cxn modelId="{6BFA2D19-BB50-4889-AE01-3AEDE1C2D57C}" type="presOf" srcId="{0E99BB89-9CCB-4A68-A82A-9A5208A9DE85}" destId="{E5BDC8CD-2BC3-40F6-9322-C285D21386C4}" srcOrd="0" destOrd="0" presId="urn:microsoft.com/office/officeart/2005/8/layout/orgChart1"/>
-    <dgm:cxn modelId="{43F2F8F8-35D3-4038-8400-6A11A2846F50}" type="presOf" srcId="{E0905AAB-3A95-4785-A758-3BB76C0495E9}" destId="{6CD5EFA5-3661-4F30-80B0-BB93BB9A176F}" srcOrd="1" destOrd="0" presId="urn:microsoft.com/office/officeart/2005/8/layout/orgChart1"/>
-    <dgm:cxn modelId="{F59D2952-4A9B-4DFB-BA3B-A00EE8EBDC12}" type="presOf" srcId="{AC82A878-4286-43DA-8544-EE2936732D4C}" destId="{3906F3BC-FCDB-4569-988B-300E506E251C}" srcOrd="0" destOrd="0" presId="urn:microsoft.com/office/officeart/2005/8/layout/orgChart1"/>
-    <dgm:cxn modelId="{CBE947A9-9CBC-4AFC-855A-61836B7EA2B0}" type="presOf" srcId="{85A256C2-DFF7-438B-8384-6D94AD2785CC}" destId="{9211E6B2-FA18-4489-A425-03842A05A6AB}" srcOrd="1" destOrd="0" presId="urn:microsoft.com/office/officeart/2005/8/layout/orgChart1"/>
-    <dgm:cxn modelId="{6B3D763F-4B3A-4F77-A3B6-BA840956D230}" srcId="{218443C8-AB06-4CE0-9CD8-1B7B09F808ED}" destId="{AC82A878-4286-43DA-8544-EE2936732D4C}" srcOrd="0" destOrd="0" parTransId="{6E4044AE-79D6-492D-9F3C-3C6B1A7C5B12}" sibTransId="{CCA098C7-0B6B-4593-9185-E8CEC0ED57AD}"/>
-    <dgm:cxn modelId="{573B8022-3C98-4CA5-B07B-E80CBA57499D}" type="presOf" srcId="{9DB95590-8D2B-4D6D-B003-9A494108E126}" destId="{F03233B6-2492-4788-8D74-99E1D79D07D7}" srcOrd="0" destOrd="0" presId="urn:microsoft.com/office/officeart/2005/8/layout/orgChart1"/>
-    <dgm:cxn modelId="{FA8A3D4B-0668-419C-A5CE-F8482F8D1DD2}" type="presOf" srcId="{2F45D982-B00B-45E2-9603-28F12E3BC206}" destId="{D5AA9A02-64B0-442B-84FC-1FFFC47C00B2}" srcOrd="1" destOrd="0" presId="urn:microsoft.com/office/officeart/2005/8/layout/orgChart1"/>
-    <dgm:cxn modelId="{865D9F7C-A3BB-40DF-9D17-8A058BC2AFB0}" type="presOf" srcId="{A42FFD6D-CFEA-4825-840F-D456580596CE}" destId="{B4D0DD80-0A7E-4E6C-8236-6A65363A5DC7}" srcOrd="0" destOrd="0" presId="urn:microsoft.com/office/officeart/2005/8/layout/orgChart1"/>
-    <dgm:cxn modelId="{BF1B0D9B-C469-43AC-89E3-F4E6B7A69C9F}" type="presOf" srcId="{E4507D21-8B18-426B-90B3-C73CD3A0FEAE}" destId="{F1C5F9D1-BD69-44D6-BE31-4A0D8A09FE90}" srcOrd="1" destOrd="0" presId="urn:microsoft.com/office/officeart/2005/8/layout/orgChart1"/>
-    <dgm:cxn modelId="{C2F35538-891B-47E5-B767-46173B49AF45}" type="presOf" srcId="{5CAB81B7-532F-4ECC-94EC-F1101D5CB844}" destId="{AE3F5C3E-FDB8-4E63-8470-4856FA863262}" srcOrd="0" destOrd="0" presId="urn:microsoft.com/office/officeart/2005/8/layout/orgChart1"/>
-    <dgm:cxn modelId="{594A2A9D-2866-4B3F-81A4-FF396F9F6D87}" type="presOf" srcId="{43DF2651-C5D9-490F-96A0-D5E1968556E6}" destId="{F53CA343-D82E-4CE0-8F91-9FD5CAF7BF82}" srcOrd="0" destOrd="0" presId="urn:microsoft.com/office/officeart/2005/8/layout/orgChart1"/>
-    <dgm:cxn modelId="{D5D37775-A5B8-403F-A83B-D23A7ADEEAB0}" type="presOf" srcId="{3D0E5FCC-C6E6-4415-A923-3B56776F1283}" destId="{68B54AAC-8381-4107-8D82-9B66C576EBD4}" srcOrd="0" destOrd="0" presId="urn:microsoft.com/office/officeart/2005/8/layout/orgChart1"/>
-    <dgm:cxn modelId="{159D58EE-FFDD-4509-A3CC-4F5203B741FF}" type="presOf" srcId="{7C5A7727-446E-41A4-A9A7-14302C1448AD}" destId="{36D62B55-4C48-41B4-84E3-8E4C44E5B485}" srcOrd="0" destOrd="0" presId="urn:microsoft.com/office/officeart/2005/8/layout/orgChart1"/>
-    <dgm:cxn modelId="{CECD5E23-9085-4280-8137-7B5E64FF3577}" type="presOf" srcId="{26A7734B-98C9-41FE-A30F-3EA43FDFD174}" destId="{7844C942-8FC7-4DC2-8BAA-F2FA889C0C32}" srcOrd="1" destOrd="0" presId="urn:microsoft.com/office/officeart/2005/8/layout/orgChart1"/>
-    <dgm:cxn modelId="{17D1F3B9-020F-4708-BA81-858DB16AB2E4}" type="presOf" srcId="{742F5CEC-3FB0-4F91-9A16-3B64073D4E68}" destId="{FEC60AB7-1CFA-43D7-BC5C-3A25F18E9422}" srcOrd="1" destOrd="0" presId="urn:microsoft.com/office/officeart/2005/8/layout/orgChart1"/>
-    <dgm:cxn modelId="{0DB84FAB-E9DE-461A-BB40-CFFE11C8EFA1}" type="presOf" srcId="{07FDC29B-622D-4E67-AB48-A9AA1F589B65}" destId="{871EE0C6-6AC7-4C6A-9929-48A2811EB2BB}" srcOrd="1" destOrd="0" presId="urn:microsoft.com/office/officeart/2005/8/layout/orgChart1"/>
-    <dgm:cxn modelId="{A059F766-AE8F-4282-A9DC-601E355D4B46}" type="presOf" srcId="{402843E0-06F1-4C8A-A194-C5F3CA845709}" destId="{7EBEF020-4792-475A-99B2-E70D4CCF1D53}" srcOrd="0" destOrd="0" presId="urn:microsoft.com/office/officeart/2005/8/layout/orgChart1"/>
-    <dgm:cxn modelId="{4F3AB9D6-7BDD-4A0E-BA28-632F7238B50E}" type="presOf" srcId="{DB1F7060-4C55-4010-9628-47EE721E2033}" destId="{9BF09FA4-0982-454A-940F-497437A8CB35}" srcOrd="0" destOrd="0" presId="urn:microsoft.com/office/officeart/2005/8/layout/orgChart1"/>
-    <dgm:cxn modelId="{AE2C3AE1-EC7F-4ED5-A07C-061B9C7C6F64}" type="presOf" srcId="{461BF01B-4C90-4BBC-9475-E99858736F81}" destId="{39916E1D-5D31-4481-9E8A-96A114D135F9}" srcOrd="0" destOrd="0" presId="urn:microsoft.com/office/officeart/2005/8/layout/orgChart1"/>
-    <dgm:cxn modelId="{2299CD13-EA9E-4D03-B148-88130D0E21C3}" srcId="{7D55D7AC-A6AE-413C-B556-84977487D288}" destId="{AE4FAC43-9FAC-4163-A49C-21230576BA25}" srcOrd="6" destOrd="0" parTransId="{28E9A072-3C3A-4840-BDCF-DBB1DA10CF6E}" sibTransId="{49CE7E9B-0101-4029-ADAE-C66C23E026E5}"/>
-    <dgm:cxn modelId="{F128D5F3-EF4E-4AEA-9690-1B8FB94FB412}" type="presOf" srcId="{0FD75748-BFAF-4DF2-B6A4-6B45718284B4}" destId="{89DA8FFD-890A-46AE-BCDD-01C72F68DBBB}" srcOrd="0" destOrd="0" presId="urn:microsoft.com/office/officeart/2005/8/layout/orgChart1"/>
-    <dgm:cxn modelId="{A7D1AE0E-6500-45BA-A224-0400058910FA}" srcId="{402843E0-06F1-4C8A-A194-C5F3CA845709}" destId="{0E99BB89-9CCB-4A68-A82A-9A5208A9DE85}" srcOrd="3" destOrd="0" parTransId="{EB3E4C30-C311-42BE-B076-0A2A8357D0E5}" sibTransId="{858E668D-B354-41A9-BEC8-52CA35421A4F}"/>
-    <dgm:cxn modelId="{4603E8D7-F994-4C51-842D-D1A197F8DA42}" type="presOf" srcId="{40E11140-0AB7-4EED-9A39-C6E68338B75E}" destId="{2633350B-FFE7-4BDF-B944-8EFB76127B4F}" srcOrd="0" destOrd="0" presId="urn:microsoft.com/office/officeart/2005/8/layout/orgChart1"/>
-    <dgm:cxn modelId="{3BE173D7-6B6A-4198-A544-CA5B2584CBB6}" srcId="{43DF2651-C5D9-490F-96A0-D5E1968556E6}" destId="{26A7734B-98C9-41FE-A30F-3EA43FDFD174}" srcOrd="0" destOrd="0" parTransId="{B3E0C292-E7B6-4FB3-A4AD-1F8C3D98EB66}" sibTransId="{3C66D31B-1C65-4843-995B-2E8D15C9FA03}"/>
-    <dgm:cxn modelId="{297877FD-D72C-414D-9925-6F97895CE2CC}" type="presOf" srcId="{785076A0-61E1-45AE-9124-93C3B42D37AF}" destId="{E2D2DA7F-4D8D-4747-A0F8-7931502AE790}" srcOrd="0" destOrd="0" presId="urn:microsoft.com/office/officeart/2005/8/layout/orgChart1"/>
-    <dgm:cxn modelId="{4583CDD2-0D30-4A20-A982-741B626F2047}" type="presOf" srcId="{D6661420-D8AB-4C12-A689-2ED3210EDE4E}" destId="{BC774559-F446-492E-8685-CF1F5D6F719E}" srcOrd="0" destOrd="0" presId="urn:microsoft.com/office/officeart/2005/8/layout/orgChart1"/>
-    <dgm:cxn modelId="{C67FF41C-4D15-4CAD-9EAD-4753C2FFC781}" type="presOf" srcId="{34EF91BF-8C1A-4B62-AAE1-86D9617A503C}" destId="{D60C2317-9163-4563-8781-8850DA154E18}" srcOrd="0" destOrd="0" presId="urn:microsoft.com/office/officeart/2005/8/layout/orgChart1"/>
-    <dgm:cxn modelId="{F4F759EA-73ED-4A2A-AF16-B489F87FD145}" type="presOf" srcId="{990CAE16-2C24-429D-ACEC-29A2E4F5F439}" destId="{0F300595-C998-4C98-998D-52D2EE83F77F}" srcOrd="1" destOrd="0" presId="urn:microsoft.com/office/officeart/2005/8/layout/orgChart1"/>
-    <dgm:cxn modelId="{BF19AB9B-3B26-40B7-8CF7-8BEAC5AABC0E}" type="presOf" srcId="{DB48C575-5006-440B-8A4B-39C6DC78A19E}" destId="{2EB1643C-5014-4083-B852-478412DE33C7}" srcOrd="1" destOrd="0" presId="urn:microsoft.com/office/officeart/2005/8/layout/orgChart1"/>
-    <dgm:cxn modelId="{C0C95562-330C-46D7-9FB9-C8B10627E2F6}" type="presOf" srcId="{B45EDE43-7559-4CF4-B2CF-74BEC7ADB4DA}" destId="{6D5C116B-2587-4418-836B-4D21EECA628C}" srcOrd="0" destOrd="0" presId="urn:microsoft.com/office/officeart/2005/8/layout/orgChart1"/>
-    <dgm:cxn modelId="{3BAA1180-4FD4-4B60-A30C-2C5FE913814C}" type="presOf" srcId="{55A95216-44D0-465E-BB0F-1C6FB47743EE}" destId="{8110E6C7-B987-4164-A9C5-8BE7356A576F}" srcOrd="0" destOrd="0" presId="urn:microsoft.com/office/officeart/2005/8/layout/orgChart1"/>
-    <dgm:cxn modelId="{26312A58-A4B9-47FC-AF8B-74297050AE40}" srcId="{20E412C7-A88A-4486-8381-D8DEEF44DB1A}" destId="{8E707B23-D4AF-4389-8948-93DAB5FE3162}" srcOrd="2" destOrd="0" parTransId="{977DBED4-83EF-4513-A96F-416F2EC5B5F3}" sibTransId="{A684D586-45CE-4A35-87BE-552730BE061F}"/>
-    <dgm:cxn modelId="{3E9B3B6D-0493-46B3-8657-CC5FF4A67631}" type="presOf" srcId="{AE4FAC43-9FAC-4163-A49C-21230576BA25}" destId="{68F1E6F3-FB5C-4C06-9CF4-79E96057A32C}" srcOrd="1" destOrd="0" presId="urn:microsoft.com/office/officeart/2005/8/layout/orgChart1"/>
-    <dgm:cxn modelId="{63CB68D2-30EB-48B3-890D-AA64A35E9E83}" type="presOf" srcId="{FDDDC6F7-D72F-48A9-9675-D982EAEC3551}" destId="{9A028D69-B33E-458C-AEA8-9E8DC66A7F1E}" srcOrd="0" destOrd="0" presId="urn:microsoft.com/office/officeart/2005/8/layout/orgChart1"/>
-    <dgm:cxn modelId="{79013051-E35D-4A0E-BC16-35D2CE90D3F6}" type="presOf" srcId="{6EB344EB-2654-408C-91DA-877780EFA62F}" destId="{63555BE0-A60E-4E19-A04A-AC95F61827D0}" srcOrd="1" destOrd="0" presId="urn:microsoft.com/office/officeart/2005/8/layout/orgChart1"/>
-    <dgm:cxn modelId="{73647909-51EC-4C48-AFDB-C0EC12BEAA0A}" type="presOf" srcId="{B9DF79D7-DAB1-419A-93BC-5224E7292C01}" destId="{2E87F38D-DB70-443E-8251-2F636CFF8EA5}" srcOrd="0" destOrd="0" presId="urn:microsoft.com/office/officeart/2005/8/layout/orgChart1"/>
-    <dgm:cxn modelId="{2031AF2F-81B3-46F2-A11D-FD9D39A7CDEA}" srcId="{26A7734B-98C9-41FE-A30F-3EA43FDFD174}" destId="{402843E0-06F1-4C8A-A194-C5F3CA845709}" srcOrd="3" destOrd="0" parTransId="{648878DE-500B-42CD-995E-8B3335B002D4}" sibTransId="{C2687847-2E6C-4441-881C-A36A42E0F377}"/>
-    <dgm:cxn modelId="{1F19476B-E535-41EA-90A5-45B66ECF92CC}" srcId="{26A7734B-98C9-41FE-A30F-3EA43FDFD174}" destId="{742F5CEC-3FB0-4F91-9A16-3B64073D4E68}" srcOrd="7" destOrd="0" parTransId="{D67F8A0D-D22F-4973-82D0-F7260C0E87C5}" sibTransId="{5BFAECD0-E362-4A67-9BFB-8CC869204C0E}"/>
-    <dgm:cxn modelId="{38E68260-4555-480E-9E95-947117E05354}" type="presOf" srcId="{8E707B23-D4AF-4389-8948-93DAB5FE3162}" destId="{166A7946-C3FB-4966-BE82-D95B3ECEFABB}" srcOrd="0" destOrd="0" presId="urn:microsoft.com/office/officeart/2005/8/layout/orgChart1"/>
-    <dgm:cxn modelId="{1B452A9B-529C-410A-A380-46F84826B10B}" type="presOf" srcId="{87E1A1E6-A868-4E5B-99F4-735B260B8F8C}" destId="{976BBC1F-70FF-4169-AE7D-2B37E400BCAF}" srcOrd="1" destOrd="0" presId="urn:microsoft.com/office/officeart/2005/8/layout/orgChart1"/>
-    <dgm:cxn modelId="{CC759BD9-733C-465A-88D9-734F52F7A18B}" type="presOf" srcId="{3555F3F7-E7B2-4CD1-8EC1-BED7124A357E}" destId="{B8E100E7-9CA6-4F0E-A84A-409D3C8E53BE}" srcOrd="0" destOrd="0" presId="urn:microsoft.com/office/officeart/2005/8/layout/orgChart1"/>
-    <dgm:cxn modelId="{09E476CB-ECA5-4DA4-A418-54A39B7221DF}" type="presOf" srcId="{11CA7F85-1355-427E-9AE8-9CB3B35402E9}" destId="{75B4D77D-D6F1-4E29-88EC-1B2BA32DEBF4}" srcOrd="0" destOrd="0" presId="urn:microsoft.com/office/officeart/2005/8/layout/orgChart1"/>
-    <dgm:cxn modelId="{7DEAFC7A-7D50-4AA9-974F-1B238B4DB7E1}" type="presOf" srcId="{E3B1EBA4-1F83-4120-A1B0-C1F9858EBC12}" destId="{36020655-55CE-46B7-85A6-CFA1A488EDB0}" srcOrd="0" destOrd="0" presId="urn:microsoft.com/office/officeart/2005/8/layout/orgChart1"/>
-    <dgm:cxn modelId="{CEE90FBA-E0DA-4075-894A-B5BE1AA376E0}" type="presOf" srcId="{F9185973-E91D-4F9F-888E-30E52494D236}" destId="{68CDE359-982B-4DC3-9633-3FCCCA6CEC93}" srcOrd="0" destOrd="0" presId="urn:microsoft.com/office/officeart/2005/8/layout/orgChart1"/>
-    <dgm:cxn modelId="{F629917A-D5F3-4A4D-83F9-4C17C71FF637}" type="presOf" srcId="{500F4641-BDE3-4598-ACA3-3ACD7B759F63}" destId="{192549E3-71F6-406D-ADFE-7284B435F50C}" srcOrd="0" destOrd="0" presId="urn:microsoft.com/office/officeart/2005/8/layout/orgChart1"/>
-    <dgm:cxn modelId="{F47422F4-8A7D-4366-895D-AD91A6694A7A}" type="presOf" srcId="{62715D2A-D5F5-4A23-9986-7D0EBB372899}" destId="{0935EACE-2A4A-4DA5-9605-BDEB3D65E8C1}" srcOrd="0" destOrd="0" presId="urn:microsoft.com/office/officeart/2005/8/layout/orgChart1"/>
-    <dgm:cxn modelId="{B7C7D99E-3476-4B29-B175-A31F866CF157}" type="presOf" srcId="{218443C8-AB06-4CE0-9CD8-1B7B09F808ED}" destId="{503F9CA6-5656-4A97-8BC1-6F2189E37EF2}" srcOrd="0" destOrd="0" presId="urn:microsoft.com/office/officeart/2005/8/layout/orgChart1"/>
     <dgm:cxn modelId="{F3BD94AA-98D6-4F00-8802-0F7FEBA865BD}" type="presParOf" srcId="{F53CA343-D82E-4CE0-8F91-9FD5CAF7BF82}" destId="{4311B045-9FE8-4866-960F-3B79F0A8F2F1}" srcOrd="0" destOrd="0" presId="urn:microsoft.com/office/officeart/2005/8/layout/orgChart1"/>
     <dgm:cxn modelId="{8CB57A8C-0BB7-4E69-97B0-3308F0B58B02}" type="presParOf" srcId="{4311B045-9FE8-4866-960F-3B79F0A8F2F1}" destId="{31FADD4D-4230-4E62-9B44-223E3645A7C9}" srcOrd="0" destOrd="0" presId="urn:microsoft.com/office/officeart/2005/8/layout/orgChart1"/>
     <dgm:cxn modelId="{2F18ABD5-2CA3-4F9E-B10F-B807A98F6A37}" type="presParOf" srcId="{31FADD4D-4230-4E62-9B44-223E3645A7C9}" destId="{75645F96-9709-4137-8624-2356B2869061}" srcOrd="0" destOrd="0" presId="urn:microsoft.com/office/officeart/2005/8/layout/orgChart1"/>
@@ -14097,17 +14227,7 @@
               <a:latin typeface="微軟正黑體" panose="020B0604030504040204" pitchFamily="34" charset="-120"/>
               <a:ea typeface="微軟正黑體" panose="020B0604030504040204" pitchFamily="34" charset="-120"/>
             </a:rPr>
-            <a:t>編輯個人</a:t>
-          </a:r>
-          <a:r>
-            <a:rPr lang="zh-TW" altLang="en-US" sz="1200" kern="1200" dirty="0" smtClean="0">
-              <a:solidFill>
-                <a:schemeClr val="tx1"/>
-              </a:solidFill>
-              <a:latin typeface="微軟正黑體" panose="020B0604030504040204" pitchFamily="34" charset="-120"/>
-              <a:ea typeface="微軟正黑體" panose="020B0604030504040204" pitchFamily="34" charset="-120"/>
-            </a:rPr>
-            <a:t>資料</a:t>
+            <a:t>編輯個人資料</a:t>
           </a:r>
           <a:endParaRPr lang="zh-TW" altLang="en-US" sz="1200" kern="1200" dirty="0">
             <a:solidFill>
@@ -21822,7 +21942,7 @@
           <a:p>
             <a:fld id="{6152CF07-9206-44DF-A646-38467251F147}" type="datetimeFigureOut">
               <a:rPr lang="zh-TW" altLang="en-US" smtClean="0"/>
-              <a:t>2019/2/20</a:t>
+              <a:t>2019/2/21</a:t>
             </a:fld>
             <a:endParaRPr lang="zh-TW" altLang="en-US"/>
           </a:p>
@@ -22221,7 +22341,7 @@
           <a:p>
             <a:fld id="{82B75221-FB99-444C-9B55-41AB92DCA0F1}" type="datetimeFigureOut">
               <a:rPr lang="zh-TW" altLang="en-US" smtClean="0"/>
-              <a:t>2019/2/20</a:t>
+              <a:t>2019/2/21</a:t>
             </a:fld>
             <a:endParaRPr lang="zh-TW" altLang="en-US"/>
           </a:p>
@@ -22391,7 +22511,7 @@
           <a:p>
             <a:fld id="{82B75221-FB99-444C-9B55-41AB92DCA0F1}" type="datetimeFigureOut">
               <a:rPr lang="zh-TW" altLang="en-US" smtClean="0"/>
-              <a:t>2019/2/20</a:t>
+              <a:t>2019/2/21</a:t>
             </a:fld>
             <a:endParaRPr lang="zh-TW" altLang="en-US"/>
           </a:p>
@@ -22571,7 +22691,7 @@
           <a:p>
             <a:fld id="{82B75221-FB99-444C-9B55-41AB92DCA0F1}" type="datetimeFigureOut">
               <a:rPr lang="zh-TW" altLang="en-US" smtClean="0"/>
-              <a:t>2019/2/20</a:t>
+              <a:t>2019/2/21</a:t>
             </a:fld>
             <a:endParaRPr lang="zh-TW" altLang="en-US"/>
           </a:p>
@@ -22741,7 +22861,7 @@
           <a:p>
             <a:fld id="{82B75221-FB99-444C-9B55-41AB92DCA0F1}" type="datetimeFigureOut">
               <a:rPr lang="zh-TW" altLang="en-US" smtClean="0"/>
-              <a:t>2019/2/20</a:t>
+              <a:t>2019/2/21</a:t>
             </a:fld>
             <a:endParaRPr lang="zh-TW" altLang="en-US"/>
           </a:p>
@@ -22987,7 +23107,7 @@
           <a:p>
             <a:fld id="{82B75221-FB99-444C-9B55-41AB92DCA0F1}" type="datetimeFigureOut">
               <a:rPr lang="zh-TW" altLang="en-US" smtClean="0"/>
-              <a:t>2019/2/20</a:t>
+              <a:t>2019/2/21</a:t>
             </a:fld>
             <a:endParaRPr lang="zh-TW" altLang="en-US"/>
           </a:p>
@@ -23219,7 +23339,7 @@
           <a:p>
             <a:fld id="{82B75221-FB99-444C-9B55-41AB92DCA0F1}" type="datetimeFigureOut">
               <a:rPr lang="zh-TW" altLang="en-US" smtClean="0"/>
-              <a:t>2019/2/20</a:t>
+              <a:t>2019/2/21</a:t>
             </a:fld>
             <a:endParaRPr lang="zh-TW" altLang="en-US"/>
           </a:p>
@@ -23586,7 +23706,7 @@
           <a:p>
             <a:fld id="{82B75221-FB99-444C-9B55-41AB92DCA0F1}" type="datetimeFigureOut">
               <a:rPr lang="zh-TW" altLang="en-US" smtClean="0"/>
-              <a:t>2019/2/20</a:t>
+              <a:t>2019/2/21</a:t>
             </a:fld>
             <a:endParaRPr lang="zh-TW" altLang="en-US"/>
           </a:p>
@@ -23704,7 +23824,7 @@
           <a:p>
             <a:fld id="{82B75221-FB99-444C-9B55-41AB92DCA0F1}" type="datetimeFigureOut">
               <a:rPr lang="zh-TW" altLang="en-US" smtClean="0"/>
-              <a:t>2019/2/20</a:t>
+              <a:t>2019/2/21</a:t>
             </a:fld>
             <a:endParaRPr lang="zh-TW" altLang="en-US"/>
           </a:p>
@@ -23799,7 +23919,7 @@
           <a:p>
             <a:fld id="{82B75221-FB99-444C-9B55-41AB92DCA0F1}" type="datetimeFigureOut">
               <a:rPr lang="zh-TW" altLang="en-US" smtClean="0"/>
-              <a:t>2019/2/20</a:t>
+              <a:t>2019/2/21</a:t>
             </a:fld>
             <a:endParaRPr lang="zh-TW" altLang="en-US"/>
           </a:p>
@@ -24076,7 +24196,7 @@
           <a:p>
             <a:fld id="{82B75221-FB99-444C-9B55-41AB92DCA0F1}" type="datetimeFigureOut">
               <a:rPr lang="zh-TW" altLang="en-US" smtClean="0"/>
-              <a:t>2019/2/20</a:t>
+              <a:t>2019/2/21</a:t>
             </a:fld>
             <a:endParaRPr lang="zh-TW" altLang="en-US"/>
           </a:p>
@@ -24329,7 +24449,7 @@
           <a:p>
             <a:fld id="{82B75221-FB99-444C-9B55-41AB92DCA0F1}" type="datetimeFigureOut">
               <a:rPr lang="zh-TW" altLang="en-US" smtClean="0"/>
-              <a:t>2019/2/20</a:t>
+              <a:t>2019/2/21</a:t>
             </a:fld>
             <a:endParaRPr lang="zh-TW" altLang="en-US"/>
           </a:p>
@@ -24542,7 +24662,7 @@
           <a:p>
             <a:fld id="{82B75221-FB99-444C-9B55-41AB92DCA0F1}" type="datetimeFigureOut">
               <a:rPr lang="zh-TW" altLang="en-US" smtClean="0"/>
-              <a:t>2019/2/20</a:t>
+              <a:t>2019/2/21</a:t>
             </a:fld>
             <a:endParaRPr lang="zh-TW" altLang="en-US"/>
           </a:p>
@@ -25732,9 +25852,44 @@
                 <a:latin typeface="微軟正黑體" panose="020B0604030504040204" pitchFamily="34" charset="-120"/>
                 <a:ea typeface="微軟正黑體" panose="020B0604030504040204" pitchFamily="34" charset="-120"/>
               </a:rPr>
-              <a:t>學生們會好奇自己未來到底會不會過或成績好不好</a:t>
+              <a:t>現在有的線</a:t>
             </a:r>
-            <a:endParaRPr lang="en-US" altLang="zh-TW" dirty="0">
+            <a:r>
+              <a:rPr lang="zh-TW" altLang="en-US" dirty="0">
+                <a:latin typeface="微軟正黑體" panose="020B0604030504040204" pitchFamily="34" charset="-120"/>
+                <a:ea typeface="微軟正黑體" panose="020B0604030504040204" pitchFamily="34" charset="-120"/>
+              </a:rPr>
+              <a:t>上</a:t>
+            </a:r>
+            <a:r>
+              <a:rPr lang="zh-TW" altLang="en-US" dirty="0" smtClean="0">
+                <a:latin typeface="微軟正黑體" panose="020B0604030504040204" pitchFamily="34" charset="-120"/>
+                <a:ea typeface="微軟正黑體" panose="020B0604030504040204" pitchFamily="34" charset="-120"/>
+              </a:rPr>
+              <a:t>教學</a:t>
+            </a:r>
+            <a:r>
+              <a:rPr lang="zh-TW" altLang="en-US" dirty="0">
+                <a:latin typeface="微軟正黑體" panose="020B0604030504040204" pitchFamily="34" charset="-120"/>
+                <a:ea typeface="微軟正黑體" panose="020B0604030504040204" pitchFamily="34" charset="-120"/>
+              </a:rPr>
+              <a:t>平台和學生的互動</a:t>
+            </a:r>
+            <a:r>
+              <a:rPr lang="zh-TW" altLang="en-US" dirty="0" smtClean="0">
+                <a:latin typeface="微軟正黑體" panose="020B0604030504040204" pitchFamily="34" charset="-120"/>
+                <a:ea typeface="微軟正黑體" panose="020B0604030504040204" pitchFamily="34" charset="-120"/>
+              </a:rPr>
+              <a:t>不夠多</a:t>
+            </a:r>
+            <a:r>
+              <a:rPr lang="zh-TW" altLang="en-US" dirty="0">
+                <a:latin typeface="微軟正黑體" panose="020B0604030504040204" pitchFamily="34" charset="-120"/>
+                <a:ea typeface="微軟正黑體" panose="020B0604030504040204" pitchFamily="34" charset="-120"/>
+              </a:rPr>
+              <a:t>。</a:t>
+            </a:r>
+            <a:endParaRPr lang="en-US" altLang="zh-TW" dirty="0" smtClean="0">
               <a:latin typeface="微軟正黑體" panose="020B0604030504040204" pitchFamily="34" charset="-120"/>
               <a:ea typeface="微軟正黑體" panose="020B0604030504040204" pitchFamily="34" charset="-120"/>
             </a:endParaRPr>
@@ -25756,7 +25911,14 @@
                 <a:latin typeface="微軟正黑體" panose="020B0604030504040204" pitchFamily="34" charset="-120"/>
                 <a:ea typeface="微軟正黑體" panose="020B0604030504040204" pitchFamily="34" charset="-120"/>
               </a:rPr>
-              <a:t>可與遊戲、共筆等功能做結合，提升學生學習力</a:t>
+              <a:t>可與遊戲、共筆等功能做結合，提升學生學習</a:t>
+            </a:r>
+            <a:r>
+              <a:rPr lang="zh-TW" altLang="en-US" dirty="0" smtClean="0">
+                <a:latin typeface="微軟正黑體" panose="020B0604030504040204" pitchFamily="34" charset="-120"/>
+                <a:ea typeface="微軟正黑體" panose="020B0604030504040204" pitchFamily="34" charset="-120"/>
+              </a:rPr>
+              <a:t>力</a:t>
             </a:r>
             <a:endParaRPr lang="en-US" altLang="zh-TW" dirty="0">
               <a:latin typeface="微軟正黑體" panose="020B0604030504040204" pitchFamily="34" charset="-120"/>
@@ -25850,8 +26012,8 @@
         </p:nvSpPr>
         <p:spPr>
           <a:xfrm>
-            <a:off x="4294094" y="5271247"/>
-            <a:ext cx="3012363" cy="723275"/>
+            <a:off x="4320858" y="5125402"/>
+            <a:ext cx="3550281" cy="1277273"/>
           </a:xfrm>
           <a:prstGeom prst="rect">
             <a:avLst/>
@@ -25859,7 +26021,7 @@
           <a:noFill/>
         </p:spPr>
         <p:txBody>
-          <a:bodyPr wrap="none" rtlCol="0">
+          <a:bodyPr wrap="square" rtlCol="0">
             <a:spAutoFit/>
           </a:bodyPr>
           <a:lstStyle/>
@@ -25893,7 +26055,59 @@
                 <a:latin typeface="微軟正黑體" panose="020B0604030504040204" pitchFamily="34" charset="-120"/>
                 <a:ea typeface="微軟正黑體" panose="020B0604030504040204" pitchFamily="34" charset="-120"/>
               </a:rPr>
-              <a:t>相對於其他平台資源較少</a:t>
+              <a:t>相對於其他平台資源較</a:t>
+            </a:r>
+            <a:r>
+              <a:rPr lang="zh-TW" altLang="en-US" dirty="0" smtClean="0">
+                <a:latin typeface="微軟正黑體" panose="020B0604030504040204" pitchFamily="34" charset="-120"/>
+                <a:ea typeface="微軟正黑體" panose="020B0604030504040204" pitchFamily="34" charset="-120"/>
+              </a:rPr>
+              <a:t>少</a:t>
+            </a:r>
+            <a:endParaRPr lang="en-US" altLang="zh-TW" dirty="0" smtClean="0">
+              <a:latin typeface="微軟正黑體" panose="020B0604030504040204" pitchFamily="34" charset="-120"/>
+              <a:ea typeface="微軟正黑體" panose="020B0604030504040204" pitchFamily="34" charset="-120"/>
+            </a:endParaRPr>
+          </a:p>
+          <a:p>
+            <a:pPr marL="285750" indent="-285750">
+              <a:buFont typeface="Arial" panose="020B0604020202020204" pitchFamily="34" charset="0"/>
+              <a:buChar char="•"/>
+            </a:pPr>
+            <a:r>
+              <a:rPr lang="zh-TW" altLang="en-US" dirty="0">
+                <a:latin typeface="微軟正黑體" panose="020B0604030504040204" pitchFamily="34" charset="-120"/>
+                <a:ea typeface="微軟正黑體" panose="020B0604030504040204" pitchFamily="34" charset="-120"/>
+              </a:rPr>
+              <a:t>相對於</a:t>
+            </a:r>
+            <a:r>
+              <a:rPr lang="zh-TW" altLang="en-US">
+                <a:latin typeface="微軟正黑體" panose="020B0604030504040204" pitchFamily="34" charset="-120"/>
+                <a:ea typeface="微軟正黑體" panose="020B0604030504040204" pitchFamily="34" charset="-120"/>
+              </a:rPr>
+              <a:t>面對面</a:t>
+            </a:r>
+            <a:r>
+              <a:rPr lang="zh-TW" altLang="en-US" smtClean="0">
+                <a:latin typeface="微軟正黑體" panose="020B0604030504040204" pitchFamily="34" charset="-120"/>
+                <a:ea typeface="微軟正黑體" panose="020B0604030504040204" pitchFamily="34" charset="-120"/>
+              </a:rPr>
+              <a:t>的教學，</a:t>
+            </a:r>
+            <a:r>
+              <a:rPr lang="zh-TW" altLang="en-US" dirty="0">
+                <a:latin typeface="微軟正黑體" panose="020B0604030504040204" pitchFamily="34" charset="-120"/>
+                <a:ea typeface="微軟正黑體" panose="020B0604030504040204" pitchFamily="34" charset="-120"/>
+              </a:rPr>
+              <a:t>學生對於課程的專注力較</a:t>
+            </a:r>
+            <a:r>
+              <a:rPr lang="zh-TW" altLang="en-US" dirty="0" smtClean="0">
+                <a:latin typeface="微軟正黑體" panose="020B0604030504040204" pitchFamily="34" charset="-120"/>
+                <a:ea typeface="微軟正黑體" panose="020B0604030504040204" pitchFamily="34" charset="-120"/>
+              </a:rPr>
+              <a:t>缺少。</a:t>
             </a:r>
             <a:endParaRPr lang="en-US" altLang="zh-TW" dirty="0">
               <a:latin typeface="微軟正黑體" panose="020B0604030504040204" pitchFamily="34" charset="-120"/>

--- a/線上教學平台20190222.pptx
+++ b/線上教學平台20190222.pptx
@@ -21942,7 +21942,7 @@
           <a:p>
             <a:fld id="{6152CF07-9206-44DF-A646-38467251F147}" type="datetimeFigureOut">
               <a:rPr lang="zh-TW" altLang="en-US" smtClean="0"/>
-              <a:t>2019/2/21</a:t>
+              <a:t>2019/2/22</a:t>
             </a:fld>
             <a:endParaRPr lang="zh-TW" altLang="en-US"/>
           </a:p>
@@ -22341,7 +22341,7 @@
           <a:p>
             <a:fld id="{82B75221-FB99-444C-9B55-41AB92DCA0F1}" type="datetimeFigureOut">
               <a:rPr lang="zh-TW" altLang="en-US" smtClean="0"/>
-              <a:t>2019/2/21</a:t>
+              <a:t>2019/2/22</a:t>
             </a:fld>
             <a:endParaRPr lang="zh-TW" altLang="en-US"/>
           </a:p>
@@ -22511,7 +22511,7 @@
           <a:p>
             <a:fld id="{82B75221-FB99-444C-9B55-41AB92DCA0F1}" type="datetimeFigureOut">
               <a:rPr lang="zh-TW" altLang="en-US" smtClean="0"/>
-              <a:t>2019/2/21</a:t>
+              <a:t>2019/2/22</a:t>
             </a:fld>
             <a:endParaRPr lang="zh-TW" altLang="en-US"/>
           </a:p>
@@ -22691,7 +22691,7 @@
           <a:p>
             <a:fld id="{82B75221-FB99-444C-9B55-41AB92DCA0F1}" type="datetimeFigureOut">
               <a:rPr lang="zh-TW" altLang="en-US" smtClean="0"/>
-              <a:t>2019/2/21</a:t>
+              <a:t>2019/2/22</a:t>
             </a:fld>
             <a:endParaRPr lang="zh-TW" altLang="en-US"/>
           </a:p>
@@ -22861,7 +22861,7 @@
           <a:p>
             <a:fld id="{82B75221-FB99-444C-9B55-41AB92DCA0F1}" type="datetimeFigureOut">
               <a:rPr lang="zh-TW" altLang="en-US" smtClean="0"/>
-              <a:t>2019/2/21</a:t>
+              <a:t>2019/2/22</a:t>
             </a:fld>
             <a:endParaRPr lang="zh-TW" altLang="en-US"/>
           </a:p>
@@ -23107,7 +23107,7 @@
           <a:p>
             <a:fld id="{82B75221-FB99-444C-9B55-41AB92DCA0F1}" type="datetimeFigureOut">
               <a:rPr lang="zh-TW" altLang="en-US" smtClean="0"/>
-              <a:t>2019/2/21</a:t>
+              <a:t>2019/2/22</a:t>
             </a:fld>
             <a:endParaRPr lang="zh-TW" altLang="en-US"/>
           </a:p>
@@ -23339,7 +23339,7 @@
           <a:p>
             <a:fld id="{82B75221-FB99-444C-9B55-41AB92DCA0F1}" type="datetimeFigureOut">
               <a:rPr lang="zh-TW" altLang="en-US" smtClean="0"/>
-              <a:t>2019/2/21</a:t>
+              <a:t>2019/2/22</a:t>
             </a:fld>
             <a:endParaRPr lang="zh-TW" altLang="en-US"/>
           </a:p>
@@ -23706,7 +23706,7 @@
           <a:p>
             <a:fld id="{82B75221-FB99-444C-9B55-41AB92DCA0F1}" type="datetimeFigureOut">
               <a:rPr lang="zh-TW" altLang="en-US" smtClean="0"/>
-              <a:t>2019/2/21</a:t>
+              <a:t>2019/2/22</a:t>
             </a:fld>
             <a:endParaRPr lang="zh-TW" altLang="en-US"/>
           </a:p>
@@ -23824,7 +23824,7 @@
           <a:p>
             <a:fld id="{82B75221-FB99-444C-9B55-41AB92DCA0F1}" type="datetimeFigureOut">
               <a:rPr lang="zh-TW" altLang="en-US" smtClean="0"/>
-              <a:t>2019/2/21</a:t>
+              <a:t>2019/2/22</a:t>
             </a:fld>
             <a:endParaRPr lang="zh-TW" altLang="en-US"/>
           </a:p>
@@ -23919,7 +23919,7 @@
           <a:p>
             <a:fld id="{82B75221-FB99-444C-9B55-41AB92DCA0F1}" type="datetimeFigureOut">
               <a:rPr lang="zh-TW" altLang="en-US" smtClean="0"/>
-              <a:t>2019/2/21</a:t>
+              <a:t>2019/2/22</a:t>
             </a:fld>
             <a:endParaRPr lang="zh-TW" altLang="en-US"/>
           </a:p>
@@ -24196,7 +24196,7 @@
           <a:p>
             <a:fld id="{82B75221-FB99-444C-9B55-41AB92DCA0F1}" type="datetimeFigureOut">
               <a:rPr lang="zh-TW" altLang="en-US" smtClean="0"/>
-              <a:t>2019/2/21</a:t>
+              <a:t>2019/2/22</a:t>
             </a:fld>
             <a:endParaRPr lang="zh-TW" altLang="en-US"/>
           </a:p>
@@ -24449,7 +24449,7 @@
           <a:p>
             <a:fld id="{82B75221-FB99-444C-9B55-41AB92DCA0F1}" type="datetimeFigureOut">
               <a:rPr lang="zh-TW" altLang="en-US" smtClean="0"/>
-              <a:t>2019/2/21</a:t>
+              <a:t>2019/2/22</a:t>
             </a:fld>
             <a:endParaRPr lang="zh-TW" altLang="en-US"/>
           </a:p>
@@ -24662,7 +24662,7 @@
           <a:p>
             <a:fld id="{82B75221-FB99-444C-9B55-41AB92DCA0F1}" type="datetimeFigureOut">
               <a:rPr lang="zh-TW" altLang="en-US" smtClean="0"/>
-              <a:t>2019/2/21</a:t>
+              <a:t>2019/2/22</a:t>
             </a:fld>
             <a:endParaRPr lang="zh-TW" altLang="en-US"/>
           </a:p>
